--- a/5.AHIFS/BWM2/Kaufvertrag_Referat.pptx
+++ b/5.AHIFS/BWM2/Kaufvertrag_Referat.pptx
@@ -4,10 +4,31 @@
   <p:sldMasterIdLst>
     <p:sldMasterId id="2147483648" r:id="rId1"/>
   </p:sldMasterIdLst>
+  <p:notesMasterIdLst>
+    <p:notesMasterId r:id="rId23"/>
+  </p:notesMasterIdLst>
   <p:sldIdLst>
     <p:sldId id="256" r:id="rId2"/>
     <p:sldId id="257" r:id="rId3"/>
     <p:sldId id="258" r:id="rId4"/>
+    <p:sldId id="259" r:id="rId5"/>
+    <p:sldId id="260" r:id="rId6"/>
+    <p:sldId id="261" r:id="rId7"/>
+    <p:sldId id="262" r:id="rId8"/>
+    <p:sldId id="263" r:id="rId9"/>
+    <p:sldId id="264" r:id="rId10"/>
+    <p:sldId id="265" r:id="rId11"/>
+    <p:sldId id="266" r:id="rId12"/>
+    <p:sldId id="267" r:id="rId13"/>
+    <p:sldId id="268" r:id="rId14"/>
+    <p:sldId id="269" r:id="rId15"/>
+    <p:sldId id="270" r:id="rId16"/>
+    <p:sldId id="271" r:id="rId17"/>
+    <p:sldId id="272" r:id="rId18"/>
+    <p:sldId id="273" r:id="rId19"/>
+    <p:sldId id="274" r:id="rId20"/>
+    <p:sldId id="275" r:id="rId21"/>
+    <p:sldId id="276" r:id="rId22"/>
   </p:sldIdLst>
   <p:sldSz cx="12192000" cy="6858000"/>
   <p:notesSz cx="6858000" cy="9144000"/>
@@ -106,7 +127,1927 @@
       </a:defRPr>
     </a:lvl9pPr>
   </p:defaultTextStyle>
+  <p:extLst>
+    <p:ext uri="{EFAFB233-063F-42B5-8137-9DF3F51BA10A}">
+      <p15:sldGuideLst xmlns:p15="http://schemas.microsoft.com/office/powerpoint/2012/main"/>
+    </p:ext>
+  </p:extLst>
 </p:presentation>
+</file>
+
+<file path=ppt/notesMasters/notesMaster1.xml><?xml version="1.0" encoding="utf-8"?>
+<p:notesMaster xmlns:a="http://schemas.openxmlformats.org/drawingml/2006/main" xmlns:r="http://schemas.openxmlformats.org/officeDocument/2006/relationships" xmlns:p="http://schemas.openxmlformats.org/presentationml/2006/main">
+  <p:cSld>
+    <p:bg>
+      <p:bgRef idx="1001">
+        <a:schemeClr val="bg1"/>
+      </p:bgRef>
+    </p:bg>
+    <p:spTree>
+      <p:nvGrpSpPr>
+        <p:cNvPr id="1" name=""/>
+        <p:cNvGrpSpPr/>
+        <p:nvPr/>
+      </p:nvGrpSpPr>
+      <p:grpSpPr>
+        <a:xfrm>
+          <a:off x="0" y="0"/>
+          <a:ext cx="0" cy="0"/>
+          <a:chOff x="0" y="0"/>
+          <a:chExt cx="0" cy="0"/>
+        </a:xfrm>
+      </p:grpSpPr>
+      <p:sp>
+        <p:nvSpPr>
+          <p:cNvPr id="2" name="Kopfzeilenplatzhalter 1"/>
+          <p:cNvSpPr>
+            <a:spLocks noGrp="1"/>
+          </p:cNvSpPr>
+          <p:nvPr>
+            <p:ph type="hdr" sz="quarter"/>
+          </p:nvPr>
+        </p:nvSpPr>
+        <p:spPr>
+          <a:xfrm>
+            <a:off x="0" y="0"/>
+            <a:ext cx="2971800" cy="458788"/>
+          </a:xfrm>
+          <a:prstGeom prst="rect">
+            <a:avLst/>
+          </a:prstGeom>
+        </p:spPr>
+        <p:txBody>
+          <a:bodyPr vert="horz" lIns="91440" tIns="45720" rIns="91440" bIns="45720" rtlCol="0"/>
+          <a:lstStyle>
+            <a:lvl1pPr algn="l">
+              <a:defRPr sz="1200"/>
+            </a:lvl1pPr>
+          </a:lstStyle>
+          <a:p>
+            <a:endParaRPr lang="de-AT"/>
+          </a:p>
+        </p:txBody>
+      </p:sp>
+      <p:sp>
+        <p:nvSpPr>
+          <p:cNvPr id="3" name="Datumsplatzhalter 2"/>
+          <p:cNvSpPr>
+            <a:spLocks noGrp="1"/>
+          </p:cNvSpPr>
+          <p:nvPr>
+            <p:ph type="dt" idx="1"/>
+          </p:nvPr>
+        </p:nvSpPr>
+        <p:spPr>
+          <a:xfrm>
+            <a:off x="3884613" y="0"/>
+            <a:ext cx="2971800" cy="458788"/>
+          </a:xfrm>
+          <a:prstGeom prst="rect">
+            <a:avLst/>
+          </a:prstGeom>
+        </p:spPr>
+        <p:txBody>
+          <a:bodyPr vert="horz" lIns="91440" tIns="45720" rIns="91440" bIns="45720" rtlCol="0"/>
+          <a:lstStyle>
+            <a:lvl1pPr algn="r">
+              <a:defRPr sz="1200"/>
+            </a:lvl1pPr>
+          </a:lstStyle>
+          <a:p>
+            <a:fld id="{98B97E93-1BC7-46A1-AA24-43730B07A29C}" type="datetimeFigureOut">
+              <a:rPr lang="de-AT" smtClean="0"/>
+              <a:t>20.01.2019</a:t>
+            </a:fld>
+            <a:endParaRPr lang="de-AT"/>
+          </a:p>
+        </p:txBody>
+      </p:sp>
+      <p:sp>
+        <p:nvSpPr>
+          <p:cNvPr id="4" name="Folienbildplatzhalter 3"/>
+          <p:cNvSpPr>
+            <a:spLocks noGrp="1" noRot="1" noChangeAspect="1"/>
+          </p:cNvSpPr>
+          <p:nvPr>
+            <p:ph type="sldImg" idx="2"/>
+          </p:nvPr>
+        </p:nvSpPr>
+        <p:spPr>
+          <a:xfrm>
+            <a:off x="685800" y="1143000"/>
+            <a:ext cx="5486400" cy="3086100"/>
+          </a:xfrm>
+          <a:prstGeom prst="rect">
+            <a:avLst/>
+          </a:prstGeom>
+          <a:noFill/>
+          <a:ln w="12700">
+            <a:solidFill>
+              <a:prstClr val="black"/>
+            </a:solidFill>
+          </a:ln>
+        </p:spPr>
+        <p:txBody>
+          <a:bodyPr vert="horz" lIns="91440" tIns="45720" rIns="91440" bIns="45720" rtlCol="0" anchor="ctr"/>
+          <a:lstStyle/>
+          <a:p>
+            <a:endParaRPr lang="de-AT"/>
+          </a:p>
+        </p:txBody>
+      </p:sp>
+      <p:sp>
+        <p:nvSpPr>
+          <p:cNvPr id="5" name="Notizenplatzhalter 4"/>
+          <p:cNvSpPr>
+            <a:spLocks noGrp="1"/>
+          </p:cNvSpPr>
+          <p:nvPr>
+            <p:ph type="body" sz="quarter" idx="3"/>
+          </p:nvPr>
+        </p:nvSpPr>
+        <p:spPr>
+          <a:xfrm>
+            <a:off x="685800" y="4400550"/>
+            <a:ext cx="5486400" cy="3600450"/>
+          </a:xfrm>
+          <a:prstGeom prst="rect">
+            <a:avLst/>
+          </a:prstGeom>
+        </p:spPr>
+        <p:txBody>
+          <a:bodyPr vert="horz" lIns="91440" tIns="45720" rIns="91440" bIns="45720" rtlCol="0"/>
+          <a:lstStyle/>
+          <a:p>
+            <a:pPr lvl="0"/>
+            <a:r>
+              <a:rPr lang="de-DE"/>
+              <a:t>Mastertextformat bearbeiten</a:t>
+            </a:r>
+          </a:p>
+          <a:p>
+            <a:pPr lvl="1"/>
+            <a:r>
+              <a:rPr lang="de-DE"/>
+              <a:t>Zweite Ebene</a:t>
+            </a:r>
+          </a:p>
+          <a:p>
+            <a:pPr lvl="2"/>
+            <a:r>
+              <a:rPr lang="de-DE"/>
+              <a:t>Dritte Ebene</a:t>
+            </a:r>
+          </a:p>
+          <a:p>
+            <a:pPr lvl="3"/>
+            <a:r>
+              <a:rPr lang="de-DE"/>
+              <a:t>Vierte Ebene</a:t>
+            </a:r>
+          </a:p>
+          <a:p>
+            <a:pPr lvl="4"/>
+            <a:r>
+              <a:rPr lang="de-DE"/>
+              <a:t>Fünfte Ebene</a:t>
+            </a:r>
+            <a:endParaRPr lang="de-AT"/>
+          </a:p>
+        </p:txBody>
+      </p:sp>
+      <p:sp>
+        <p:nvSpPr>
+          <p:cNvPr id="6" name="Fußzeilenplatzhalter 5"/>
+          <p:cNvSpPr>
+            <a:spLocks noGrp="1"/>
+          </p:cNvSpPr>
+          <p:nvPr>
+            <p:ph type="ftr" sz="quarter" idx="4"/>
+          </p:nvPr>
+        </p:nvSpPr>
+        <p:spPr>
+          <a:xfrm>
+            <a:off x="0" y="8685213"/>
+            <a:ext cx="2971800" cy="458787"/>
+          </a:xfrm>
+          <a:prstGeom prst="rect">
+            <a:avLst/>
+          </a:prstGeom>
+        </p:spPr>
+        <p:txBody>
+          <a:bodyPr vert="horz" lIns="91440" tIns="45720" rIns="91440" bIns="45720" rtlCol="0" anchor="b"/>
+          <a:lstStyle>
+            <a:lvl1pPr algn="l">
+              <a:defRPr sz="1200"/>
+            </a:lvl1pPr>
+          </a:lstStyle>
+          <a:p>
+            <a:endParaRPr lang="de-AT"/>
+          </a:p>
+        </p:txBody>
+      </p:sp>
+      <p:sp>
+        <p:nvSpPr>
+          <p:cNvPr id="7" name="Foliennummernplatzhalter 6"/>
+          <p:cNvSpPr>
+            <a:spLocks noGrp="1"/>
+          </p:cNvSpPr>
+          <p:nvPr>
+            <p:ph type="sldNum" sz="quarter" idx="5"/>
+          </p:nvPr>
+        </p:nvSpPr>
+        <p:spPr>
+          <a:xfrm>
+            <a:off x="3884613" y="8685213"/>
+            <a:ext cx="2971800" cy="458787"/>
+          </a:xfrm>
+          <a:prstGeom prst="rect">
+            <a:avLst/>
+          </a:prstGeom>
+        </p:spPr>
+        <p:txBody>
+          <a:bodyPr vert="horz" lIns="91440" tIns="45720" rIns="91440" bIns="45720" rtlCol="0" anchor="b"/>
+          <a:lstStyle>
+            <a:lvl1pPr algn="r">
+              <a:defRPr sz="1200"/>
+            </a:lvl1pPr>
+          </a:lstStyle>
+          <a:p>
+            <a:fld id="{024EC6CA-C12B-4BE8-8078-31C6225E6F24}" type="slidenum">
+              <a:rPr lang="de-AT" smtClean="0"/>
+              <a:t>‹Nr.›</a:t>
+            </a:fld>
+            <a:endParaRPr lang="de-AT"/>
+          </a:p>
+        </p:txBody>
+      </p:sp>
+    </p:spTree>
+    <p:extLst>
+      <p:ext uri="{BB962C8B-B14F-4D97-AF65-F5344CB8AC3E}">
+        <p14:creationId xmlns:p14="http://schemas.microsoft.com/office/powerpoint/2010/main" val="1297328893"/>
+      </p:ext>
+    </p:extLst>
+  </p:cSld>
+  <p:clrMap bg1="lt1" tx1="dk1" bg2="lt2" tx2="dk2" accent1="accent1" accent2="accent2" accent3="accent3" accent4="accent4" accent5="accent5" accent6="accent6" hlink="hlink" folHlink="folHlink"/>
+  <p:notesStyle>
+    <a:lvl1pPr marL="0" algn="l" defTabSz="914400" rtl="0" eaLnBrk="1" latinLnBrk="0" hangingPunct="1">
+      <a:defRPr sz="1200" kern="1200">
+        <a:solidFill>
+          <a:schemeClr val="tx1"/>
+        </a:solidFill>
+        <a:latin typeface="+mn-lt"/>
+        <a:ea typeface="+mn-ea"/>
+        <a:cs typeface="+mn-cs"/>
+      </a:defRPr>
+    </a:lvl1pPr>
+    <a:lvl2pPr marL="457200" algn="l" defTabSz="914400" rtl="0" eaLnBrk="1" latinLnBrk="0" hangingPunct="1">
+      <a:defRPr sz="1200" kern="1200">
+        <a:solidFill>
+          <a:schemeClr val="tx1"/>
+        </a:solidFill>
+        <a:latin typeface="+mn-lt"/>
+        <a:ea typeface="+mn-ea"/>
+        <a:cs typeface="+mn-cs"/>
+      </a:defRPr>
+    </a:lvl2pPr>
+    <a:lvl3pPr marL="914400" algn="l" defTabSz="914400" rtl="0" eaLnBrk="1" latinLnBrk="0" hangingPunct="1">
+      <a:defRPr sz="1200" kern="1200">
+        <a:solidFill>
+          <a:schemeClr val="tx1"/>
+        </a:solidFill>
+        <a:latin typeface="+mn-lt"/>
+        <a:ea typeface="+mn-ea"/>
+        <a:cs typeface="+mn-cs"/>
+      </a:defRPr>
+    </a:lvl3pPr>
+    <a:lvl4pPr marL="1371600" algn="l" defTabSz="914400" rtl="0" eaLnBrk="1" latinLnBrk="0" hangingPunct="1">
+      <a:defRPr sz="1200" kern="1200">
+        <a:solidFill>
+          <a:schemeClr val="tx1"/>
+        </a:solidFill>
+        <a:latin typeface="+mn-lt"/>
+        <a:ea typeface="+mn-ea"/>
+        <a:cs typeface="+mn-cs"/>
+      </a:defRPr>
+    </a:lvl4pPr>
+    <a:lvl5pPr marL="1828800" algn="l" defTabSz="914400" rtl="0" eaLnBrk="1" latinLnBrk="0" hangingPunct="1">
+      <a:defRPr sz="1200" kern="1200">
+        <a:solidFill>
+          <a:schemeClr val="tx1"/>
+        </a:solidFill>
+        <a:latin typeface="+mn-lt"/>
+        <a:ea typeface="+mn-ea"/>
+        <a:cs typeface="+mn-cs"/>
+      </a:defRPr>
+    </a:lvl5pPr>
+    <a:lvl6pPr marL="2286000" algn="l" defTabSz="914400" rtl="0" eaLnBrk="1" latinLnBrk="0" hangingPunct="1">
+      <a:defRPr sz="1200" kern="1200">
+        <a:solidFill>
+          <a:schemeClr val="tx1"/>
+        </a:solidFill>
+        <a:latin typeface="+mn-lt"/>
+        <a:ea typeface="+mn-ea"/>
+        <a:cs typeface="+mn-cs"/>
+      </a:defRPr>
+    </a:lvl6pPr>
+    <a:lvl7pPr marL="2743200" algn="l" defTabSz="914400" rtl="0" eaLnBrk="1" latinLnBrk="0" hangingPunct="1">
+      <a:defRPr sz="1200" kern="1200">
+        <a:solidFill>
+          <a:schemeClr val="tx1"/>
+        </a:solidFill>
+        <a:latin typeface="+mn-lt"/>
+        <a:ea typeface="+mn-ea"/>
+        <a:cs typeface="+mn-cs"/>
+      </a:defRPr>
+    </a:lvl7pPr>
+    <a:lvl8pPr marL="3200400" algn="l" defTabSz="914400" rtl="0" eaLnBrk="1" latinLnBrk="0" hangingPunct="1">
+      <a:defRPr sz="1200" kern="1200">
+        <a:solidFill>
+          <a:schemeClr val="tx1"/>
+        </a:solidFill>
+        <a:latin typeface="+mn-lt"/>
+        <a:ea typeface="+mn-ea"/>
+        <a:cs typeface="+mn-cs"/>
+      </a:defRPr>
+    </a:lvl8pPr>
+    <a:lvl9pPr marL="3657600" algn="l" defTabSz="914400" rtl="0" eaLnBrk="1" latinLnBrk="0" hangingPunct="1">
+      <a:defRPr sz="1200" kern="1200">
+        <a:solidFill>
+          <a:schemeClr val="tx1"/>
+        </a:solidFill>
+        <a:latin typeface="+mn-lt"/>
+        <a:ea typeface="+mn-ea"/>
+        <a:cs typeface="+mn-cs"/>
+      </a:defRPr>
+    </a:lvl9pPr>
+  </p:notesStyle>
+</p:notesMaster>
+</file>
+
+<file path=ppt/notesSlides/notesSlide1.xml><?xml version="1.0" encoding="utf-8"?>
+<p:notes xmlns:a="http://schemas.openxmlformats.org/drawingml/2006/main" xmlns:r="http://schemas.openxmlformats.org/officeDocument/2006/relationships" xmlns:p="http://schemas.openxmlformats.org/presentationml/2006/main">
+  <p:cSld>
+    <p:spTree>
+      <p:nvGrpSpPr>
+        <p:cNvPr id="1" name=""/>
+        <p:cNvGrpSpPr/>
+        <p:nvPr/>
+      </p:nvGrpSpPr>
+      <p:grpSpPr>
+        <a:xfrm>
+          <a:off x="0" y="0"/>
+          <a:ext cx="0" cy="0"/>
+          <a:chOff x="0" y="0"/>
+          <a:chExt cx="0" cy="0"/>
+        </a:xfrm>
+      </p:grpSpPr>
+      <p:sp>
+        <p:nvSpPr>
+          <p:cNvPr id="2" name="Folienbildplatzhalter 1"/>
+          <p:cNvSpPr>
+            <a:spLocks noGrp="1" noRot="1" noChangeAspect="1"/>
+          </p:cNvSpPr>
+          <p:nvPr>
+            <p:ph type="sldImg"/>
+          </p:nvPr>
+        </p:nvSpPr>
+        <p:spPr/>
+      </p:sp>
+      <p:sp>
+        <p:nvSpPr>
+          <p:cNvPr id="3" name="Notizenplatzhalter 2"/>
+          <p:cNvSpPr>
+            <a:spLocks noGrp="1"/>
+          </p:cNvSpPr>
+          <p:nvPr>
+            <p:ph type="body" idx="1"/>
+          </p:nvPr>
+        </p:nvSpPr>
+        <p:spPr/>
+        <p:txBody>
+          <a:bodyPr/>
+          <a:lstStyle/>
+          <a:p>
+            <a:r>
+              <a:rPr lang="de-AT" dirty="0"/>
+              <a:t>Wird von 2 </a:t>
+            </a:r>
+            <a:r>
+              <a:rPr lang="de-AT" dirty="0" err="1"/>
+              <a:t>Vertagspartnern</a:t>
+            </a:r>
+            <a:r>
+              <a:rPr lang="de-AT" dirty="0"/>
+              <a:t> </a:t>
+            </a:r>
+            <a:r>
+              <a:rPr lang="de-AT" dirty="0" err="1"/>
+              <a:t>abgeschlosse</a:t>
+            </a:r>
+            <a:r>
+              <a:rPr lang="de-AT" dirty="0"/>
+              <a:t> (Käufer u. Verkäufer);</a:t>
+            </a:r>
+          </a:p>
+          <a:p>
+            <a:r>
+              <a:rPr lang="de-AT" dirty="0"/>
+              <a:t> zweiseitiges verbindliches Rechtsgeschäft;</a:t>
+            </a:r>
+          </a:p>
+          <a:p>
+            <a:r>
+              <a:rPr lang="de-AT" dirty="0"/>
+              <a:t> wenn sich Verkäufer und Käufer über die Ware und Preis einigen </a:t>
+            </a:r>
+          </a:p>
+          <a:p>
+            <a:r>
+              <a:rPr lang="de-AT" dirty="0"/>
+              <a:t>(Übereinstimmige Willenserklärung). </a:t>
+            </a:r>
+          </a:p>
+        </p:txBody>
+      </p:sp>
+      <p:sp>
+        <p:nvSpPr>
+          <p:cNvPr id="4" name="Foliennummernplatzhalter 3"/>
+          <p:cNvSpPr>
+            <a:spLocks noGrp="1"/>
+          </p:cNvSpPr>
+          <p:nvPr>
+            <p:ph type="sldNum" sz="quarter" idx="5"/>
+          </p:nvPr>
+        </p:nvSpPr>
+        <p:spPr/>
+        <p:txBody>
+          <a:bodyPr/>
+          <a:lstStyle/>
+          <a:p>
+            <a:fld id="{024EC6CA-C12B-4BE8-8078-31C6225E6F24}" type="slidenum">
+              <a:rPr lang="de-AT" smtClean="0"/>
+              <a:t>2</a:t>
+            </a:fld>
+            <a:endParaRPr lang="de-AT"/>
+          </a:p>
+        </p:txBody>
+      </p:sp>
+    </p:spTree>
+    <p:extLst>
+      <p:ext uri="{BB962C8B-B14F-4D97-AF65-F5344CB8AC3E}">
+        <p14:creationId xmlns:p14="http://schemas.microsoft.com/office/powerpoint/2010/main" val="3067410662"/>
+      </p:ext>
+    </p:extLst>
+  </p:cSld>
+  <p:clrMapOvr>
+    <a:masterClrMapping/>
+  </p:clrMapOvr>
+</p:notes>
+</file>
+
+<file path=ppt/notesSlides/notesSlide10.xml><?xml version="1.0" encoding="utf-8"?>
+<p:notes xmlns:a="http://schemas.openxmlformats.org/drawingml/2006/main" xmlns:r="http://schemas.openxmlformats.org/officeDocument/2006/relationships" xmlns:p="http://schemas.openxmlformats.org/presentationml/2006/main">
+  <p:cSld>
+    <p:spTree>
+      <p:nvGrpSpPr>
+        <p:cNvPr id="1" name=""/>
+        <p:cNvGrpSpPr/>
+        <p:nvPr/>
+      </p:nvGrpSpPr>
+      <p:grpSpPr>
+        <a:xfrm>
+          <a:off x="0" y="0"/>
+          <a:ext cx="0" cy="0"/>
+          <a:chOff x="0" y="0"/>
+          <a:chExt cx="0" cy="0"/>
+        </a:xfrm>
+      </p:grpSpPr>
+      <p:sp>
+        <p:nvSpPr>
+          <p:cNvPr id="2" name="Folienbildplatzhalter 1"/>
+          <p:cNvSpPr>
+            <a:spLocks noGrp="1" noRot="1" noChangeAspect="1"/>
+          </p:cNvSpPr>
+          <p:nvPr>
+            <p:ph type="sldImg"/>
+          </p:nvPr>
+        </p:nvSpPr>
+        <p:spPr/>
+      </p:sp>
+      <p:sp>
+        <p:nvSpPr>
+          <p:cNvPr id="3" name="Notizenplatzhalter 2"/>
+          <p:cNvSpPr>
+            <a:spLocks noGrp="1"/>
+          </p:cNvSpPr>
+          <p:nvPr>
+            <p:ph type="body" idx="1"/>
+          </p:nvPr>
+        </p:nvSpPr>
+        <p:spPr/>
+        <p:txBody>
+          <a:bodyPr/>
+          <a:lstStyle/>
+          <a:p>
+            <a:pPr marL="171450" indent="-171450">
+              <a:buFont typeface="Arial" panose="020B0604020202020204" pitchFamily="34" charset="0"/>
+              <a:buChar char="•"/>
+            </a:pPr>
+            <a:r>
+              <a:rPr lang="de-AT" dirty="0"/>
+              <a:t>Ausreichender Schutz der Ware</a:t>
+            </a:r>
+          </a:p>
+          <a:p>
+            <a:pPr marL="171450" indent="-171450">
+              <a:buFont typeface="Arial" panose="020B0604020202020204" pitchFamily="34" charset="0"/>
+              <a:buChar char="•"/>
+            </a:pPr>
+            <a:r>
+              <a:rPr lang="de-AT" dirty="0"/>
+              <a:t>Rechtlich der Käufer (meist im Preis enthalten)</a:t>
+            </a:r>
+          </a:p>
+        </p:txBody>
+      </p:sp>
+      <p:sp>
+        <p:nvSpPr>
+          <p:cNvPr id="4" name="Foliennummernplatzhalter 3"/>
+          <p:cNvSpPr>
+            <a:spLocks noGrp="1"/>
+          </p:cNvSpPr>
+          <p:nvPr>
+            <p:ph type="sldNum" sz="quarter" idx="5"/>
+          </p:nvPr>
+        </p:nvSpPr>
+        <p:spPr/>
+        <p:txBody>
+          <a:bodyPr/>
+          <a:lstStyle/>
+          <a:p>
+            <a:fld id="{024EC6CA-C12B-4BE8-8078-31C6225E6F24}" type="slidenum">
+              <a:rPr lang="de-AT" smtClean="0"/>
+              <a:t>14</a:t>
+            </a:fld>
+            <a:endParaRPr lang="de-AT"/>
+          </a:p>
+        </p:txBody>
+      </p:sp>
+    </p:spTree>
+    <p:extLst>
+      <p:ext uri="{BB962C8B-B14F-4D97-AF65-F5344CB8AC3E}">
+        <p14:creationId xmlns:p14="http://schemas.microsoft.com/office/powerpoint/2010/main" val="2619333152"/>
+      </p:ext>
+    </p:extLst>
+  </p:cSld>
+  <p:clrMapOvr>
+    <a:masterClrMapping/>
+  </p:clrMapOvr>
+</p:notes>
+</file>
+
+<file path=ppt/notesSlides/notesSlide11.xml><?xml version="1.0" encoding="utf-8"?>
+<p:notes xmlns:a="http://schemas.openxmlformats.org/drawingml/2006/main" xmlns:r="http://schemas.openxmlformats.org/officeDocument/2006/relationships" xmlns:p="http://schemas.openxmlformats.org/presentationml/2006/main">
+  <p:cSld>
+    <p:spTree>
+      <p:nvGrpSpPr>
+        <p:cNvPr id="1" name=""/>
+        <p:cNvGrpSpPr/>
+        <p:nvPr/>
+      </p:nvGrpSpPr>
+      <p:grpSpPr>
+        <a:xfrm>
+          <a:off x="0" y="0"/>
+          <a:ext cx="0" cy="0"/>
+          <a:chOff x="0" y="0"/>
+          <a:chExt cx="0" cy="0"/>
+        </a:xfrm>
+      </p:grpSpPr>
+      <p:sp>
+        <p:nvSpPr>
+          <p:cNvPr id="2" name="Folienbildplatzhalter 1"/>
+          <p:cNvSpPr>
+            <a:spLocks noGrp="1" noRot="1" noChangeAspect="1"/>
+          </p:cNvSpPr>
+          <p:nvPr>
+            <p:ph type="sldImg"/>
+          </p:nvPr>
+        </p:nvSpPr>
+        <p:spPr/>
+      </p:sp>
+      <p:sp>
+        <p:nvSpPr>
+          <p:cNvPr id="3" name="Notizenplatzhalter 2"/>
+          <p:cNvSpPr>
+            <a:spLocks noGrp="1"/>
+          </p:cNvSpPr>
+          <p:nvPr>
+            <p:ph type="body" idx="1"/>
+          </p:nvPr>
+        </p:nvSpPr>
+        <p:spPr/>
+        <p:txBody>
+          <a:bodyPr/>
+          <a:lstStyle/>
+          <a:p>
+            <a:pPr marL="171450" indent="-171450">
+              <a:buFont typeface="Arial" panose="020B0604020202020204" pitchFamily="34" charset="0"/>
+              <a:buChar char="•"/>
+            </a:pPr>
+            <a:r>
+              <a:rPr lang="de-AT" dirty="0"/>
+              <a:t>Müssen in den Vertrag aufgenommen werden. Onlineshopping darauf hinweisen</a:t>
+            </a:r>
+          </a:p>
+          <a:p>
+            <a:pPr marL="171450" indent="-171450">
+              <a:buFont typeface="Arial" panose="020B0604020202020204" pitchFamily="34" charset="0"/>
+              <a:buChar char="•"/>
+            </a:pPr>
+            <a:r>
+              <a:rPr lang="de-AT" dirty="0"/>
+              <a:t>Zwar benützen sie gehört aber dem Verkäufer</a:t>
+            </a:r>
+          </a:p>
+          <a:p>
+            <a:pPr marL="171450" indent="-171450">
+              <a:buFont typeface="Arial" panose="020B0604020202020204" pitchFamily="34" charset="0"/>
+              <a:buChar char="•"/>
+            </a:pPr>
+            <a:r>
+              <a:rPr lang="de-AT" dirty="0"/>
+              <a:t>Grundsätzlich nicht d.h. es muss vereinbart werden</a:t>
+            </a:r>
+          </a:p>
+          <a:p>
+            <a:pPr marL="171450" indent="-171450">
+              <a:buFont typeface="Arial" panose="020B0604020202020204" pitchFamily="34" charset="0"/>
+              <a:buChar char="•"/>
+            </a:pPr>
+            <a:r>
+              <a:rPr lang="de-AT" dirty="0"/>
+              <a:t>Verkäufer nicht vertragsgerecht liefert Schaden bezahlen</a:t>
+            </a:r>
+          </a:p>
+          <a:p>
+            <a:pPr marL="171450" indent="-171450">
+              <a:buFont typeface="Arial" panose="020B0604020202020204" pitchFamily="34" charset="0"/>
+              <a:buChar char="•"/>
+            </a:pPr>
+            <a:r>
+              <a:rPr lang="de-AT" dirty="0"/>
+              <a:t>Falls zurückgetreten wird</a:t>
+            </a:r>
+          </a:p>
+          <a:p>
+            <a:pPr marL="171450" indent="-171450">
+              <a:buFont typeface="Arial" panose="020B0604020202020204" pitchFamily="34" charset="0"/>
+              <a:buChar char="•"/>
+            </a:pPr>
+            <a:r>
+              <a:rPr lang="de-AT" dirty="0"/>
+              <a:t>Regeln die Ansprüche des Käufers bei mangelhafter Ware</a:t>
+            </a:r>
+          </a:p>
+        </p:txBody>
+      </p:sp>
+      <p:sp>
+        <p:nvSpPr>
+          <p:cNvPr id="4" name="Foliennummernplatzhalter 3"/>
+          <p:cNvSpPr>
+            <a:spLocks noGrp="1"/>
+          </p:cNvSpPr>
+          <p:nvPr>
+            <p:ph type="sldNum" sz="quarter" idx="5"/>
+          </p:nvPr>
+        </p:nvSpPr>
+        <p:spPr/>
+        <p:txBody>
+          <a:bodyPr/>
+          <a:lstStyle/>
+          <a:p>
+            <a:fld id="{024EC6CA-C12B-4BE8-8078-31C6225E6F24}" type="slidenum">
+              <a:rPr lang="de-AT" smtClean="0"/>
+              <a:t>15</a:t>
+            </a:fld>
+            <a:endParaRPr lang="de-AT"/>
+          </a:p>
+        </p:txBody>
+      </p:sp>
+    </p:spTree>
+    <p:extLst>
+      <p:ext uri="{BB962C8B-B14F-4D97-AF65-F5344CB8AC3E}">
+        <p14:creationId xmlns:p14="http://schemas.microsoft.com/office/powerpoint/2010/main" val="1381316983"/>
+      </p:ext>
+    </p:extLst>
+  </p:cSld>
+  <p:clrMapOvr>
+    <a:masterClrMapping/>
+  </p:clrMapOvr>
+</p:notes>
+</file>
+
+<file path=ppt/notesSlides/notesSlide12.xml><?xml version="1.0" encoding="utf-8"?>
+<p:notes xmlns:a="http://schemas.openxmlformats.org/drawingml/2006/main" xmlns:r="http://schemas.openxmlformats.org/officeDocument/2006/relationships" xmlns:p="http://schemas.openxmlformats.org/presentationml/2006/main">
+  <p:cSld>
+    <p:spTree>
+      <p:nvGrpSpPr>
+        <p:cNvPr id="1" name=""/>
+        <p:cNvGrpSpPr/>
+        <p:nvPr/>
+      </p:nvGrpSpPr>
+      <p:grpSpPr>
+        <a:xfrm>
+          <a:off x="0" y="0"/>
+          <a:ext cx="0" cy="0"/>
+          <a:chOff x="0" y="0"/>
+          <a:chExt cx="0" cy="0"/>
+        </a:xfrm>
+      </p:grpSpPr>
+      <p:sp>
+        <p:nvSpPr>
+          <p:cNvPr id="2" name="Folienbildplatzhalter 1"/>
+          <p:cNvSpPr>
+            <a:spLocks noGrp="1" noRot="1" noChangeAspect="1"/>
+          </p:cNvSpPr>
+          <p:nvPr>
+            <p:ph type="sldImg"/>
+          </p:nvPr>
+        </p:nvSpPr>
+        <p:spPr/>
+      </p:sp>
+      <p:sp>
+        <p:nvSpPr>
+          <p:cNvPr id="3" name="Notizenplatzhalter 2"/>
+          <p:cNvSpPr>
+            <a:spLocks noGrp="1"/>
+          </p:cNvSpPr>
+          <p:nvPr>
+            <p:ph type="body" idx="1"/>
+          </p:nvPr>
+        </p:nvSpPr>
+        <p:spPr/>
+        <p:txBody>
+          <a:bodyPr/>
+          <a:lstStyle/>
+          <a:p>
+            <a:pPr marL="171450" indent="-171450">
+              <a:buFont typeface="Arial" panose="020B0604020202020204" pitchFamily="34" charset="0"/>
+              <a:buChar char="•"/>
+            </a:pPr>
+            <a:r>
+              <a:rPr lang="de-AT" dirty="0"/>
+              <a:t>Ausnahme: Hauslieferung von Pizza; Zeitungen; Freizeitdienstleistungen</a:t>
+            </a:r>
+          </a:p>
+          <a:p>
+            <a:pPr marL="171450" indent="-171450">
+              <a:buFont typeface="Arial" panose="020B0604020202020204" pitchFamily="34" charset="0"/>
+              <a:buChar char="•"/>
+            </a:pPr>
+            <a:r>
+              <a:rPr lang="de-AT" dirty="0"/>
+              <a:t>Viele aber übernehmen die Kosten</a:t>
+            </a:r>
+          </a:p>
+        </p:txBody>
+      </p:sp>
+      <p:sp>
+        <p:nvSpPr>
+          <p:cNvPr id="4" name="Foliennummernplatzhalter 3"/>
+          <p:cNvSpPr>
+            <a:spLocks noGrp="1"/>
+          </p:cNvSpPr>
+          <p:nvPr>
+            <p:ph type="sldNum" sz="quarter" idx="5"/>
+          </p:nvPr>
+        </p:nvSpPr>
+        <p:spPr/>
+        <p:txBody>
+          <a:bodyPr/>
+          <a:lstStyle/>
+          <a:p>
+            <a:fld id="{024EC6CA-C12B-4BE8-8078-31C6225E6F24}" type="slidenum">
+              <a:rPr lang="de-AT" smtClean="0"/>
+              <a:t>17</a:t>
+            </a:fld>
+            <a:endParaRPr lang="de-AT"/>
+          </a:p>
+        </p:txBody>
+      </p:sp>
+    </p:spTree>
+    <p:extLst>
+      <p:ext uri="{BB962C8B-B14F-4D97-AF65-F5344CB8AC3E}">
+        <p14:creationId xmlns:p14="http://schemas.microsoft.com/office/powerpoint/2010/main" val="4194756593"/>
+      </p:ext>
+    </p:extLst>
+  </p:cSld>
+  <p:clrMapOvr>
+    <a:masterClrMapping/>
+  </p:clrMapOvr>
+</p:notes>
+</file>
+
+<file path=ppt/notesSlides/notesSlide13.xml><?xml version="1.0" encoding="utf-8"?>
+<p:notes xmlns:a="http://schemas.openxmlformats.org/drawingml/2006/main" xmlns:r="http://schemas.openxmlformats.org/officeDocument/2006/relationships" xmlns:p="http://schemas.openxmlformats.org/presentationml/2006/main">
+  <p:cSld>
+    <p:spTree>
+      <p:nvGrpSpPr>
+        <p:cNvPr id="1" name=""/>
+        <p:cNvGrpSpPr/>
+        <p:nvPr/>
+      </p:nvGrpSpPr>
+      <p:grpSpPr>
+        <a:xfrm>
+          <a:off x="0" y="0"/>
+          <a:ext cx="0" cy="0"/>
+          <a:chOff x="0" y="0"/>
+          <a:chExt cx="0" cy="0"/>
+        </a:xfrm>
+      </p:grpSpPr>
+      <p:sp>
+        <p:nvSpPr>
+          <p:cNvPr id="2" name="Folienbildplatzhalter 1"/>
+          <p:cNvSpPr>
+            <a:spLocks noGrp="1" noRot="1" noChangeAspect="1"/>
+          </p:cNvSpPr>
+          <p:nvPr>
+            <p:ph type="sldImg"/>
+          </p:nvPr>
+        </p:nvSpPr>
+        <p:spPr/>
+      </p:sp>
+      <p:sp>
+        <p:nvSpPr>
+          <p:cNvPr id="3" name="Notizenplatzhalter 2"/>
+          <p:cNvSpPr>
+            <a:spLocks noGrp="1"/>
+          </p:cNvSpPr>
+          <p:nvPr>
+            <p:ph type="body" idx="1"/>
+          </p:nvPr>
+        </p:nvSpPr>
+        <p:spPr/>
+        <p:txBody>
+          <a:bodyPr/>
+          <a:lstStyle/>
+          <a:p>
+            <a:endParaRPr lang="de-AT" dirty="0"/>
+          </a:p>
+        </p:txBody>
+      </p:sp>
+      <p:sp>
+        <p:nvSpPr>
+          <p:cNvPr id="4" name="Foliennummernplatzhalter 3"/>
+          <p:cNvSpPr>
+            <a:spLocks noGrp="1"/>
+          </p:cNvSpPr>
+          <p:nvPr>
+            <p:ph type="sldNum" sz="quarter" idx="5"/>
+          </p:nvPr>
+        </p:nvSpPr>
+        <p:spPr/>
+        <p:txBody>
+          <a:bodyPr/>
+          <a:lstStyle/>
+          <a:p>
+            <a:fld id="{024EC6CA-C12B-4BE8-8078-31C6225E6F24}" type="slidenum">
+              <a:rPr lang="de-AT" smtClean="0"/>
+              <a:t>19</a:t>
+            </a:fld>
+            <a:endParaRPr lang="de-AT"/>
+          </a:p>
+        </p:txBody>
+      </p:sp>
+    </p:spTree>
+    <p:extLst>
+      <p:ext uri="{BB962C8B-B14F-4D97-AF65-F5344CB8AC3E}">
+        <p14:creationId xmlns:p14="http://schemas.microsoft.com/office/powerpoint/2010/main" val="294959206"/>
+      </p:ext>
+    </p:extLst>
+  </p:cSld>
+  <p:clrMapOvr>
+    <a:masterClrMapping/>
+  </p:clrMapOvr>
+</p:notes>
+</file>
+
+<file path=ppt/notesSlides/notesSlide14.xml><?xml version="1.0" encoding="utf-8"?>
+<p:notes xmlns:a="http://schemas.openxmlformats.org/drawingml/2006/main" xmlns:r="http://schemas.openxmlformats.org/officeDocument/2006/relationships" xmlns:p="http://schemas.openxmlformats.org/presentationml/2006/main">
+  <p:cSld>
+    <p:spTree>
+      <p:nvGrpSpPr>
+        <p:cNvPr id="1" name=""/>
+        <p:cNvGrpSpPr/>
+        <p:nvPr/>
+      </p:nvGrpSpPr>
+      <p:grpSpPr>
+        <a:xfrm>
+          <a:off x="0" y="0"/>
+          <a:ext cx="0" cy="0"/>
+          <a:chOff x="0" y="0"/>
+          <a:chExt cx="0" cy="0"/>
+        </a:xfrm>
+      </p:grpSpPr>
+      <p:sp>
+        <p:nvSpPr>
+          <p:cNvPr id="2" name="Folienbildplatzhalter 1"/>
+          <p:cNvSpPr>
+            <a:spLocks noGrp="1" noRot="1" noChangeAspect="1"/>
+          </p:cNvSpPr>
+          <p:nvPr>
+            <p:ph type="sldImg"/>
+          </p:nvPr>
+        </p:nvSpPr>
+        <p:spPr/>
+      </p:sp>
+      <p:sp>
+        <p:nvSpPr>
+          <p:cNvPr id="3" name="Notizenplatzhalter 2"/>
+          <p:cNvSpPr>
+            <a:spLocks noGrp="1"/>
+          </p:cNvSpPr>
+          <p:nvPr>
+            <p:ph type="body" idx="1"/>
+          </p:nvPr>
+        </p:nvSpPr>
+        <p:spPr/>
+        <p:txBody>
+          <a:bodyPr/>
+          <a:lstStyle/>
+          <a:p>
+            <a:pPr marL="171450" indent="-171450">
+              <a:buFont typeface="Arial" panose="020B0604020202020204" pitchFamily="34" charset="0"/>
+              <a:buChar char="•"/>
+            </a:pPr>
+            <a:r>
+              <a:rPr lang="de-AT" dirty="0"/>
+              <a:t>Zahlungsbestätigung</a:t>
+            </a:r>
+          </a:p>
+          <a:p>
+            <a:pPr marL="171450" indent="-171450">
+              <a:buFont typeface="Arial" panose="020B0604020202020204" pitchFamily="34" charset="0"/>
+              <a:buChar char="•"/>
+            </a:pPr>
+            <a:r>
+              <a:rPr lang="de-AT" dirty="0"/>
+              <a:t>Sofortige Bezahlung bei Lieferung</a:t>
+            </a:r>
+          </a:p>
+          <a:p>
+            <a:pPr marL="171450" indent="-171450">
+              <a:buFont typeface="Arial" panose="020B0604020202020204" pitchFamily="34" charset="0"/>
+              <a:buChar char="•"/>
+            </a:pPr>
+            <a:r>
+              <a:rPr lang="de-AT" dirty="0"/>
+              <a:t>Bei Postamt einzahlen</a:t>
+            </a:r>
+          </a:p>
+        </p:txBody>
+      </p:sp>
+      <p:sp>
+        <p:nvSpPr>
+          <p:cNvPr id="4" name="Foliennummernplatzhalter 3"/>
+          <p:cNvSpPr>
+            <a:spLocks noGrp="1"/>
+          </p:cNvSpPr>
+          <p:nvPr>
+            <p:ph type="sldNum" sz="quarter" idx="5"/>
+          </p:nvPr>
+        </p:nvSpPr>
+        <p:spPr/>
+        <p:txBody>
+          <a:bodyPr/>
+          <a:lstStyle/>
+          <a:p>
+            <a:fld id="{024EC6CA-C12B-4BE8-8078-31C6225E6F24}" type="slidenum">
+              <a:rPr lang="de-AT" smtClean="0"/>
+              <a:t>21</a:t>
+            </a:fld>
+            <a:endParaRPr lang="de-AT"/>
+          </a:p>
+        </p:txBody>
+      </p:sp>
+    </p:spTree>
+    <p:extLst>
+      <p:ext uri="{BB962C8B-B14F-4D97-AF65-F5344CB8AC3E}">
+        <p14:creationId xmlns:p14="http://schemas.microsoft.com/office/powerpoint/2010/main" val="2098263264"/>
+      </p:ext>
+    </p:extLst>
+  </p:cSld>
+  <p:clrMapOvr>
+    <a:masterClrMapping/>
+  </p:clrMapOvr>
+</p:notes>
+</file>
+
+<file path=ppt/notesSlides/notesSlide2.xml><?xml version="1.0" encoding="utf-8"?>
+<p:notes xmlns:a="http://schemas.openxmlformats.org/drawingml/2006/main" xmlns:r="http://schemas.openxmlformats.org/officeDocument/2006/relationships" xmlns:p="http://schemas.openxmlformats.org/presentationml/2006/main">
+  <p:cSld>
+    <p:spTree>
+      <p:nvGrpSpPr>
+        <p:cNvPr id="1" name=""/>
+        <p:cNvGrpSpPr/>
+        <p:nvPr/>
+      </p:nvGrpSpPr>
+      <p:grpSpPr>
+        <a:xfrm>
+          <a:off x="0" y="0"/>
+          <a:ext cx="0" cy="0"/>
+          <a:chOff x="0" y="0"/>
+          <a:chExt cx="0" cy="0"/>
+        </a:xfrm>
+      </p:grpSpPr>
+      <p:sp>
+        <p:nvSpPr>
+          <p:cNvPr id="2" name="Folienbildplatzhalter 1"/>
+          <p:cNvSpPr>
+            <a:spLocks noGrp="1" noRot="1" noChangeAspect="1"/>
+          </p:cNvSpPr>
+          <p:nvPr>
+            <p:ph type="sldImg"/>
+          </p:nvPr>
+        </p:nvSpPr>
+        <p:spPr/>
+      </p:sp>
+      <p:sp>
+        <p:nvSpPr>
+          <p:cNvPr id="3" name="Notizenplatzhalter 2"/>
+          <p:cNvSpPr>
+            <a:spLocks noGrp="1"/>
+          </p:cNvSpPr>
+          <p:nvPr>
+            <p:ph type="body" idx="1"/>
+          </p:nvPr>
+        </p:nvSpPr>
+        <p:spPr/>
+        <p:txBody>
+          <a:bodyPr/>
+          <a:lstStyle/>
+          <a:p>
+            <a:pPr marL="171450" indent="-171450">
+              <a:buFont typeface="Arial" panose="020B0604020202020204" pitchFamily="34" charset="0"/>
+              <a:buChar char="•"/>
+            </a:pPr>
+            <a:r>
+              <a:rPr lang="de-AT" dirty="0"/>
+              <a:t>Schriftlich; mündlich; schlüssige Handlung; elektronischer Kaufabschluss;</a:t>
+            </a:r>
+          </a:p>
+          <a:p>
+            <a:pPr marL="171450" indent="-171450">
+              <a:buFont typeface="Arial" panose="020B0604020202020204" pitchFamily="34" charset="0"/>
+              <a:buChar char="•"/>
+            </a:pPr>
+            <a:r>
+              <a:rPr lang="de-AT" dirty="0"/>
+              <a:t>Z.B. bei Kindern die dürfen nur geringfügige Sachen erwerben</a:t>
+            </a:r>
+          </a:p>
+          <a:p>
+            <a:pPr marL="171450" indent="-171450">
+              <a:buFont typeface="Arial" panose="020B0604020202020204" pitchFamily="34" charset="0"/>
+              <a:buChar char="•"/>
+            </a:pPr>
+            <a:r>
+              <a:rPr lang="de-AT" dirty="0"/>
+              <a:t>Samen für Geldbaum</a:t>
+            </a:r>
+          </a:p>
+          <a:p>
+            <a:pPr marL="171450" indent="-171450">
+              <a:buFont typeface="Arial" panose="020B0604020202020204" pitchFamily="34" charset="0"/>
+              <a:buChar char="•"/>
+            </a:pPr>
+            <a:endParaRPr lang="de-AT" dirty="0"/>
+          </a:p>
+        </p:txBody>
+      </p:sp>
+      <p:sp>
+        <p:nvSpPr>
+          <p:cNvPr id="4" name="Foliennummernplatzhalter 3"/>
+          <p:cNvSpPr>
+            <a:spLocks noGrp="1"/>
+          </p:cNvSpPr>
+          <p:nvPr>
+            <p:ph type="sldNum" sz="quarter" idx="5"/>
+          </p:nvPr>
+        </p:nvSpPr>
+        <p:spPr/>
+        <p:txBody>
+          <a:bodyPr/>
+          <a:lstStyle/>
+          <a:p>
+            <a:fld id="{024EC6CA-C12B-4BE8-8078-31C6225E6F24}" type="slidenum">
+              <a:rPr lang="de-AT" smtClean="0"/>
+              <a:t>3</a:t>
+            </a:fld>
+            <a:endParaRPr lang="de-AT"/>
+          </a:p>
+        </p:txBody>
+      </p:sp>
+    </p:spTree>
+    <p:extLst>
+      <p:ext uri="{BB962C8B-B14F-4D97-AF65-F5344CB8AC3E}">
+        <p14:creationId xmlns:p14="http://schemas.microsoft.com/office/powerpoint/2010/main" val="894473148"/>
+      </p:ext>
+    </p:extLst>
+  </p:cSld>
+  <p:clrMapOvr>
+    <a:masterClrMapping/>
+  </p:clrMapOvr>
+</p:notes>
+</file>
+
+<file path=ppt/notesSlides/notesSlide3.xml><?xml version="1.0" encoding="utf-8"?>
+<p:notes xmlns:a="http://schemas.openxmlformats.org/drawingml/2006/main" xmlns:r="http://schemas.openxmlformats.org/officeDocument/2006/relationships" xmlns:p="http://schemas.openxmlformats.org/presentationml/2006/main">
+  <p:cSld>
+    <p:spTree>
+      <p:nvGrpSpPr>
+        <p:cNvPr id="1" name=""/>
+        <p:cNvGrpSpPr/>
+        <p:nvPr/>
+      </p:nvGrpSpPr>
+      <p:grpSpPr>
+        <a:xfrm>
+          <a:off x="0" y="0"/>
+          <a:ext cx="0" cy="0"/>
+          <a:chOff x="0" y="0"/>
+          <a:chExt cx="0" cy="0"/>
+        </a:xfrm>
+      </p:grpSpPr>
+      <p:sp>
+        <p:nvSpPr>
+          <p:cNvPr id="2" name="Folienbildplatzhalter 1"/>
+          <p:cNvSpPr>
+            <a:spLocks noGrp="1" noRot="1" noChangeAspect="1"/>
+          </p:cNvSpPr>
+          <p:nvPr>
+            <p:ph type="sldImg"/>
+          </p:nvPr>
+        </p:nvSpPr>
+        <p:spPr/>
+      </p:sp>
+      <p:sp>
+        <p:nvSpPr>
+          <p:cNvPr id="3" name="Notizenplatzhalter 2"/>
+          <p:cNvSpPr>
+            <a:spLocks noGrp="1"/>
+          </p:cNvSpPr>
+          <p:nvPr>
+            <p:ph type="body" idx="1"/>
+          </p:nvPr>
+        </p:nvSpPr>
+        <p:spPr/>
+        <p:txBody>
+          <a:bodyPr/>
+          <a:lstStyle/>
+          <a:p>
+            <a:pPr marL="171450" indent="-171450">
+              <a:buFont typeface="Arial" panose="020B0604020202020204" pitchFamily="34" charset="0"/>
+              <a:buChar char="•"/>
+            </a:pPr>
+            <a:r>
+              <a:rPr lang="de-AT" dirty="0"/>
+              <a:t>Für alle Kaufverträge (Pflicht Verkäufer und Käufer)</a:t>
+            </a:r>
+          </a:p>
+          <a:p>
+            <a:pPr marL="171450" indent="-171450">
+              <a:buFont typeface="Arial" panose="020B0604020202020204" pitchFamily="34" charset="0"/>
+              <a:buChar char="•"/>
+            </a:pPr>
+            <a:r>
+              <a:rPr lang="de-AT" dirty="0"/>
+              <a:t>Im Internet in Europa (AGB </a:t>
+            </a:r>
+            <a:r>
+              <a:rPr lang="de-AT" dirty="0" err="1"/>
+              <a:t>download</a:t>
+            </a:r>
+            <a:r>
+              <a:rPr lang="de-AT" dirty="0"/>
+              <a:t>)</a:t>
+            </a:r>
+          </a:p>
+          <a:p>
+            <a:pPr marL="171450" indent="-171450">
+              <a:buFont typeface="Arial" panose="020B0604020202020204" pitchFamily="34" charset="0"/>
+              <a:buChar char="•"/>
+            </a:pPr>
+            <a:r>
+              <a:rPr lang="de-AT" dirty="0"/>
+              <a:t>Zwischen Unternehmen und Privatperson (</a:t>
+            </a:r>
+            <a:r>
+              <a:rPr lang="de-AT" dirty="0" err="1"/>
+              <a:t>Gewärhleistungsanspruch</a:t>
+            </a:r>
+            <a:r>
+              <a:rPr lang="de-AT" dirty="0"/>
+              <a:t>)</a:t>
+            </a:r>
+          </a:p>
+          <a:p>
+            <a:pPr marL="171450" indent="-171450">
+              <a:buFont typeface="Arial" panose="020B0604020202020204" pitchFamily="34" charset="0"/>
+              <a:buChar char="•"/>
+            </a:pPr>
+            <a:r>
+              <a:rPr lang="de-AT" dirty="0"/>
+              <a:t>Zwischen Unternehmen</a:t>
+            </a:r>
+          </a:p>
+        </p:txBody>
+      </p:sp>
+      <p:sp>
+        <p:nvSpPr>
+          <p:cNvPr id="4" name="Foliennummernplatzhalter 3"/>
+          <p:cNvSpPr>
+            <a:spLocks noGrp="1"/>
+          </p:cNvSpPr>
+          <p:nvPr>
+            <p:ph type="sldNum" sz="quarter" idx="5"/>
+          </p:nvPr>
+        </p:nvSpPr>
+        <p:spPr/>
+        <p:txBody>
+          <a:bodyPr/>
+          <a:lstStyle/>
+          <a:p>
+            <a:fld id="{024EC6CA-C12B-4BE8-8078-31C6225E6F24}" type="slidenum">
+              <a:rPr lang="de-AT" smtClean="0"/>
+              <a:t>5</a:t>
+            </a:fld>
+            <a:endParaRPr lang="de-AT"/>
+          </a:p>
+        </p:txBody>
+      </p:sp>
+    </p:spTree>
+    <p:extLst>
+      <p:ext uri="{BB962C8B-B14F-4D97-AF65-F5344CB8AC3E}">
+        <p14:creationId xmlns:p14="http://schemas.microsoft.com/office/powerpoint/2010/main" val="1409022580"/>
+      </p:ext>
+    </p:extLst>
+  </p:cSld>
+  <p:clrMapOvr>
+    <a:masterClrMapping/>
+  </p:clrMapOvr>
+</p:notes>
+</file>
+
+<file path=ppt/notesSlides/notesSlide4.xml><?xml version="1.0" encoding="utf-8"?>
+<p:notes xmlns:a="http://schemas.openxmlformats.org/drawingml/2006/main" xmlns:r="http://schemas.openxmlformats.org/officeDocument/2006/relationships" xmlns:p="http://schemas.openxmlformats.org/presentationml/2006/main">
+  <p:cSld>
+    <p:spTree>
+      <p:nvGrpSpPr>
+        <p:cNvPr id="1" name=""/>
+        <p:cNvGrpSpPr/>
+        <p:nvPr/>
+      </p:nvGrpSpPr>
+      <p:grpSpPr>
+        <a:xfrm>
+          <a:off x="0" y="0"/>
+          <a:ext cx="0" cy="0"/>
+          <a:chOff x="0" y="0"/>
+          <a:chExt cx="0" cy="0"/>
+        </a:xfrm>
+      </p:grpSpPr>
+      <p:sp>
+        <p:nvSpPr>
+          <p:cNvPr id="2" name="Folienbildplatzhalter 1"/>
+          <p:cNvSpPr>
+            <a:spLocks noGrp="1" noRot="1" noChangeAspect="1"/>
+          </p:cNvSpPr>
+          <p:nvPr>
+            <p:ph type="sldImg"/>
+          </p:nvPr>
+        </p:nvSpPr>
+        <p:spPr/>
+      </p:sp>
+      <p:sp>
+        <p:nvSpPr>
+          <p:cNvPr id="3" name="Notizenplatzhalter 2"/>
+          <p:cNvSpPr>
+            <a:spLocks noGrp="1"/>
+          </p:cNvSpPr>
+          <p:nvPr>
+            <p:ph type="body" idx="1"/>
+          </p:nvPr>
+        </p:nvSpPr>
+        <p:spPr/>
+        <p:txBody>
+          <a:bodyPr/>
+          <a:lstStyle/>
+          <a:p>
+            <a:r>
+              <a:rPr lang="de-AT" dirty="0"/>
+              <a:t>Wer trägt die Kosten der Lieferung</a:t>
+            </a:r>
+          </a:p>
+        </p:txBody>
+      </p:sp>
+      <p:sp>
+        <p:nvSpPr>
+          <p:cNvPr id="4" name="Foliennummernplatzhalter 3"/>
+          <p:cNvSpPr>
+            <a:spLocks noGrp="1"/>
+          </p:cNvSpPr>
+          <p:nvPr>
+            <p:ph type="sldNum" sz="quarter" idx="5"/>
+          </p:nvPr>
+        </p:nvSpPr>
+        <p:spPr/>
+        <p:txBody>
+          <a:bodyPr/>
+          <a:lstStyle/>
+          <a:p>
+            <a:fld id="{024EC6CA-C12B-4BE8-8078-31C6225E6F24}" type="slidenum">
+              <a:rPr lang="de-AT" smtClean="0"/>
+              <a:t>6</a:t>
+            </a:fld>
+            <a:endParaRPr lang="de-AT"/>
+          </a:p>
+        </p:txBody>
+      </p:sp>
+    </p:spTree>
+    <p:extLst>
+      <p:ext uri="{BB962C8B-B14F-4D97-AF65-F5344CB8AC3E}">
+        <p14:creationId xmlns:p14="http://schemas.microsoft.com/office/powerpoint/2010/main" val="1957934447"/>
+      </p:ext>
+    </p:extLst>
+  </p:cSld>
+  <p:clrMapOvr>
+    <a:masterClrMapping/>
+  </p:clrMapOvr>
+</p:notes>
+</file>
+
+<file path=ppt/notesSlides/notesSlide5.xml><?xml version="1.0" encoding="utf-8"?>
+<p:notes xmlns:a="http://schemas.openxmlformats.org/drawingml/2006/main" xmlns:r="http://schemas.openxmlformats.org/officeDocument/2006/relationships" xmlns:p="http://schemas.openxmlformats.org/presentationml/2006/main">
+  <p:cSld>
+    <p:spTree>
+      <p:nvGrpSpPr>
+        <p:cNvPr id="1" name=""/>
+        <p:cNvGrpSpPr/>
+        <p:nvPr/>
+      </p:nvGrpSpPr>
+      <p:grpSpPr>
+        <a:xfrm>
+          <a:off x="0" y="0"/>
+          <a:ext cx="0" cy="0"/>
+          <a:chOff x="0" y="0"/>
+          <a:chExt cx="0" cy="0"/>
+        </a:xfrm>
+      </p:grpSpPr>
+      <p:sp>
+        <p:nvSpPr>
+          <p:cNvPr id="2" name="Folienbildplatzhalter 1"/>
+          <p:cNvSpPr>
+            <a:spLocks noGrp="1" noRot="1" noChangeAspect="1"/>
+          </p:cNvSpPr>
+          <p:nvPr>
+            <p:ph type="sldImg"/>
+          </p:nvPr>
+        </p:nvSpPr>
+        <p:spPr/>
+      </p:sp>
+      <p:sp>
+        <p:nvSpPr>
+          <p:cNvPr id="3" name="Notizenplatzhalter 2"/>
+          <p:cNvSpPr>
+            <a:spLocks noGrp="1"/>
+          </p:cNvSpPr>
+          <p:nvPr>
+            <p:ph type="body" idx="1"/>
+          </p:nvPr>
+        </p:nvSpPr>
+        <p:spPr/>
+        <p:txBody>
+          <a:bodyPr/>
+          <a:lstStyle/>
+          <a:p>
+            <a:pPr marL="171450" indent="-171450">
+              <a:buFont typeface="Arial" panose="020B0604020202020204" pitchFamily="34" charset="0"/>
+              <a:buChar char="•"/>
+            </a:pPr>
+            <a:r>
+              <a:rPr lang="de-AT" dirty="0"/>
+              <a:t>Nicht v. nur nach Besichtigung oder genauen Beschreibung</a:t>
+            </a:r>
+          </a:p>
+          <a:p>
+            <a:pPr marL="171450" indent="-171450">
+              <a:buFont typeface="Arial" panose="020B0604020202020204" pitchFamily="34" charset="0"/>
+              <a:buChar char="•"/>
+            </a:pPr>
+            <a:r>
+              <a:rPr lang="de-AT" dirty="0"/>
+              <a:t>Durch Marken und Muster wird versucht die Vertretbarkeit zu erreichen</a:t>
+            </a:r>
+          </a:p>
+        </p:txBody>
+      </p:sp>
+      <p:sp>
+        <p:nvSpPr>
+          <p:cNvPr id="4" name="Foliennummernplatzhalter 3"/>
+          <p:cNvSpPr>
+            <a:spLocks noGrp="1"/>
+          </p:cNvSpPr>
+          <p:nvPr>
+            <p:ph type="sldNum" sz="quarter" idx="5"/>
+          </p:nvPr>
+        </p:nvSpPr>
+        <p:spPr/>
+        <p:txBody>
+          <a:bodyPr/>
+          <a:lstStyle/>
+          <a:p>
+            <a:fld id="{024EC6CA-C12B-4BE8-8078-31C6225E6F24}" type="slidenum">
+              <a:rPr lang="de-AT" smtClean="0"/>
+              <a:t>7</a:t>
+            </a:fld>
+            <a:endParaRPr lang="de-AT"/>
+          </a:p>
+        </p:txBody>
+      </p:sp>
+    </p:spTree>
+    <p:extLst>
+      <p:ext uri="{BB962C8B-B14F-4D97-AF65-F5344CB8AC3E}">
+        <p14:creationId xmlns:p14="http://schemas.microsoft.com/office/powerpoint/2010/main" val="4199208167"/>
+      </p:ext>
+    </p:extLst>
+  </p:cSld>
+  <p:clrMapOvr>
+    <a:masterClrMapping/>
+  </p:clrMapOvr>
+</p:notes>
+</file>
+
+<file path=ppt/notesSlides/notesSlide6.xml><?xml version="1.0" encoding="utf-8"?>
+<p:notes xmlns:a="http://schemas.openxmlformats.org/drawingml/2006/main" xmlns:r="http://schemas.openxmlformats.org/officeDocument/2006/relationships" xmlns:p="http://schemas.openxmlformats.org/presentationml/2006/main">
+  <p:cSld>
+    <p:spTree>
+      <p:nvGrpSpPr>
+        <p:cNvPr id="1" name=""/>
+        <p:cNvGrpSpPr/>
+        <p:nvPr/>
+      </p:nvGrpSpPr>
+      <p:grpSpPr>
+        <a:xfrm>
+          <a:off x="0" y="0"/>
+          <a:ext cx="0" cy="0"/>
+          <a:chOff x="0" y="0"/>
+          <a:chExt cx="0" cy="0"/>
+        </a:xfrm>
+      </p:grpSpPr>
+      <p:sp>
+        <p:nvSpPr>
+          <p:cNvPr id="2" name="Folienbildplatzhalter 1"/>
+          <p:cNvSpPr>
+            <a:spLocks noGrp="1" noRot="1" noChangeAspect="1"/>
+          </p:cNvSpPr>
+          <p:nvPr>
+            <p:ph type="sldImg"/>
+          </p:nvPr>
+        </p:nvSpPr>
+        <p:spPr/>
+      </p:sp>
+      <p:sp>
+        <p:nvSpPr>
+          <p:cNvPr id="3" name="Notizenplatzhalter 2"/>
+          <p:cNvSpPr>
+            <a:spLocks noGrp="1"/>
+          </p:cNvSpPr>
+          <p:nvPr>
+            <p:ph type="body" idx="1"/>
+          </p:nvPr>
+        </p:nvSpPr>
+        <p:spPr/>
+        <p:txBody>
+          <a:bodyPr/>
+          <a:lstStyle/>
+          <a:p>
+            <a:pPr marL="171450" indent="-171450">
+              <a:buFont typeface="Arial" panose="020B0604020202020204" pitchFamily="34" charset="0"/>
+              <a:buChar char="•"/>
+            </a:pPr>
+            <a:r>
+              <a:rPr lang="de-AT" dirty="0"/>
+              <a:t>Abweichungen beide zustimmen</a:t>
+            </a:r>
+          </a:p>
+          <a:p>
+            <a:pPr marL="171450" indent="-171450">
+              <a:buFont typeface="Arial" panose="020B0604020202020204" pitchFamily="34" charset="0"/>
+              <a:buChar char="•"/>
+            </a:pPr>
+            <a:r>
+              <a:rPr lang="de-AT" dirty="0"/>
+              <a:t>Bestimmter Prozentsatz</a:t>
+            </a:r>
+          </a:p>
+          <a:p>
+            <a:pPr marL="171450" indent="-171450">
+              <a:buFont typeface="Arial" panose="020B0604020202020204" pitchFamily="34" charset="0"/>
+              <a:buChar char="•"/>
+            </a:pPr>
+            <a:r>
+              <a:rPr lang="de-AT" dirty="0"/>
+              <a:t>Ungefährer Überblick</a:t>
+            </a:r>
+          </a:p>
+          <a:p>
+            <a:pPr marL="171450" indent="-171450">
+              <a:buFont typeface="Arial" panose="020B0604020202020204" pitchFamily="34" charset="0"/>
+              <a:buChar char="•"/>
+            </a:pPr>
+            <a:r>
+              <a:rPr lang="de-AT" dirty="0"/>
+              <a:t>Berücksichtigung von Tara</a:t>
+            </a:r>
+          </a:p>
+        </p:txBody>
+      </p:sp>
+      <p:sp>
+        <p:nvSpPr>
+          <p:cNvPr id="4" name="Foliennummernplatzhalter 3"/>
+          <p:cNvSpPr>
+            <a:spLocks noGrp="1"/>
+          </p:cNvSpPr>
+          <p:nvPr>
+            <p:ph type="sldNum" sz="quarter" idx="5"/>
+          </p:nvPr>
+        </p:nvSpPr>
+        <p:spPr/>
+        <p:txBody>
+          <a:bodyPr/>
+          <a:lstStyle/>
+          <a:p>
+            <a:fld id="{024EC6CA-C12B-4BE8-8078-31C6225E6F24}" type="slidenum">
+              <a:rPr lang="de-AT" smtClean="0"/>
+              <a:t>10</a:t>
+            </a:fld>
+            <a:endParaRPr lang="de-AT"/>
+          </a:p>
+        </p:txBody>
+      </p:sp>
+    </p:spTree>
+    <p:extLst>
+      <p:ext uri="{BB962C8B-B14F-4D97-AF65-F5344CB8AC3E}">
+        <p14:creationId xmlns:p14="http://schemas.microsoft.com/office/powerpoint/2010/main" val="1218181237"/>
+      </p:ext>
+    </p:extLst>
+  </p:cSld>
+  <p:clrMapOvr>
+    <a:masterClrMapping/>
+  </p:clrMapOvr>
+</p:notes>
+</file>
+
+<file path=ppt/notesSlides/notesSlide7.xml><?xml version="1.0" encoding="utf-8"?>
+<p:notes xmlns:a="http://schemas.openxmlformats.org/drawingml/2006/main" xmlns:r="http://schemas.openxmlformats.org/officeDocument/2006/relationships" xmlns:p="http://schemas.openxmlformats.org/presentationml/2006/main">
+  <p:cSld>
+    <p:spTree>
+      <p:nvGrpSpPr>
+        <p:cNvPr id="1" name=""/>
+        <p:cNvGrpSpPr/>
+        <p:nvPr/>
+      </p:nvGrpSpPr>
+      <p:grpSpPr>
+        <a:xfrm>
+          <a:off x="0" y="0"/>
+          <a:ext cx="0" cy="0"/>
+          <a:chOff x="0" y="0"/>
+          <a:chExt cx="0" cy="0"/>
+        </a:xfrm>
+      </p:grpSpPr>
+      <p:sp>
+        <p:nvSpPr>
+          <p:cNvPr id="2" name="Folienbildplatzhalter 1"/>
+          <p:cNvSpPr>
+            <a:spLocks noGrp="1" noRot="1" noChangeAspect="1"/>
+          </p:cNvSpPr>
+          <p:nvPr>
+            <p:ph type="sldImg"/>
+          </p:nvPr>
+        </p:nvSpPr>
+        <p:spPr/>
+      </p:sp>
+      <p:sp>
+        <p:nvSpPr>
+          <p:cNvPr id="3" name="Notizenplatzhalter 2"/>
+          <p:cNvSpPr>
+            <a:spLocks noGrp="1"/>
+          </p:cNvSpPr>
+          <p:nvPr>
+            <p:ph type="body" idx="1"/>
+          </p:nvPr>
+        </p:nvSpPr>
+        <p:spPr/>
+        <p:txBody>
+          <a:bodyPr/>
+          <a:lstStyle/>
+          <a:p>
+            <a:pPr marL="171450" indent="-171450">
+              <a:buFont typeface="Arial" panose="020B0604020202020204" pitchFamily="34" charset="0"/>
+              <a:buChar char="•"/>
+            </a:pPr>
+            <a:r>
+              <a:rPr lang="de-AT" dirty="0"/>
+              <a:t>Basispreis </a:t>
+            </a:r>
+            <a:r>
+              <a:rPr lang="de-AT" dirty="0">
+                <a:sym typeface="Wingdings" panose="05000000000000000000" pitchFamily="2" charset="2"/>
+              </a:rPr>
+              <a:t> Wenn Qualität nicht passt; Kostenschwankungsklauseln  falls einzelne Kosten steigen; </a:t>
+            </a:r>
+            <a:r>
+              <a:rPr lang="de-AT" dirty="0" err="1">
+                <a:sym typeface="Wingdings" panose="05000000000000000000" pitchFamily="2" charset="2"/>
+              </a:rPr>
+              <a:t>Iklauseln</a:t>
+            </a:r>
+            <a:r>
+              <a:rPr lang="de-AT" dirty="0">
+                <a:sym typeface="Wingdings" panose="05000000000000000000" pitchFamily="2" charset="2"/>
+              </a:rPr>
+              <a:t>  wenn sich die Preise in best. Bereiche verändern</a:t>
+            </a:r>
+          </a:p>
+          <a:p>
+            <a:pPr marL="171450" indent="-171450">
+              <a:buFont typeface="Arial" panose="020B0604020202020204" pitchFamily="34" charset="0"/>
+              <a:buChar char="•"/>
+            </a:pPr>
+            <a:endParaRPr lang="de-AT" dirty="0"/>
+          </a:p>
+        </p:txBody>
+      </p:sp>
+      <p:sp>
+        <p:nvSpPr>
+          <p:cNvPr id="4" name="Foliennummernplatzhalter 3"/>
+          <p:cNvSpPr>
+            <a:spLocks noGrp="1"/>
+          </p:cNvSpPr>
+          <p:nvPr>
+            <p:ph type="sldNum" sz="quarter" idx="5"/>
+          </p:nvPr>
+        </p:nvSpPr>
+        <p:spPr/>
+        <p:txBody>
+          <a:bodyPr/>
+          <a:lstStyle/>
+          <a:p>
+            <a:fld id="{024EC6CA-C12B-4BE8-8078-31C6225E6F24}" type="slidenum">
+              <a:rPr lang="de-AT" smtClean="0"/>
+              <a:t>11</a:t>
+            </a:fld>
+            <a:endParaRPr lang="de-AT"/>
+          </a:p>
+        </p:txBody>
+      </p:sp>
+    </p:spTree>
+    <p:extLst>
+      <p:ext uri="{BB962C8B-B14F-4D97-AF65-F5344CB8AC3E}">
+        <p14:creationId xmlns:p14="http://schemas.microsoft.com/office/powerpoint/2010/main" val="3738147268"/>
+      </p:ext>
+    </p:extLst>
+  </p:cSld>
+  <p:clrMapOvr>
+    <a:masterClrMapping/>
+  </p:clrMapOvr>
+</p:notes>
+</file>
+
+<file path=ppt/notesSlides/notesSlide8.xml><?xml version="1.0" encoding="utf-8"?>
+<p:notes xmlns:a="http://schemas.openxmlformats.org/drawingml/2006/main" xmlns:r="http://schemas.openxmlformats.org/officeDocument/2006/relationships" xmlns:p="http://schemas.openxmlformats.org/presentationml/2006/main">
+  <p:cSld>
+    <p:spTree>
+      <p:nvGrpSpPr>
+        <p:cNvPr id="1" name=""/>
+        <p:cNvGrpSpPr/>
+        <p:nvPr/>
+      </p:nvGrpSpPr>
+      <p:grpSpPr>
+        <a:xfrm>
+          <a:off x="0" y="0"/>
+          <a:ext cx="0" cy="0"/>
+          <a:chOff x="0" y="0"/>
+          <a:chExt cx="0" cy="0"/>
+        </a:xfrm>
+      </p:grpSpPr>
+      <p:sp>
+        <p:nvSpPr>
+          <p:cNvPr id="2" name="Folienbildplatzhalter 1"/>
+          <p:cNvSpPr>
+            <a:spLocks noGrp="1" noRot="1" noChangeAspect="1"/>
+          </p:cNvSpPr>
+          <p:nvPr>
+            <p:ph type="sldImg"/>
+          </p:nvPr>
+        </p:nvSpPr>
+        <p:spPr/>
+      </p:sp>
+      <p:sp>
+        <p:nvSpPr>
+          <p:cNvPr id="3" name="Notizenplatzhalter 2"/>
+          <p:cNvSpPr>
+            <a:spLocks noGrp="1"/>
+          </p:cNvSpPr>
+          <p:nvPr>
+            <p:ph type="body" idx="1"/>
+          </p:nvPr>
+        </p:nvSpPr>
+        <p:spPr/>
+        <p:txBody>
+          <a:bodyPr/>
+          <a:lstStyle/>
+          <a:p>
+            <a:pPr marL="628650" lvl="1" indent="-171450">
+              <a:buFont typeface="Arial" panose="020B0604020202020204" pitchFamily="34" charset="0"/>
+              <a:buChar char="•"/>
+            </a:pPr>
+            <a:r>
+              <a:rPr lang="de-AT" dirty="0"/>
+              <a:t>Sofort oder innerhalb weniger Tage</a:t>
+            </a:r>
+          </a:p>
+          <a:p>
+            <a:pPr marL="628650" lvl="1" indent="-171450">
+              <a:buFont typeface="Arial" panose="020B0604020202020204" pitchFamily="34" charset="0"/>
+              <a:buChar char="•"/>
+            </a:pPr>
+            <a:r>
+              <a:rPr lang="de-AT" dirty="0"/>
+              <a:t>In der 20. Kalenderwoche, Ende Juli</a:t>
+            </a:r>
+          </a:p>
+          <a:p>
+            <a:pPr marL="628650" lvl="1" indent="-171450">
+              <a:buFont typeface="Arial" panose="020B0604020202020204" pitchFamily="34" charset="0"/>
+              <a:buChar char="•"/>
+            </a:pPr>
+            <a:r>
+              <a:rPr lang="de-AT" dirty="0"/>
+              <a:t>Wort „Fix“; Manchmal Art des Geschäftes (Hochzeit)</a:t>
+            </a:r>
+          </a:p>
+          <a:p>
+            <a:pPr marL="171450" indent="-171450">
+              <a:buFont typeface="Arial" panose="020B0604020202020204" pitchFamily="34" charset="0"/>
+              <a:buChar char="•"/>
+            </a:pPr>
+            <a:r>
+              <a:rPr lang="de-AT" dirty="0"/>
+              <a:t>Jener Ort wo die Ware übergeben werden muss</a:t>
+            </a:r>
+          </a:p>
+          <a:p>
+            <a:pPr marL="171450" indent="-171450">
+              <a:buFont typeface="Arial" panose="020B0604020202020204" pitchFamily="34" charset="0"/>
+              <a:buChar char="•"/>
+            </a:pPr>
+            <a:r>
+              <a:rPr lang="de-AT" dirty="0"/>
+              <a:t>Falls nicht ausgemacht der Ort vom Vertragsabschluss seine Handelsniederlassung hat</a:t>
+            </a:r>
+          </a:p>
+          <a:p>
+            <a:pPr marL="171450" indent="-171450">
+              <a:buFont typeface="Arial" panose="020B0604020202020204" pitchFamily="34" charset="0"/>
+              <a:buChar char="•"/>
+            </a:pPr>
+            <a:endParaRPr lang="de-AT" dirty="0"/>
+          </a:p>
+        </p:txBody>
+      </p:sp>
+      <p:sp>
+        <p:nvSpPr>
+          <p:cNvPr id="4" name="Foliennummernplatzhalter 3"/>
+          <p:cNvSpPr>
+            <a:spLocks noGrp="1"/>
+          </p:cNvSpPr>
+          <p:nvPr>
+            <p:ph type="sldNum" sz="quarter" idx="5"/>
+          </p:nvPr>
+        </p:nvSpPr>
+        <p:spPr/>
+        <p:txBody>
+          <a:bodyPr/>
+          <a:lstStyle/>
+          <a:p>
+            <a:fld id="{024EC6CA-C12B-4BE8-8078-31C6225E6F24}" type="slidenum">
+              <a:rPr lang="de-AT" smtClean="0"/>
+              <a:t>12</a:t>
+            </a:fld>
+            <a:endParaRPr lang="de-AT"/>
+          </a:p>
+        </p:txBody>
+      </p:sp>
+    </p:spTree>
+    <p:extLst>
+      <p:ext uri="{BB962C8B-B14F-4D97-AF65-F5344CB8AC3E}">
+        <p14:creationId xmlns:p14="http://schemas.microsoft.com/office/powerpoint/2010/main" val="3806711585"/>
+      </p:ext>
+    </p:extLst>
+  </p:cSld>
+  <p:clrMapOvr>
+    <a:masterClrMapping/>
+  </p:clrMapOvr>
+</p:notes>
+</file>
+
+<file path=ppt/notesSlides/notesSlide9.xml><?xml version="1.0" encoding="utf-8"?>
+<p:notes xmlns:a="http://schemas.openxmlformats.org/drawingml/2006/main" xmlns:r="http://schemas.openxmlformats.org/officeDocument/2006/relationships" xmlns:p="http://schemas.openxmlformats.org/presentationml/2006/main">
+  <p:cSld>
+    <p:spTree>
+      <p:nvGrpSpPr>
+        <p:cNvPr id="1" name=""/>
+        <p:cNvGrpSpPr/>
+        <p:nvPr/>
+      </p:nvGrpSpPr>
+      <p:grpSpPr>
+        <a:xfrm>
+          <a:off x="0" y="0"/>
+          <a:ext cx="0" cy="0"/>
+          <a:chOff x="0" y="0"/>
+          <a:chExt cx="0" cy="0"/>
+        </a:xfrm>
+      </p:grpSpPr>
+      <p:sp>
+        <p:nvSpPr>
+          <p:cNvPr id="2" name="Folienbildplatzhalter 1"/>
+          <p:cNvSpPr>
+            <a:spLocks noGrp="1" noRot="1" noChangeAspect="1"/>
+          </p:cNvSpPr>
+          <p:nvPr>
+            <p:ph type="sldImg"/>
+          </p:nvPr>
+        </p:nvSpPr>
+        <p:spPr/>
+      </p:sp>
+      <p:sp>
+        <p:nvSpPr>
+          <p:cNvPr id="3" name="Notizenplatzhalter 2"/>
+          <p:cNvSpPr>
+            <a:spLocks noGrp="1"/>
+          </p:cNvSpPr>
+          <p:nvPr>
+            <p:ph type="body" idx="1"/>
+          </p:nvPr>
+        </p:nvSpPr>
+        <p:spPr/>
+        <p:txBody>
+          <a:bodyPr/>
+          <a:lstStyle/>
+          <a:p>
+            <a:pPr marL="171450" indent="-171450">
+              <a:buFont typeface="Arial" panose="020B0604020202020204" pitchFamily="34" charset="0"/>
+              <a:buChar char="•"/>
+            </a:pPr>
+            <a:endParaRPr lang="de-AT" dirty="0"/>
+          </a:p>
+        </p:txBody>
+      </p:sp>
+      <p:sp>
+        <p:nvSpPr>
+          <p:cNvPr id="4" name="Foliennummernplatzhalter 3"/>
+          <p:cNvSpPr>
+            <a:spLocks noGrp="1"/>
+          </p:cNvSpPr>
+          <p:nvPr>
+            <p:ph type="sldNum" sz="quarter" idx="5"/>
+          </p:nvPr>
+        </p:nvSpPr>
+        <p:spPr/>
+        <p:txBody>
+          <a:bodyPr/>
+          <a:lstStyle/>
+          <a:p>
+            <a:fld id="{024EC6CA-C12B-4BE8-8078-31C6225E6F24}" type="slidenum">
+              <a:rPr lang="de-AT" smtClean="0"/>
+              <a:t>13</a:t>
+            </a:fld>
+            <a:endParaRPr lang="de-AT"/>
+          </a:p>
+        </p:txBody>
+      </p:sp>
+    </p:spTree>
+    <p:extLst>
+      <p:ext uri="{BB962C8B-B14F-4D97-AF65-F5344CB8AC3E}">
+        <p14:creationId xmlns:p14="http://schemas.microsoft.com/office/powerpoint/2010/main" val="4253658019"/>
+      </p:ext>
+    </p:extLst>
+  </p:cSld>
+  <p:clrMapOvr>
+    <a:masterClrMapping/>
+  </p:clrMapOvr>
+</p:notes>
 </file>
 
 <file path=ppt/slideLayouts/slideLayout1.xml><?xml version="1.0" encoding="utf-8"?>
@@ -279,7 +2220,7 @@
             <a:fld id="{87DE6118-2437-4B30-8E3C-4D2BE6020583}" type="datetimeFigureOut">
               <a:rPr lang="en-US" dirty="0"/>
               <a:pPr/>
-              <a:t>1/18/2019</a:t>
+              <a:t>1/20/2019</a:t>
             </a:fld>
             <a:endParaRPr lang="en-US" dirty="0"/>
           </a:p>
@@ -605,7 +2546,7 @@
           <a:p>
             <a:fld id="{87DE6118-2437-4B30-8E3C-4D2BE6020583}" type="datetimeFigureOut">
               <a:rPr lang="en-US" dirty="0"/>
-              <a:t>1/18/2019</a:t>
+              <a:t>1/20/2019</a:t>
             </a:fld>
             <a:endParaRPr lang="en-US" dirty="0"/>
           </a:p>
@@ -780,7 +2721,7 @@
           <a:p>
             <a:fld id="{87DE6118-2437-4B30-8E3C-4D2BE6020583}" type="datetimeFigureOut">
               <a:rPr lang="en-US" dirty="0"/>
-              <a:t>1/18/2019</a:t>
+              <a:t>1/20/2019</a:t>
             </a:fld>
             <a:endParaRPr lang="en-US" dirty="0"/>
           </a:p>
@@ -945,7 +2886,7 @@
           <a:p>
             <a:fld id="{87DE6118-2437-4B30-8E3C-4D2BE6020583}" type="datetimeFigureOut">
               <a:rPr lang="en-US" dirty="0"/>
-              <a:t>1/18/2019</a:t>
+              <a:t>1/20/2019</a:t>
             </a:fld>
             <a:endParaRPr lang="en-US" dirty="0"/>
           </a:p>
@@ -1218,7 +3159,7 @@
             <a:fld id="{87DE6118-2437-4B30-8E3C-4D2BE6020583}" type="datetimeFigureOut">
               <a:rPr lang="en-US" dirty="0"/>
               <a:pPr/>
-              <a:t>1/18/2019</a:t>
+              <a:t>1/20/2019</a:t>
             </a:fld>
             <a:endParaRPr lang="en-US" dirty="0"/>
           </a:p>
@@ -1608,7 +3549,7 @@
           <a:p>
             <a:fld id="{87DE6118-2437-4B30-8E3C-4D2BE6020583}" type="datetimeFigureOut">
               <a:rPr lang="en-US" dirty="0"/>
-              <a:t>1/18/2019</a:t>
+              <a:t>1/20/2019</a:t>
             </a:fld>
             <a:endParaRPr lang="en-US" dirty="0"/>
           </a:p>
@@ -2080,7 +4021,7 @@
           <a:p>
             <a:fld id="{87DE6118-2437-4B30-8E3C-4D2BE6020583}" type="datetimeFigureOut">
               <a:rPr lang="en-US" dirty="0"/>
-              <a:t>1/18/2019</a:t>
+              <a:t>1/20/2019</a:t>
             </a:fld>
             <a:endParaRPr lang="en-US" dirty="0"/>
           </a:p>
@@ -2193,7 +4134,7 @@
           <a:p>
             <a:fld id="{87DE6118-2437-4B30-8E3C-4D2BE6020583}" type="datetimeFigureOut">
               <a:rPr lang="en-US" dirty="0"/>
-              <a:t>1/18/2019</a:t>
+              <a:t>1/20/2019</a:t>
             </a:fld>
             <a:endParaRPr lang="en-US" dirty="0"/>
           </a:p>
@@ -2283,7 +4224,7 @@
           <a:p>
             <a:fld id="{87DE6118-2437-4B30-8E3C-4D2BE6020583}" type="datetimeFigureOut">
               <a:rPr lang="en-US" dirty="0"/>
-              <a:t>1/18/2019</a:t>
+              <a:t>1/20/2019</a:t>
             </a:fld>
             <a:endParaRPr lang="en-US" dirty="0"/>
           </a:p>
@@ -2625,7 +4566,7 @@
             <a:fld id="{87DE6118-2437-4B30-8E3C-4D2BE6020583}" type="datetimeFigureOut">
               <a:rPr lang="en-US" dirty="0"/>
               <a:pPr/>
-              <a:t>1/18/2019</a:t>
+              <a:t>1/20/2019</a:t>
             </a:fld>
             <a:endParaRPr lang="en-US" dirty="0"/>
           </a:p>
@@ -3010,7 +4951,7 @@
             <a:fld id="{87DE6118-2437-4B30-8E3C-4D2BE6020583}" type="datetimeFigureOut">
               <a:rPr lang="en-US" dirty="0"/>
               <a:pPr/>
-              <a:t>1/18/2019</a:t>
+              <a:t>1/20/2019</a:t>
             </a:fld>
             <a:endParaRPr lang="en-US" dirty="0"/>
           </a:p>
@@ -3285,7 +5226,7 @@
             <a:fld id="{87DE6118-2437-4B30-8E3C-4D2BE6020583}" type="datetimeFigureOut">
               <a:rPr lang="en-US" dirty="0"/>
               <a:pPr/>
-              <a:t>1/18/2019</a:t>
+              <a:t>1/20/2019</a:t>
             </a:fld>
             <a:endParaRPr lang="en-US" dirty="0"/>
           </a:p>
@@ -3876,7 +5817,7 @@
 </p:sld>
 </file>
 
-<file path=ppt/slides/slide2.xml><?xml version="1.0" encoding="utf-8"?>
+<file path=ppt/slides/slide10.xml><?xml version="1.0" encoding="utf-8"?>
 <p:sld xmlns:a="http://schemas.openxmlformats.org/drawingml/2006/main" xmlns:r="http://schemas.openxmlformats.org/officeDocument/2006/relationships" xmlns:p="http://schemas.openxmlformats.org/presentationml/2006/main">
   <p:cSld>
     <p:spTree>
@@ -3898,6 +5839,1396 @@
           <p:cNvPr id="2" name="Titel 1">
             <a:extLst>
               <a:ext uri="{FF2B5EF4-FFF2-40B4-BE49-F238E27FC236}">
+                <a16:creationId xmlns:a16="http://schemas.microsoft.com/office/drawing/2014/main" id="{EA9A4B87-842C-4F40-B5EA-487A09BE85E9}"/>
+              </a:ext>
+            </a:extLst>
+          </p:cNvPr>
+          <p:cNvSpPr>
+            <a:spLocks noGrp="1"/>
+          </p:cNvSpPr>
+          <p:nvPr>
+            <p:ph type="title"/>
+          </p:nvPr>
+        </p:nvSpPr>
+        <p:spPr/>
+        <p:txBody>
+          <a:bodyPr/>
+          <a:lstStyle/>
+          <a:p>
+            <a:r>
+              <a:rPr lang="de-AT" dirty="0"/>
+              <a:t>Angabe der Menge (Quantität)</a:t>
+            </a:r>
+          </a:p>
+        </p:txBody>
+      </p:sp>
+      <p:sp>
+        <p:nvSpPr>
+          <p:cNvPr id="3" name="Inhaltsplatzhalter 2">
+            <a:extLst>
+              <a:ext uri="{FF2B5EF4-FFF2-40B4-BE49-F238E27FC236}">
+                <a16:creationId xmlns:a16="http://schemas.microsoft.com/office/drawing/2014/main" id="{A86EDA56-EA46-4C07-BF73-F7EF4B15417F}"/>
+              </a:ext>
+            </a:extLst>
+          </p:cNvPr>
+          <p:cNvSpPr>
+            <a:spLocks noGrp="1"/>
+          </p:cNvSpPr>
+          <p:nvPr>
+            <p:ph idx="1"/>
+          </p:nvPr>
+        </p:nvSpPr>
+        <p:spPr/>
+        <p:txBody>
+          <a:bodyPr/>
+          <a:lstStyle/>
+          <a:p>
+            <a:r>
+              <a:rPr lang="de-AT" dirty="0"/>
+              <a:t>Verträge mit genauer Mengenangabe</a:t>
+            </a:r>
+          </a:p>
+          <a:p>
+            <a:r>
+              <a:rPr lang="de-AT" dirty="0"/>
+              <a:t>Verträge mit ungefährerer Mengenangabe</a:t>
+            </a:r>
+          </a:p>
+          <a:p>
+            <a:r>
+              <a:rPr lang="de-AT" dirty="0"/>
+              <a:t>Verträge ohne Mengenangabe</a:t>
+            </a:r>
+          </a:p>
+          <a:p>
+            <a:pPr marL="0" indent="0">
+              <a:buNone/>
+            </a:pPr>
+            <a:endParaRPr lang="de-AT" dirty="0"/>
+          </a:p>
+        </p:txBody>
+      </p:sp>
+    </p:spTree>
+    <p:extLst>
+      <p:ext uri="{BB962C8B-B14F-4D97-AF65-F5344CB8AC3E}">
+        <p14:creationId xmlns:p14="http://schemas.microsoft.com/office/powerpoint/2010/main" val="1082314816"/>
+      </p:ext>
+    </p:extLst>
+  </p:cSld>
+  <p:clrMapOvr>
+    <a:masterClrMapping/>
+  </p:clrMapOvr>
+</p:sld>
+</file>
+
+<file path=ppt/slides/slide11.xml><?xml version="1.0" encoding="utf-8"?>
+<p:sld xmlns:a="http://schemas.openxmlformats.org/drawingml/2006/main" xmlns:r="http://schemas.openxmlformats.org/officeDocument/2006/relationships" xmlns:p="http://schemas.openxmlformats.org/presentationml/2006/main">
+  <p:cSld>
+    <p:spTree>
+      <p:nvGrpSpPr>
+        <p:cNvPr id="1" name=""/>
+        <p:cNvGrpSpPr/>
+        <p:nvPr/>
+      </p:nvGrpSpPr>
+      <p:grpSpPr>
+        <a:xfrm>
+          <a:off x="0" y="0"/>
+          <a:ext cx="0" cy="0"/>
+          <a:chOff x="0" y="0"/>
+          <a:chExt cx="0" cy="0"/>
+        </a:xfrm>
+      </p:grpSpPr>
+      <p:sp>
+        <p:nvSpPr>
+          <p:cNvPr id="2" name="Titel 1">
+            <a:extLst>
+              <a:ext uri="{FF2B5EF4-FFF2-40B4-BE49-F238E27FC236}">
+                <a16:creationId xmlns:a16="http://schemas.microsoft.com/office/drawing/2014/main" id="{9F17DB14-ADC8-427B-ABA0-268B523EB3F8}"/>
+              </a:ext>
+            </a:extLst>
+          </p:cNvPr>
+          <p:cNvSpPr>
+            <a:spLocks noGrp="1"/>
+          </p:cNvSpPr>
+          <p:nvPr>
+            <p:ph type="title"/>
+          </p:nvPr>
+        </p:nvSpPr>
+        <p:spPr/>
+        <p:txBody>
+          <a:bodyPr/>
+          <a:lstStyle/>
+          <a:p>
+            <a:r>
+              <a:rPr lang="de-AT" dirty="0"/>
+              <a:t>Preis</a:t>
+            </a:r>
+          </a:p>
+        </p:txBody>
+      </p:sp>
+      <p:sp>
+        <p:nvSpPr>
+          <p:cNvPr id="3" name="Inhaltsplatzhalter 2">
+            <a:extLst>
+              <a:ext uri="{FF2B5EF4-FFF2-40B4-BE49-F238E27FC236}">
+                <a16:creationId xmlns:a16="http://schemas.microsoft.com/office/drawing/2014/main" id="{990BABDC-8178-4A03-97C1-F70F73D30AA1}"/>
+              </a:ext>
+            </a:extLst>
+          </p:cNvPr>
+          <p:cNvSpPr>
+            <a:spLocks noGrp="1"/>
+          </p:cNvSpPr>
+          <p:nvPr>
+            <p:ph idx="1"/>
+          </p:nvPr>
+        </p:nvSpPr>
+        <p:spPr/>
+        <p:txBody>
+          <a:bodyPr/>
+          <a:lstStyle/>
+          <a:p>
+            <a:r>
+              <a:rPr lang="de-AT" dirty="0"/>
+              <a:t>Exkl. Oder Inkl. UST angegeben werden</a:t>
+            </a:r>
+          </a:p>
+          <a:p>
+            <a:r>
+              <a:rPr lang="de-AT" dirty="0"/>
+              <a:t>Verträge mit freibleibendem Preis (Basispreis, Kostenschwankungsklauseln und Indexklauseln) </a:t>
+            </a:r>
+          </a:p>
+          <a:p>
+            <a:r>
+              <a:rPr lang="de-AT" dirty="0"/>
+              <a:t>Preisabzüge</a:t>
+            </a:r>
+          </a:p>
+          <a:p>
+            <a:pPr lvl="1"/>
+            <a:r>
+              <a:rPr lang="de-AT" dirty="0"/>
+              <a:t>Skonto</a:t>
+            </a:r>
+          </a:p>
+          <a:p>
+            <a:pPr lvl="1"/>
+            <a:r>
+              <a:rPr lang="de-AT" dirty="0"/>
+              <a:t>Rabatt (Mengenrabatt, Schlussrabatt, Mängelrabatt, Einführungsrabatt)</a:t>
+            </a:r>
+          </a:p>
+        </p:txBody>
+      </p:sp>
+    </p:spTree>
+    <p:extLst>
+      <p:ext uri="{BB962C8B-B14F-4D97-AF65-F5344CB8AC3E}">
+        <p14:creationId xmlns:p14="http://schemas.microsoft.com/office/powerpoint/2010/main" val="1809341950"/>
+      </p:ext>
+    </p:extLst>
+  </p:cSld>
+  <p:clrMapOvr>
+    <a:masterClrMapping/>
+  </p:clrMapOvr>
+</p:sld>
+</file>
+
+<file path=ppt/slides/slide12.xml><?xml version="1.0" encoding="utf-8"?>
+<p:sld xmlns:a="http://schemas.openxmlformats.org/drawingml/2006/main" xmlns:r="http://schemas.openxmlformats.org/officeDocument/2006/relationships" xmlns:p="http://schemas.openxmlformats.org/presentationml/2006/main">
+  <p:cSld>
+    <p:spTree>
+      <p:nvGrpSpPr>
+        <p:cNvPr id="1" name=""/>
+        <p:cNvGrpSpPr/>
+        <p:nvPr/>
+      </p:nvGrpSpPr>
+      <p:grpSpPr>
+        <a:xfrm>
+          <a:off x="0" y="0"/>
+          <a:ext cx="0" cy="0"/>
+          <a:chOff x="0" y="0"/>
+          <a:chExt cx="0" cy="0"/>
+        </a:xfrm>
+      </p:grpSpPr>
+      <p:sp>
+        <p:nvSpPr>
+          <p:cNvPr id="2" name="Titel 1">
+            <a:extLst>
+              <a:ext uri="{FF2B5EF4-FFF2-40B4-BE49-F238E27FC236}">
+                <a16:creationId xmlns:a16="http://schemas.microsoft.com/office/drawing/2014/main" id="{747746A5-28FA-403D-AA34-31F4B7DC24E3}"/>
+              </a:ext>
+            </a:extLst>
+          </p:cNvPr>
+          <p:cNvSpPr>
+            <a:spLocks noGrp="1"/>
+          </p:cNvSpPr>
+          <p:nvPr>
+            <p:ph type="title"/>
+          </p:nvPr>
+        </p:nvSpPr>
+        <p:spPr/>
+        <p:txBody>
+          <a:bodyPr/>
+          <a:lstStyle/>
+          <a:p>
+            <a:r>
+              <a:rPr lang="de-AT" dirty="0"/>
+              <a:t>Ergänzende Vertragsbestimmungen</a:t>
+            </a:r>
+          </a:p>
+        </p:txBody>
+      </p:sp>
+      <p:sp>
+        <p:nvSpPr>
+          <p:cNvPr id="3" name="Inhaltsplatzhalter 2">
+            <a:extLst>
+              <a:ext uri="{FF2B5EF4-FFF2-40B4-BE49-F238E27FC236}">
+                <a16:creationId xmlns:a16="http://schemas.microsoft.com/office/drawing/2014/main" id="{1C0D73F7-1047-4130-B094-FDB9EB38DEBC}"/>
+              </a:ext>
+            </a:extLst>
+          </p:cNvPr>
+          <p:cNvSpPr>
+            <a:spLocks noGrp="1"/>
+          </p:cNvSpPr>
+          <p:nvPr>
+            <p:ph idx="1"/>
+          </p:nvPr>
+        </p:nvSpPr>
+        <p:spPr>
+          <a:xfrm>
+            <a:off x="1371600" y="1966452"/>
+            <a:ext cx="9601200" cy="4205748"/>
+          </a:xfrm>
+        </p:spPr>
+        <p:txBody>
+          <a:bodyPr>
+            <a:normAutofit/>
+          </a:bodyPr>
+          <a:lstStyle/>
+          <a:p>
+            <a:r>
+              <a:rPr lang="de-AT" dirty="0"/>
+              <a:t>Lieferbedingungen</a:t>
+            </a:r>
+          </a:p>
+          <a:p>
+            <a:pPr lvl="1"/>
+            <a:r>
+              <a:rPr lang="de-AT" dirty="0"/>
+              <a:t>Erfüllungszeit </a:t>
+            </a:r>
+          </a:p>
+          <a:p>
+            <a:pPr lvl="2"/>
+            <a:r>
+              <a:rPr lang="de-AT" dirty="0"/>
+              <a:t>Prompt-Geschäft</a:t>
+            </a:r>
+          </a:p>
+          <a:p>
+            <a:pPr lvl="2"/>
+            <a:r>
+              <a:rPr lang="de-AT" dirty="0"/>
+              <a:t>Gewöhnliches Termingeschäft</a:t>
+            </a:r>
+          </a:p>
+          <a:p>
+            <a:pPr lvl="2"/>
+            <a:r>
+              <a:rPr lang="de-AT" dirty="0"/>
+              <a:t>Fixgeschäft</a:t>
+            </a:r>
+          </a:p>
+          <a:p>
+            <a:pPr lvl="2"/>
+            <a:r>
+              <a:rPr lang="de-AT" dirty="0"/>
+              <a:t>Sonderregelung für Zusendung</a:t>
+            </a:r>
+          </a:p>
+          <a:p>
+            <a:pPr marL="987552" lvl="2" indent="0">
+              <a:buNone/>
+            </a:pPr>
+            <a:endParaRPr lang="de-AT" dirty="0"/>
+          </a:p>
+          <a:p>
+            <a:pPr lvl="1"/>
+            <a:r>
+              <a:rPr lang="de-AT" dirty="0"/>
+              <a:t>Erfüllungsort</a:t>
+            </a:r>
+          </a:p>
+          <a:p>
+            <a:pPr lvl="2"/>
+            <a:r>
+              <a:rPr lang="de-AT" dirty="0"/>
+              <a:t>Körperlich (Ware wird übergeben)</a:t>
+            </a:r>
+          </a:p>
+          <a:p>
+            <a:pPr lvl="2"/>
+            <a:r>
+              <a:rPr lang="de-AT" dirty="0"/>
+              <a:t>Elektronisch (digitale Produkte)</a:t>
+            </a:r>
+          </a:p>
+          <a:p>
+            <a:pPr lvl="2"/>
+            <a:r>
+              <a:rPr lang="de-AT" dirty="0"/>
+              <a:t>Symbolisch</a:t>
+            </a:r>
+          </a:p>
+          <a:p>
+            <a:pPr marL="987552" lvl="2" indent="0">
+              <a:buNone/>
+            </a:pPr>
+            <a:endParaRPr lang="de-AT" dirty="0"/>
+          </a:p>
+        </p:txBody>
+      </p:sp>
+    </p:spTree>
+    <p:extLst>
+      <p:ext uri="{BB962C8B-B14F-4D97-AF65-F5344CB8AC3E}">
+        <p14:creationId xmlns:p14="http://schemas.microsoft.com/office/powerpoint/2010/main" val="2849068660"/>
+      </p:ext>
+    </p:extLst>
+  </p:cSld>
+  <p:clrMapOvr>
+    <a:masterClrMapping/>
+  </p:clrMapOvr>
+</p:sld>
+</file>
+
+<file path=ppt/slides/slide13.xml><?xml version="1.0" encoding="utf-8"?>
+<p:sld xmlns:a="http://schemas.openxmlformats.org/drawingml/2006/main" xmlns:r="http://schemas.openxmlformats.org/officeDocument/2006/relationships" xmlns:p="http://schemas.openxmlformats.org/presentationml/2006/main">
+  <p:cSld>
+    <p:spTree>
+      <p:nvGrpSpPr>
+        <p:cNvPr id="1" name=""/>
+        <p:cNvGrpSpPr/>
+        <p:nvPr/>
+      </p:nvGrpSpPr>
+      <p:grpSpPr>
+        <a:xfrm>
+          <a:off x="0" y="0"/>
+          <a:ext cx="0" cy="0"/>
+          <a:chOff x="0" y="0"/>
+          <a:chExt cx="0" cy="0"/>
+        </a:xfrm>
+      </p:grpSpPr>
+      <p:sp>
+        <p:nvSpPr>
+          <p:cNvPr id="2" name="Titel 1">
+            <a:extLst>
+              <a:ext uri="{FF2B5EF4-FFF2-40B4-BE49-F238E27FC236}">
+                <a16:creationId xmlns:a16="http://schemas.microsoft.com/office/drawing/2014/main" id="{747746A5-28FA-403D-AA34-31F4B7DC24E3}"/>
+              </a:ext>
+            </a:extLst>
+          </p:cNvPr>
+          <p:cNvSpPr>
+            <a:spLocks noGrp="1"/>
+          </p:cNvSpPr>
+          <p:nvPr>
+            <p:ph type="title"/>
+          </p:nvPr>
+        </p:nvSpPr>
+        <p:spPr/>
+        <p:txBody>
+          <a:bodyPr/>
+          <a:lstStyle/>
+          <a:p>
+            <a:r>
+              <a:rPr lang="de-AT" dirty="0"/>
+              <a:t>Ergänzende Vertragsbestimmungen</a:t>
+            </a:r>
+          </a:p>
+        </p:txBody>
+      </p:sp>
+      <p:sp>
+        <p:nvSpPr>
+          <p:cNvPr id="3" name="Inhaltsplatzhalter 2">
+            <a:extLst>
+              <a:ext uri="{FF2B5EF4-FFF2-40B4-BE49-F238E27FC236}">
+                <a16:creationId xmlns:a16="http://schemas.microsoft.com/office/drawing/2014/main" id="{1C0D73F7-1047-4130-B094-FDB9EB38DEBC}"/>
+              </a:ext>
+            </a:extLst>
+          </p:cNvPr>
+          <p:cNvSpPr>
+            <a:spLocks noGrp="1"/>
+          </p:cNvSpPr>
+          <p:nvPr>
+            <p:ph idx="1"/>
+          </p:nvPr>
+        </p:nvSpPr>
+        <p:spPr/>
+        <p:txBody>
+          <a:bodyPr/>
+          <a:lstStyle/>
+          <a:p>
+            <a:r>
+              <a:rPr lang="de-AT" dirty="0"/>
+              <a:t>Zahlungsbedingungen</a:t>
+            </a:r>
+          </a:p>
+          <a:p>
+            <a:pPr lvl="1"/>
+            <a:r>
+              <a:rPr lang="de-AT" dirty="0"/>
+              <a:t>Erfüllungsort der Zahlung</a:t>
+            </a:r>
+          </a:p>
+          <a:p>
+            <a:pPr lvl="1"/>
+            <a:r>
+              <a:rPr lang="de-AT" dirty="0"/>
+              <a:t>Erfüllungszeit</a:t>
+            </a:r>
+          </a:p>
+          <a:p>
+            <a:pPr lvl="2"/>
+            <a:r>
+              <a:rPr lang="de-AT" dirty="0"/>
+              <a:t>Kassakauf</a:t>
+            </a:r>
+          </a:p>
+          <a:p>
+            <a:pPr lvl="2"/>
+            <a:r>
+              <a:rPr lang="de-AT" dirty="0"/>
+              <a:t>Zielkauf</a:t>
+            </a:r>
+          </a:p>
+          <a:p>
+            <a:pPr lvl="2"/>
+            <a:r>
+              <a:rPr lang="de-AT" dirty="0"/>
+              <a:t>Vorauszahlung</a:t>
+            </a:r>
+          </a:p>
+          <a:p>
+            <a:pPr lvl="2"/>
+            <a:r>
+              <a:rPr lang="de-AT" dirty="0"/>
+              <a:t>Anzahlung</a:t>
+            </a:r>
+          </a:p>
+          <a:p>
+            <a:pPr lvl="2"/>
+            <a:r>
+              <a:rPr lang="de-AT" dirty="0"/>
+              <a:t>Ratenzahlung</a:t>
+            </a:r>
+          </a:p>
+        </p:txBody>
+      </p:sp>
+    </p:spTree>
+    <p:extLst>
+      <p:ext uri="{BB962C8B-B14F-4D97-AF65-F5344CB8AC3E}">
+        <p14:creationId xmlns:p14="http://schemas.microsoft.com/office/powerpoint/2010/main" val="2134422110"/>
+      </p:ext>
+    </p:extLst>
+  </p:cSld>
+  <p:clrMapOvr>
+    <a:masterClrMapping/>
+  </p:clrMapOvr>
+</p:sld>
+</file>
+
+<file path=ppt/slides/slide14.xml><?xml version="1.0" encoding="utf-8"?>
+<p:sld xmlns:a="http://schemas.openxmlformats.org/drawingml/2006/main" xmlns:r="http://schemas.openxmlformats.org/officeDocument/2006/relationships" xmlns:p="http://schemas.openxmlformats.org/presentationml/2006/main">
+  <p:cSld>
+    <p:spTree>
+      <p:nvGrpSpPr>
+        <p:cNvPr id="1" name=""/>
+        <p:cNvGrpSpPr/>
+        <p:nvPr/>
+      </p:nvGrpSpPr>
+      <p:grpSpPr>
+        <a:xfrm>
+          <a:off x="0" y="0"/>
+          <a:ext cx="0" cy="0"/>
+          <a:chOff x="0" y="0"/>
+          <a:chExt cx="0" cy="0"/>
+        </a:xfrm>
+      </p:grpSpPr>
+      <p:sp>
+        <p:nvSpPr>
+          <p:cNvPr id="2" name="Titel 1">
+            <a:extLst>
+              <a:ext uri="{FF2B5EF4-FFF2-40B4-BE49-F238E27FC236}">
+                <a16:creationId xmlns:a16="http://schemas.microsoft.com/office/drawing/2014/main" id="{78585301-726C-440F-A8DC-0019BFB591CD}"/>
+              </a:ext>
+            </a:extLst>
+          </p:cNvPr>
+          <p:cNvSpPr>
+            <a:spLocks noGrp="1"/>
+          </p:cNvSpPr>
+          <p:nvPr>
+            <p:ph type="title"/>
+          </p:nvPr>
+        </p:nvSpPr>
+        <p:spPr/>
+        <p:txBody>
+          <a:bodyPr/>
+          <a:lstStyle/>
+          <a:p>
+            <a:r>
+              <a:rPr lang="de-AT" dirty="0"/>
+              <a:t>Verpackung</a:t>
+            </a:r>
+          </a:p>
+        </p:txBody>
+      </p:sp>
+      <p:sp>
+        <p:nvSpPr>
+          <p:cNvPr id="3" name="Inhaltsplatzhalter 2">
+            <a:extLst>
+              <a:ext uri="{FF2B5EF4-FFF2-40B4-BE49-F238E27FC236}">
+                <a16:creationId xmlns:a16="http://schemas.microsoft.com/office/drawing/2014/main" id="{096BC22C-5BE4-434D-889E-2A688DE33A54}"/>
+              </a:ext>
+            </a:extLst>
+          </p:cNvPr>
+          <p:cNvSpPr>
+            <a:spLocks noGrp="1"/>
+          </p:cNvSpPr>
+          <p:nvPr>
+            <p:ph idx="1"/>
+          </p:nvPr>
+        </p:nvSpPr>
+        <p:spPr/>
+        <p:txBody>
+          <a:bodyPr/>
+          <a:lstStyle/>
+          <a:p>
+            <a:r>
+              <a:rPr lang="de-AT" dirty="0"/>
+              <a:t>Funktionen</a:t>
+            </a:r>
+          </a:p>
+          <a:p>
+            <a:pPr lvl="1"/>
+            <a:r>
+              <a:rPr lang="de-AT" dirty="0"/>
+              <a:t>Schutz der Ware</a:t>
+            </a:r>
+          </a:p>
+          <a:p>
+            <a:pPr lvl="1"/>
+            <a:r>
+              <a:rPr lang="de-AT" dirty="0"/>
+              <a:t>Erhöhung der Transport- und Lagerfähigkeit</a:t>
+            </a:r>
+          </a:p>
+          <a:p>
+            <a:pPr lvl="1"/>
+            <a:r>
+              <a:rPr lang="de-AT" dirty="0"/>
+              <a:t>Erhöhung der Verkaufsfähigkeit</a:t>
+            </a:r>
+          </a:p>
+          <a:p>
+            <a:r>
+              <a:rPr lang="de-AT" dirty="0"/>
+              <a:t>Regelungen</a:t>
+            </a:r>
+          </a:p>
+          <a:p>
+            <a:pPr lvl="1"/>
+            <a:r>
+              <a:rPr lang="de-AT" dirty="0"/>
+              <a:t>Art der Verpackung</a:t>
+            </a:r>
+          </a:p>
+          <a:p>
+            <a:pPr lvl="1"/>
+            <a:r>
+              <a:rPr lang="de-AT" dirty="0"/>
+              <a:t>Kosten der Verpackung</a:t>
+            </a:r>
+          </a:p>
+        </p:txBody>
+      </p:sp>
+    </p:spTree>
+    <p:extLst>
+      <p:ext uri="{BB962C8B-B14F-4D97-AF65-F5344CB8AC3E}">
+        <p14:creationId xmlns:p14="http://schemas.microsoft.com/office/powerpoint/2010/main" val="1366947628"/>
+      </p:ext>
+    </p:extLst>
+  </p:cSld>
+  <p:clrMapOvr>
+    <a:masterClrMapping/>
+  </p:clrMapOvr>
+</p:sld>
+</file>
+
+<file path=ppt/slides/slide15.xml><?xml version="1.0" encoding="utf-8"?>
+<p:sld xmlns:a="http://schemas.openxmlformats.org/drawingml/2006/main" xmlns:r="http://schemas.openxmlformats.org/officeDocument/2006/relationships" xmlns:p="http://schemas.openxmlformats.org/presentationml/2006/main">
+  <p:cSld>
+    <p:spTree>
+      <p:nvGrpSpPr>
+        <p:cNvPr id="1" name=""/>
+        <p:cNvGrpSpPr/>
+        <p:nvPr/>
+      </p:nvGrpSpPr>
+      <p:grpSpPr>
+        <a:xfrm>
+          <a:off x="0" y="0"/>
+          <a:ext cx="0" cy="0"/>
+          <a:chOff x="0" y="0"/>
+          <a:chExt cx="0" cy="0"/>
+        </a:xfrm>
+      </p:grpSpPr>
+      <p:sp>
+        <p:nvSpPr>
+          <p:cNvPr id="2" name="Titel 1">
+            <a:extLst>
+              <a:ext uri="{FF2B5EF4-FFF2-40B4-BE49-F238E27FC236}">
+                <a16:creationId xmlns:a16="http://schemas.microsoft.com/office/drawing/2014/main" id="{64C62EB8-6C69-46D7-A248-93A6F08E779D}"/>
+              </a:ext>
+            </a:extLst>
+          </p:cNvPr>
+          <p:cNvSpPr>
+            <a:spLocks noGrp="1"/>
+          </p:cNvSpPr>
+          <p:nvPr>
+            <p:ph type="title"/>
+          </p:nvPr>
+        </p:nvSpPr>
+        <p:spPr/>
+        <p:txBody>
+          <a:bodyPr/>
+          <a:lstStyle/>
+          <a:p>
+            <a:r>
+              <a:rPr lang="de-AT" dirty="0"/>
+              <a:t>Das „Kleingedruckte“</a:t>
+            </a:r>
+          </a:p>
+        </p:txBody>
+      </p:sp>
+      <p:sp>
+        <p:nvSpPr>
+          <p:cNvPr id="3" name="Inhaltsplatzhalter 2">
+            <a:extLst>
+              <a:ext uri="{FF2B5EF4-FFF2-40B4-BE49-F238E27FC236}">
+                <a16:creationId xmlns:a16="http://schemas.microsoft.com/office/drawing/2014/main" id="{83F4658B-B0B7-4965-A2F2-77202BA22A58}"/>
+              </a:ext>
+            </a:extLst>
+          </p:cNvPr>
+          <p:cNvSpPr>
+            <a:spLocks noGrp="1"/>
+          </p:cNvSpPr>
+          <p:nvPr>
+            <p:ph idx="1"/>
+          </p:nvPr>
+        </p:nvSpPr>
+        <p:spPr/>
+        <p:txBody>
+          <a:bodyPr/>
+          <a:lstStyle/>
+          <a:p>
+            <a:r>
+              <a:rPr lang="de-AT" dirty="0"/>
+              <a:t>Allgemeinen Geschäftsbedingungen (AGB)</a:t>
+            </a:r>
+          </a:p>
+          <a:p>
+            <a:r>
+              <a:rPr lang="de-AT" dirty="0"/>
+              <a:t>Eigentumsvorbehalt</a:t>
+            </a:r>
+          </a:p>
+          <a:p>
+            <a:r>
+              <a:rPr lang="de-AT" dirty="0"/>
+              <a:t>Umtauschrecht</a:t>
+            </a:r>
+          </a:p>
+          <a:p>
+            <a:r>
+              <a:rPr lang="de-AT" dirty="0"/>
+              <a:t>Pönale</a:t>
+            </a:r>
+          </a:p>
+          <a:p>
+            <a:r>
+              <a:rPr lang="de-AT" dirty="0"/>
+              <a:t>Stornogebühr</a:t>
+            </a:r>
+          </a:p>
+          <a:p>
+            <a:r>
+              <a:rPr lang="de-AT" dirty="0"/>
+              <a:t>Gewährleistung und Garantie</a:t>
+            </a:r>
+          </a:p>
+        </p:txBody>
+      </p:sp>
+    </p:spTree>
+    <p:extLst>
+      <p:ext uri="{BB962C8B-B14F-4D97-AF65-F5344CB8AC3E}">
+        <p14:creationId xmlns:p14="http://schemas.microsoft.com/office/powerpoint/2010/main" val="3523381422"/>
+      </p:ext>
+    </p:extLst>
+  </p:cSld>
+  <p:clrMapOvr>
+    <a:masterClrMapping/>
+  </p:clrMapOvr>
+</p:sld>
+</file>
+
+<file path=ppt/slides/slide16.xml><?xml version="1.0" encoding="utf-8"?>
+<p:sld xmlns:a="http://schemas.openxmlformats.org/drawingml/2006/main" xmlns:r="http://schemas.openxmlformats.org/officeDocument/2006/relationships" xmlns:p="http://schemas.openxmlformats.org/presentationml/2006/main">
+  <p:cSld>
+    <p:spTree>
+      <p:nvGrpSpPr>
+        <p:cNvPr id="1" name=""/>
+        <p:cNvGrpSpPr/>
+        <p:nvPr/>
+      </p:nvGrpSpPr>
+      <p:grpSpPr>
+        <a:xfrm>
+          <a:off x="0" y="0"/>
+          <a:ext cx="0" cy="0"/>
+          <a:chOff x="0" y="0"/>
+          <a:chExt cx="0" cy="0"/>
+        </a:xfrm>
+      </p:grpSpPr>
+      <p:sp>
+        <p:nvSpPr>
+          <p:cNvPr id="2" name="Titel 1">
+            <a:extLst>
+              <a:ext uri="{FF2B5EF4-FFF2-40B4-BE49-F238E27FC236}">
+                <a16:creationId xmlns:a16="http://schemas.microsoft.com/office/drawing/2014/main" id="{B9B5714B-72A1-4C1A-8279-E96CD304536F}"/>
+              </a:ext>
+            </a:extLst>
+          </p:cNvPr>
+          <p:cNvSpPr>
+            <a:spLocks noGrp="1"/>
+          </p:cNvSpPr>
+          <p:nvPr>
+            <p:ph type="title"/>
+          </p:nvPr>
+        </p:nvSpPr>
+        <p:spPr/>
+        <p:txBody>
+          <a:bodyPr/>
+          <a:lstStyle/>
+          <a:p>
+            <a:r>
+              <a:rPr lang="de-AT" dirty="0"/>
+              <a:t>Onlineshopping – E-Commerce</a:t>
+            </a:r>
+          </a:p>
+        </p:txBody>
+      </p:sp>
+      <p:sp>
+        <p:nvSpPr>
+          <p:cNvPr id="3" name="Inhaltsplatzhalter 2">
+            <a:extLst>
+              <a:ext uri="{FF2B5EF4-FFF2-40B4-BE49-F238E27FC236}">
+                <a16:creationId xmlns:a16="http://schemas.microsoft.com/office/drawing/2014/main" id="{0854C2AC-41B7-4B53-8B8F-FBFFA49562C5}"/>
+              </a:ext>
+            </a:extLst>
+          </p:cNvPr>
+          <p:cNvSpPr>
+            <a:spLocks noGrp="1"/>
+          </p:cNvSpPr>
+          <p:nvPr>
+            <p:ph idx="1"/>
+          </p:nvPr>
+        </p:nvSpPr>
+        <p:spPr/>
+        <p:txBody>
+          <a:bodyPr/>
+          <a:lstStyle/>
+          <a:p>
+            <a:r>
+              <a:rPr lang="de-AT" dirty="0"/>
+              <a:t>B2B (Business </a:t>
+            </a:r>
+            <a:r>
+              <a:rPr lang="de-AT" dirty="0" err="1"/>
+              <a:t>to</a:t>
+            </a:r>
+            <a:r>
+              <a:rPr lang="de-AT" dirty="0"/>
+              <a:t> Business)</a:t>
+            </a:r>
+          </a:p>
+          <a:p>
+            <a:pPr lvl="1"/>
+            <a:r>
+              <a:rPr lang="de-AT" dirty="0"/>
+              <a:t>Automatische Auftragsbestätigung</a:t>
+            </a:r>
+          </a:p>
+          <a:p>
+            <a:pPr lvl="1"/>
+            <a:r>
+              <a:rPr lang="de-AT" dirty="0"/>
+              <a:t>Rechnung elektronisch</a:t>
+            </a:r>
+          </a:p>
+          <a:p>
+            <a:r>
+              <a:rPr lang="de-AT" dirty="0"/>
+              <a:t>B2C (Business </a:t>
+            </a:r>
+            <a:r>
+              <a:rPr lang="de-AT" dirty="0" err="1"/>
+              <a:t>to</a:t>
+            </a:r>
+            <a:r>
+              <a:rPr lang="de-AT" dirty="0"/>
+              <a:t> Consumer)</a:t>
+            </a:r>
+          </a:p>
+          <a:p>
+            <a:pPr lvl="1"/>
+            <a:r>
+              <a:rPr lang="de-AT" dirty="0" err="1"/>
+              <a:t>Downloadable</a:t>
+            </a:r>
+            <a:r>
+              <a:rPr lang="de-AT" dirty="0"/>
+              <a:t> </a:t>
+            </a:r>
+            <a:r>
+              <a:rPr lang="de-AT" dirty="0" err="1"/>
+              <a:t>Goods</a:t>
+            </a:r>
+            <a:endParaRPr lang="de-AT" dirty="0"/>
+          </a:p>
+          <a:p>
+            <a:pPr lvl="1"/>
+            <a:r>
+              <a:rPr lang="de-AT" dirty="0"/>
+              <a:t>Standardisierte Produkte </a:t>
+            </a:r>
+            <a:r>
+              <a:rPr lang="de-AT" dirty="0">
+                <a:sym typeface="Wingdings" panose="05000000000000000000" pitchFamily="2" charset="2"/>
+              </a:rPr>
+              <a:t> </a:t>
+            </a:r>
+            <a:r>
+              <a:rPr lang="de-AT" dirty="0"/>
+              <a:t>Lieferung per Post</a:t>
+            </a:r>
+          </a:p>
+        </p:txBody>
+      </p:sp>
+    </p:spTree>
+    <p:extLst>
+      <p:ext uri="{BB962C8B-B14F-4D97-AF65-F5344CB8AC3E}">
+        <p14:creationId xmlns:p14="http://schemas.microsoft.com/office/powerpoint/2010/main" val="1378456038"/>
+      </p:ext>
+    </p:extLst>
+  </p:cSld>
+  <p:clrMapOvr>
+    <a:masterClrMapping/>
+  </p:clrMapOvr>
+</p:sld>
+</file>
+
+<file path=ppt/slides/slide17.xml><?xml version="1.0" encoding="utf-8"?>
+<p:sld xmlns:a="http://schemas.openxmlformats.org/drawingml/2006/main" xmlns:r="http://schemas.openxmlformats.org/officeDocument/2006/relationships" xmlns:p="http://schemas.openxmlformats.org/presentationml/2006/main">
+  <p:cSld>
+    <p:spTree>
+      <p:nvGrpSpPr>
+        <p:cNvPr id="1" name=""/>
+        <p:cNvGrpSpPr/>
+        <p:nvPr/>
+      </p:nvGrpSpPr>
+      <p:grpSpPr>
+        <a:xfrm>
+          <a:off x="0" y="0"/>
+          <a:ext cx="0" cy="0"/>
+          <a:chOff x="0" y="0"/>
+          <a:chExt cx="0" cy="0"/>
+        </a:xfrm>
+      </p:grpSpPr>
+      <p:sp>
+        <p:nvSpPr>
+          <p:cNvPr id="2" name="Titel 1">
+            <a:extLst>
+              <a:ext uri="{FF2B5EF4-FFF2-40B4-BE49-F238E27FC236}">
+                <a16:creationId xmlns:a16="http://schemas.microsoft.com/office/drawing/2014/main" id="{9314FED2-CB1E-4522-91C2-CFFE6BBAB295}"/>
+              </a:ext>
+            </a:extLst>
+          </p:cNvPr>
+          <p:cNvSpPr>
+            <a:spLocks noGrp="1"/>
+          </p:cNvSpPr>
+          <p:nvPr>
+            <p:ph type="title"/>
+          </p:nvPr>
+        </p:nvSpPr>
+        <p:spPr/>
+        <p:txBody>
+          <a:bodyPr/>
+          <a:lstStyle/>
+          <a:p>
+            <a:r>
+              <a:rPr lang="de-AT" dirty="0"/>
+              <a:t>Onlineshopping – E-Commerce</a:t>
+            </a:r>
+          </a:p>
+        </p:txBody>
+      </p:sp>
+      <p:sp>
+        <p:nvSpPr>
+          <p:cNvPr id="3" name="Inhaltsplatzhalter 2">
+            <a:extLst>
+              <a:ext uri="{FF2B5EF4-FFF2-40B4-BE49-F238E27FC236}">
+                <a16:creationId xmlns:a16="http://schemas.microsoft.com/office/drawing/2014/main" id="{C0D8280B-FF26-4F76-AB44-DE03B1EFD519}"/>
+              </a:ext>
+            </a:extLst>
+          </p:cNvPr>
+          <p:cNvSpPr>
+            <a:spLocks noGrp="1"/>
+          </p:cNvSpPr>
+          <p:nvPr>
+            <p:ph idx="1"/>
+          </p:nvPr>
+        </p:nvSpPr>
+        <p:spPr/>
+        <p:txBody>
+          <a:bodyPr/>
+          <a:lstStyle/>
+          <a:p>
+            <a:r>
+              <a:rPr lang="de-AT" dirty="0"/>
+              <a:t>Rücktrittsfristen</a:t>
+            </a:r>
+          </a:p>
+          <a:p>
+            <a:pPr lvl="1"/>
+            <a:r>
+              <a:rPr lang="de-AT" dirty="0"/>
+              <a:t>14 Werktage ab Erhalt der Ware</a:t>
+            </a:r>
+          </a:p>
+          <a:p>
+            <a:pPr lvl="1"/>
+            <a:r>
+              <a:rPr lang="de-AT" dirty="0"/>
+              <a:t>Rücksendung auf Kosten des Käufers</a:t>
+            </a:r>
+          </a:p>
+        </p:txBody>
+      </p:sp>
+    </p:spTree>
+    <p:extLst>
+      <p:ext uri="{BB962C8B-B14F-4D97-AF65-F5344CB8AC3E}">
+        <p14:creationId xmlns:p14="http://schemas.microsoft.com/office/powerpoint/2010/main" val="361796860"/>
+      </p:ext>
+    </p:extLst>
+  </p:cSld>
+  <p:clrMapOvr>
+    <a:masterClrMapping/>
+  </p:clrMapOvr>
+</p:sld>
+</file>
+
+<file path=ppt/slides/slide18.xml><?xml version="1.0" encoding="utf-8"?>
+<p:sld xmlns:a="http://schemas.openxmlformats.org/drawingml/2006/main" xmlns:r="http://schemas.openxmlformats.org/officeDocument/2006/relationships" xmlns:p="http://schemas.openxmlformats.org/presentationml/2006/main">
+  <p:cSld>
+    <p:spTree>
+      <p:nvGrpSpPr>
+        <p:cNvPr id="1" name=""/>
+        <p:cNvGrpSpPr/>
+        <p:nvPr/>
+      </p:nvGrpSpPr>
+      <p:grpSpPr>
+        <a:xfrm>
+          <a:off x="0" y="0"/>
+          <a:ext cx="0" cy="0"/>
+          <a:chOff x="0" y="0"/>
+          <a:chExt cx="0" cy="0"/>
+        </a:xfrm>
+      </p:grpSpPr>
+      <p:sp>
+        <p:nvSpPr>
+          <p:cNvPr id="2" name="Titel 1">
+            <a:extLst>
+              <a:ext uri="{FF2B5EF4-FFF2-40B4-BE49-F238E27FC236}">
+                <a16:creationId xmlns:a16="http://schemas.microsoft.com/office/drawing/2014/main" id="{53DA8ADA-DD53-4356-8911-6C4CBB23C829}"/>
+              </a:ext>
+            </a:extLst>
+          </p:cNvPr>
+          <p:cNvSpPr>
+            <a:spLocks noGrp="1"/>
+          </p:cNvSpPr>
+          <p:nvPr>
+            <p:ph type="title"/>
+          </p:nvPr>
+        </p:nvSpPr>
+        <p:spPr/>
+        <p:txBody>
+          <a:bodyPr/>
+          <a:lstStyle/>
+          <a:p>
+            <a:r>
+              <a:rPr lang="de-AT" dirty="0"/>
+              <a:t>Kaufverträge erfüllen</a:t>
+            </a:r>
+          </a:p>
+        </p:txBody>
+      </p:sp>
+      <p:sp>
+        <p:nvSpPr>
+          <p:cNvPr id="3" name="Inhaltsplatzhalter 2">
+            <a:extLst>
+              <a:ext uri="{FF2B5EF4-FFF2-40B4-BE49-F238E27FC236}">
+                <a16:creationId xmlns:a16="http://schemas.microsoft.com/office/drawing/2014/main" id="{74566394-84B5-464C-A15D-C7101F23A6C5}"/>
+              </a:ext>
+            </a:extLst>
+          </p:cNvPr>
+          <p:cNvSpPr>
+            <a:spLocks noGrp="1"/>
+          </p:cNvSpPr>
+          <p:nvPr>
+            <p:ph idx="1"/>
+          </p:nvPr>
+        </p:nvSpPr>
+        <p:spPr/>
+        <p:txBody>
+          <a:bodyPr/>
+          <a:lstStyle/>
+          <a:p>
+            <a:r>
+              <a:rPr lang="de-AT" dirty="0"/>
+              <a:t>Pflichten des Verkäufers</a:t>
+            </a:r>
+          </a:p>
+          <a:p>
+            <a:pPr lvl="1"/>
+            <a:r>
+              <a:rPr lang="de-AT" dirty="0"/>
+              <a:t>Lieferung</a:t>
+            </a:r>
+          </a:p>
+          <a:p>
+            <a:pPr lvl="1"/>
+            <a:r>
+              <a:rPr lang="de-AT" dirty="0"/>
+              <a:t>Einhaltung sonstiger Abmachungen (z.B. Montage)</a:t>
+            </a:r>
+          </a:p>
+          <a:p>
+            <a:r>
+              <a:rPr lang="de-AT" dirty="0"/>
+              <a:t>Pflichten des Käufers:</a:t>
+            </a:r>
+          </a:p>
+          <a:p>
+            <a:pPr lvl="1"/>
+            <a:r>
+              <a:rPr lang="de-AT" dirty="0"/>
+              <a:t>Abnahme der Ware </a:t>
+            </a:r>
+          </a:p>
+          <a:p>
+            <a:pPr lvl="1"/>
+            <a:r>
+              <a:rPr lang="de-AT" dirty="0"/>
+              <a:t>Zahlung</a:t>
+            </a:r>
+          </a:p>
+        </p:txBody>
+      </p:sp>
+    </p:spTree>
+    <p:extLst>
+      <p:ext uri="{BB962C8B-B14F-4D97-AF65-F5344CB8AC3E}">
+        <p14:creationId xmlns:p14="http://schemas.microsoft.com/office/powerpoint/2010/main" val="2203022705"/>
+      </p:ext>
+    </p:extLst>
+  </p:cSld>
+  <p:clrMapOvr>
+    <a:masterClrMapping/>
+  </p:clrMapOvr>
+</p:sld>
+</file>
+
+<file path=ppt/slides/slide19.xml><?xml version="1.0" encoding="utf-8"?>
+<p:sld xmlns:a="http://schemas.openxmlformats.org/drawingml/2006/main" xmlns:r="http://schemas.openxmlformats.org/officeDocument/2006/relationships" xmlns:p="http://schemas.openxmlformats.org/presentationml/2006/main">
+  <p:cSld>
+    <p:spTree>
+      <p:nvGrpSpPr>
+        <p:cNvPr id="1" name=""/>
+        <p:cNvGrpSpPr/>
+        <p:nvPr/>
+      </p:nvGrpSpPr>
+      <p:grpSpPr>
+        <a:xfrm>
+          <a:off x="0" y="0"/>
+          <a:ext cx="0" cy="0"/>
+          <a:chOff x="0" y="0"/>
+          <a:chExt cx="0" cy="0"/>
+        </a:xfrm>
+      </p:grpSpPr>
+      <p:sp>
+        <p:nvSpPr>
+          <p:cNvPr id="2" name="Titel 1">
+            <a:extLst>
+              <a:ext uri="{FF2B5EF4-FFF2-40B4-BE49-F238E27FC236}">
+                <a16:creationId xmlns:a16="http://schemas.microsoft.com/office/drawing/2014/main" id="{9B56E74F-CDC5-409D-9682-825FD0063C22}"/>
+              </a:ext>
+            </a:extLst>
+          </p:cNvPr>
+          <p:cNvSpPr>
+            <a:spLocks noGrp="1"/>
+          </p:cNvSpPr>
+          <p:nvPr>
+            <p:ph type="title"/>
+          </p:nvPr>
+        </p:nvSpPr>
+        <p:spPr/>
+        <p:txBody>
+          <a:bodyPr/>
+          <a:lstStyle/>
+          <a:p>
+            <a:r>
+              <a:rPr lang="de-AT" dirty="0"/>
+              <a:t>Ware liefern</a:t>
+            </a:r>
+          </a:p>
+        </p:txBody>
+      </p:sp>
+      <p:sp>
+        <p:nvSpPr>
+          <p:cNvPr id="3" name="Inhaltsplatzhalter 2">
+            <a:extLst>
+              <a:ext uri="{FF2B5EF4-FFF2-40B4-BE49-F238E27FC236}">
+                <a16:creationId xmlns:a16="http://schemas.microsoft.com/office/drawing/2014/main" id="{6B8CFBC7-7A08-42E8-BE35-EB50525A5E11}"/>
+              </a:ext>
+            </a:extLst>
+          </p:cNvPr>
+          <p:cNvSpPr>
+            <a:spLocks noGrp="1"/>
+          </p:cNvSpPr>
+          <p:nvPr>
+            <p:ph idx="1"/>
+          </p:nvPr>
+        </p:nvSpPr>
+        <p:spPr/>
+        <p:txBody>
+          <a:bodyPr/>
+          <a:lstStyle/>
+          <a:p>
+            <a:r>
+              <a:rPr lang="de-AT" dirty="0"/>
+              <a:t>Versandwege</a:t>
+            </a:r>
+          </a:p>
+          <a:p>
+            <a:pPr lvl="1"/>
+            <a:r>
+              <a:rPr lang="de-AT" dirty="0"/>
+              <a:t>Frachtführer</a:t>
+            </a:r>
+          </a:p>
+          <a:p>
+            <a:pPr lvl="1"/>
+            <a:r>
+              <a:rPr lang="de-AT" dirty="0"/>
+              <a:t>Spediteur</a:t>
+            </a:r>
+          </a:p>
+          <a:p>
+            <a:pPr lvl="1"/>
+            <a:r>
+              <a:rPr lang="de-AT" dirty="0"/>
+              <a:t>Selbsteintritt</a:t>
+            </a:r>
+          </a:p>
+          <a:p>
+            <a:r>
+              <a:rPr lang="de-AT" dirty="0"/>
+              <a:t>Begleitpapiere</a:t>
+            </a:r>
+          </a:p>
+          <a:p>
+            <a:pPr lvl="1"/>
+            <a:r>
+              <a:rPr lang="de-AT" dirty="0"/>
+              <a:t>Lieferschein (Gegenschein, Lieferschein)</a:t>
+            </a:r>
+          </a:p>
+          <a:p>
+            <a:pPr lvl="1"/>
+            <a:r>
+              <a:rPr lang="de-AT" dirty="0"/>
+              <a:t>Frachtpapiere (Frachtführer)</a:t>
+            </a:r>
+          </a:p>
+          <a:p>
+            <a:pPr lvl="1"/>
+            <a:r>
+              <a:rPr lang="de-AT" dirty="0"/>
+              <a:t>Sonstige Begleitpapiere (Ausland)</a:t>
+            </a:r>
+          </a:p>
+        </p:txBody>
+      </p:sp>
+    </p:spTree>
+    <p:extLst>
+      <p:ext uri="{BB962C8B-B14F-4D97-AF65-F5344CB8AC3E}">
+        <p14:creationId xmlns:p14="http://schemas.microsoft.com/office/powerpoint/2010/main" val="3792573767"/>
+      </p:ext>
+    </p:extLst>
+  </p:cSld>
+  <p:clrMapOvr>
+    <a:masterClrMapping/>
+  </p:clrMapOvr>
+</p:sld>
+</file>
+
+<file path=ppt/slides/slide2.xml><?xml version="1.0" encoding="utf-8"?>
+<p:sld xmlns:a="http://schemas.openxmlformats.org/drawingml/2006/main" xmlns:r="http://schemas.openxmlformats.org/officeDocument/2006/relationships" xmlns:p="http://schemas.openxmlformats.org/presentationml/2006/main">
+  <p:cSld>
+    <p:bg>
+      <p:bgPr>
+        <a:solidFill>
+          <a:schemeClr val="bg2"/>
+        </a:solidFill>
+        <a:effectLst/>
+      </p:bgPr>
+    </p:bg>
+    <p:spTree>
+      <p:nvGrpSpPr>
+        <p:cNvPr id="1" name=""/>
+        <p:cNvGrpSpPr/>
+        <p:nvPr/>
+      </p:nvGrpSpPr>
+      <p:grpSpPr>
+        <a:xfrm>
+          <a:off x="0" y="0"/>
+          <a:ext cx="0" cy="0"/>
+          <a:chOff x="0" y="0"/>
+          <a:chExt cx="0" cy="0"/>
+        </a:xfrm>
+      </p:grpSpPr>
+      <p:pic>
+        <p:nvPicPr>
+          <p:cNvPr id="5" name="Grafik 4">
+            <a:extLst>
+              <a:ext uri="{FF2B5EF4-FFF2-40B4-BE49-F238E27FC236}">
+                <a16:creationId xmlns:a16="http://schemas.microsoft.com/office/drawing/2014/main" id="{F9C53D0B-1FED-477B-8D72-42C4C96473AF}"/>
+              </a:ext>
+            </a:extLst>
+          </p:cNvPr>
+          <p:cNvPicPr>
+            <a:picLocks noChangeAspect="1"/>
+          </p:cNvPicPr>
+          <p:nvPr/>
+        </p:nvPicPr>
+        <p:blipFill rotWithShape="1">
+          <a:blip r:embed="rId3">
+            <a:extLst>
+              <a:ext uri="{837473B0-CC2E-450A-ABE3-18F120FF3D39}">
+                <a1611:picAttrSrcUrl xmlns:a1611="http://schemas.microsoft.com/office/drawing/2016/11/main" r:id="rId4"/>
+              </a:ext>
+            </a:extLst>
+          </a:blip>
+          <a:srcRect t="15333" r="1" b="28403"/>
+          <a:stretch/>
+        </p:blipFill>
+        <p:spPr>
+          <a:xfrm>
+            <a:off x="-1" y="10"/>
+            <a:ext cx="12188652" cy="6857990"/>
+          </a:xfrm>
+          <a:prstGeom prst="rect">
+            <a:avLst/>
+          </a:prstGeom>
+        </p:spPr>
+      </p:pic>
+      <p:sp>
+        <p:nvSpPr>
+          <p:cNvPr id="13" name="Rectangle 9">
+            <a:extLst>
+              <a:ext uri="{FF2B5EF4-FFF2-40B4-BE49-F238E27FC236}">
+                <a16:creationId xmlns:a16="http://schemas.microsoft.com/office/drawing/2014/main" id="{2078F889-8780-48D5-8B9E-DF8B13063783}"/>
+              </a:ext>
+              <a:ext uri="{C183D7F6-B498-43B3-948B-1728B52AA6E4}">
+                <adec:decorative xmlns:adec="http://schemas.microsoft.com/office/drawing/2017/decorative" val="1"/>
+              </a:ext>
+            </a:extLst>
+          </p:cNvPr>
+          <p:cNvSpPr>
+            <a:spLocks noGrp="1" noRot="1" noChangeAspect="1" noMove="1" noResize="1" noEditPoints="1" noAdjustHandles="1" noChangeArrowheads="1" noChangeShapeType="1" noTextEdit="1"/>
+          </p:cNvSpPr>
+          <p:nvPr>
+            <p:extLst>
+              <p:ext uri="{386F3935-93C4-4BCD-93E2-E3B085C9AB24}">
+                <p16:designElem xmlns:p16="http://schemas.microsoft.com/office/powerpoint/2015/main" val="1"/>
+              </p:ext>
+            </p:extLst>
+          </p:nvPr>
+        </p:nvSpPr>
+        <p:spPr bwMode="ltGray">
+          <a:xfrm>
+            <a:off x="-258" y="0"/>
+            <a:ext cx="12192000" cy="6858000"/>
+          </a:xfrm>
+          <a:prstGeom prst="rect">
+            <a:avLst/>
+          </a:prstGeom>
+          <a:gradFill flip="none" rotWithShape="1">
+            <a:gsLst>
+              <a:gs pos="20000">
+                <a:schemeClr val="tx2">
+                  <a:alpha val="70000"/>
+                </a:schemeClr>
+              </a:gs>
+              <a:gs pos="100000">
+                <a:schemeClr val="tx2"/>
+              </a:gs>
+            </a:gsLst>
+            <a:path path="circle">
+              <a:fillToRect l="50000" t="50000" r="50000" b="50000"/>
+            </a:path>
+            <a:tileRect/>
+          </a:gradFill>
+          <a:ln>
+            <a:noFill/>
+          </a:ln>
+        </p:spPr>
+        <p:style>
+          <a:lnRef idx="2">
+            <a:schemeClr val="accent1">
+              <a:shade val="50000"/>
+            </a:schemeClr>
+          </a:lnRef>
+          <a:fillRef idx="1">
+            <a:schemeClr val="accent1"/>
+          </a:fillRef>
+          <a:effectRef idx="0">
+            <a:schemeClr val="accent1"/>
+          </a:effectRef>
+          <a:fontRef idx="minor">
+            <a:schemeClr val="lt1"/>
+          </a:fontRef>
+        </p:style>
+        <p:txBody>
+          <a:bodyPr rtlCol="0" anchor="ctr"/>
+          <a:lstStyle/>
+          <a:p>
+            <a:pPr algn="ctr"/>
+            <a:endParaRPr lang="en-US"/>
+          </a:p>
+        </p:txBody>
+      </p:sp>
+      <p:sp>
+        <p:nvSpPr>
+          <p:cNvPr id="2" name="Titel 1">
+            <a:extLst>
+              <a:ext uri="{FF2B5EF4-FFF2-40B4-BE49-F238E27FC236}">
                 <a16:creationId xmlns:a16="http://schemas.microsoft.com/office/drawing/2014/main" id="{9721E3E0-D5B1-4CBE-A47F-C2543AD077A6}"/>
               </a:ext>
             </a:extLst>
@@ -3909,14 +7240,83 @@
             <p:ph type="title"/>
           </p:nvPr>
         </p:nvSpPr>
-        <p:spPr/>
-        <p:txBody>
-          <a:bodyPr/>
+        <p:spPr>
+          <a:xfrm>
+            <a:off x="1371600" y="685800"/>
+            <a:ext cx="9601200" cy="1485900"/>
+          </a:xfrm>
+        </p:spPr>
+        <p:txBody>
+          <a:bodyPr>
+            <a:normAutofit/>
+          </a:bodyPr>
           <a:lstStyle/>
           <a:p>
-            <a:endParaRPr lang="de-AT" dirty="0"/>
-          </a:p>
-        </p:txBody>
+            <a:r>
+              <a:rPr lang="de-AT">
+                <a:solidFill>
+                  <a:schemeClr val="bg2"/>
+                </a:solidFill>
+              </a:rPr>
+              <a:t>Regelmäßiger Kaufvertrag</a:t>
+            </a:r>
+          </a:p>
+        </p:txBody>
+      </p:sp>
+      <p:sp>
+        <p:nvSpPr>
+          <p:cNvPr id="12" name="Rectangle 11">
+            <a:extLst>
+              <a:ext uri="{FF2B5EF4-FFF2-40B4-BE49-F238E27FC236}">
+                <a16:creationId xmlns:a16="http://schemas.microsoft.com/office/drawing/2014/main" id="{3A4CABA2-22A0-44B2-BD92-28FF73FCEA27}"/>
+              </a:ext>
+              <a:ext uri="{C183D7F6-B498-43B3-948B-1728B52AA6E4}">
+                <adec:decorative xmlns:adec="http://schemas.microsoft.com/office/drawing/2017/decorative" val="1"/>
+              </a:ext>
+            </a:extLst>
+          </p:cNvPr>
+          <p:cNvSpPr>
+            <a:spLocks noGrp="1" noRot="1" noChangeAspect="1" noMove="1" noResize="1" noEditPoints="1" noAdjustHandles="1" noChangeArrowheads="1" noChangeShapeType="1" noTextEdit="1"/>
+          </p:cNvSpPr>
+          <p:nvPr>
+            <p:extLst>
+              <p:ext uri="{386F3935-93C4-4BCD-93E2-E3B085C9AB24}">
+                <p16:designElem xmlns:p16="http://schemas.microsoft.com/office/powerpoint/2015/main" val="1"/>
+              </p:ext>
+            </p:extLst>
+          </p:nvPr>
+        </p:nvSpPr>
+        <p:spPr>
+          <a:xfrm>
+            <a:off x="478095" y="376"/>
+            <a:ext cx="228600" cy="6858000"/>
+          </a:xfrm>
+          <a:prstGeom prst="rect">
+            <a:avLst/>
+          </a:prstGeom>
+          <a:solidFill>
+            <a:schemeClr val="bg2"/>
+          </a:solidFill>
+          <a:ln>
+            <a:noFill/>
+          </a:ln>
+        </p:spPr>
+        <p:style>
+          <a:lnRef idx="2">
+            <a:schemeClr val="accent1">
+              <a:shade val="50000"/>
+            </a:schemeClr>
+          </a:lnRef>
+          <a:fillRef idx="1">
+            <a:schemeClr val="accent1"/>
+          </a:fillRef>
+          <a:effectRef idx="0">
+            <a:schemeClr val="accent1"/>
+          </a:effectRef>
+          <a:fontRef idx="minor">
+            <a:schemeClr val="lt1"/>
+          </a:fontRef>
+        </p:style>
       </p:sp>
       <p:sp>
         <p:nvSpPr>
@@ -3934,12 +7334,111 @@
             <p:ph idx="1"/>
           </p:nvPr>
         </p:nvSpPr>
-        <p:spPr/>
-        <p:txBody>
-          <a:bodyPr/>
+        <p:spPr>
+          <a:xfrm>
+            <a:off x="1371600" y="2286000"/>
+            <a:ext cx="9601200" cy="3581400"/>
+          </a:xfrm>
+        </p:spPr>
+        <p:txBody>
+          <a:bodyPr>
+            <a:normAutofit/>
+          </a:bodyPr>
           <a:lstStyle/>
           <a:p>
-            <a:endParaRPr lang="de-AT"/>
+            <a:r>
+              <a:rPr lang="de-AT" dirty="0">
+                <a:solidFill>
+                  <a:schemeClr val="bg2"/>
+                </a:solidFill>
+              </a:rPr>
+              <a:t>Was ist ein Kaufvertrag?</a:t>
+            </a:r>
+          </a:p>
+          <a:p>
+            <a:r>
+              <a:rPr lang="de-AT" dirty="0">
+                <a:solidFill>
+                  <a:schemeClr val="bg2"/>
+                </a:solidFill>
+              </a:rPr>
+              <a:t>Übereinstimmige Willenserklärung</a:t>
+            </a:r>
+          </a:p>
+          <a:p>
+            <a:r>
+              <a:rPr lang="de-AT" dirty="0">
+                <a:solidFill>
+                  <a:schemeClr val="bg2"/>
+                </a:solidFill>
+              </a:rPr>
+              <a:t>Phasen des Kaufvertrags:</a:t>
+            </a:r>
+          </a:p>
+          <a:p>
+            <a:pPr lvl="1"/>
+            <a:r>
+              <a:rPr lang="de-AT" dirty="0">
+                <a:solidFill>
+                  <a:schemeClr val="bg2"/>
+                </a:solidFill>
+              </a:rPr>
+              <a:t>Anbahnung</a:t>
+            </a:r>
+          </a:p>
+          <a:p>
+            <a:pPr lvl="1"/>
+            <a:r>
+              <a:rPr lang="de-AT" dirty="0">
+                <a:solidFill>
+                  <a:schemeClr val="bg2"/>
+                </a:solidFill>
+              </a:rPr>
+              <a:t>Abschluss</a:t>
+            </a:r>
+          </a:p>
+          <a:p>
+            <a:pPr lvl="1"/>
+            <a:r>
+              <a:rPr lang="de-AT" dirty="0">
+                <a:solidFill>
+                  <a:schemeClr val="bg2"/>
+                </a:solidFill>
+              </a:rPr>
+              <a:t>Erfüllung</a:t>
+            </a:r>
+          </a:p>
+          <a:p>
+            <a:r>
+              <a:rPr lang="de-AT" dirty="0">
+                <a:solidFill>
+                  <a:schemeClr val="bg2"/>
+                </a:solidFill>
+              </a:rPr>
+              <a:t>Abschluss bei:</a:t>
+            </a:r>
+          </a:p>
+          <a:p>
+            <a:pPr lvl="1"/>
+            <a:r>
+              <a:rPr lang="de-AT" dirty="0">
+                <a:solidFill>
+                  <a:schemeClr val="bg2"/>
+                </a:solidFill>
+              </a:rPr>
+              <a:t>Sachgüter</a:t>
+            </a:r>
+          </a:p>
+          <a:p>
+            <a:pPr lvl="1"/>
+            <a:r>
+              <a:rPr lang="de-AT" dirty="0">
+                <a:solidFill>
+                  <a:schemeClr val="bg2"/>
+                </a:solidFill>
+              </a:rPr>
+              <a:t>Digitale Produkte</a:t>
+            </a:r>
           </a:p>
         </p:txBody>
       </p:sp>
@@ -3947,6 +7446,1745 @@
     <p:extLst>
       <p:ext uri="{BB962C8B-B14F-4D97-AF65-F5344CB8AC3E}">
         <p14:creationId xmlns:p14="http://schemas.microsoft.com/office/powerpoint/2010/main" val="4065226459"/>
+      </p:ext>
+    </p:extLst>
+  </p:cSld>
+  <p:clrMapOvr>
+    <a:masterClrMapping/>
+  </p:clrMapOvr>
+</p:sld>
+</file>
+
+<file path=ppt/slides/slide20.xml><?xml version="1.0" encoding="utf-8"?>
+<p:sld xmlns:a="http://schemas.openxmlformats.org/drawingml/2006/main" xmlns:r="http://schemas.openxmlformats.org/officeDocument/2006/relationships" xmlns:p="http://schemas.openxmlformats.org/presentationml/2006/main">
+  <p:cSld>
+    <p:bg>
+      <p:bgPr>
+        <a:solidFill>
+          <a:schemeClr val="bg2"/>
+        </a:solidFill>
+        <a:effectLst/>
+      </p:bgPr>
+    </p:bg>
+    <p:spTree>
+      <p:nvGrpSpPr>
+        <p:cNvPr id="1" name=""/>
+        <p:cNvGrpSpPr/>
+        <p:nvPr/>
+      </p:nvGrpSpPr>
+      <p:grpSpPr>
+        <a:xfrm>
+          <a:off x="0" y="0"/>
+          <a:ext cx="0" cy="0"/>
+          <a:chOff x="0" y="0"/>
+          <a:chExt cx="0" cy="0"/>
+        </a:xfrm>
+      </p:grpSpPr>
+      <p:grpSp>
+        <p:nvGrpSpPr>
+          <p:cNvPr id="9" name="Group 8">
+            <a:extLst>
+              <a:ext uri="{FF2B5EF4-FFF2-40B4-BE49-F238E27FC236}">
+                <a16:creationId xmlns:a16="http://schemas.microsoft.com/office/drawing/2014/main" id="{449BC34D-9C23-4D6D-8213-1F471AF85B3F}"/>
+              </a:ext>
+              <a:ext uri="{C183D7F6-B498-43B3-948B-1728B52AA6E4}">
+                <adec:decorative xmlns:adec="http://schemas.microsoft.com/office/drawing/2017/decorative" val="1"/>
+              </a:ext>
+            </a:extLst>
+          </p:cNvPr>
+          <p:cNvGrpSpPr>
+            <a:grpSpLocks noGrp="1" noUngrp="1" noRot="1" noChangeAspect="1" noMove="1" noResize="1"/>
+          </p:cNvGrpSpPr>
+          <p:nvPr>
+            <p:extLst>
+              <p:ext uri="{386F3935-93C4-4BCD-93E2-E3B085C9AB24}">
+                <p16:designElem xmlns:p16="http://schemas.microsoft.com/office/powerpoint/2015/main" val="1"/>
+              </p:ext>
+            </p:extLst>
+          </p:nvPr>
+        </p:nvGrpSpPr>
+        <p:grpSpPr>
+          <a:xfrm>
+            <a:off x="752858" y="744469"/>
+            <a:ext cx="10674117" cy="5349671"/>
+            <a:chOff x="752858" y="744469"/>
+            <a:chExt cx="10674117" cy="5349671"/>
+          </a:xfrm>
+        </p:grpSpPr>
+        <p:sp>
+          <p:nvSpPr>
+            <p:cNvPr id="10" name="Freeform 6">
+              <a:extLst>
+                <a:ext uri="{FF2B5EF4-FFF2-40B4-BE49-F238E27FC236}">
+                  <a16:creationId xmlns:a16="http://schemas.microsoft.com/office/drawing/2014/main" id="{FA0F5D6C-5025-4D7E-82DD-C2C6FDA1E759}"/>
+                </a:ext>
+                <a:ext uri="{C183D7F6-B498-43B3-948B-1728B52AA6E4}">
+                  <adec:decorative xmlns:adec="http://schemas.microsoft.com/office/drawing/2017/decorative" val="1"/>
+                </a:ext>
+              </a:extLst>
+            </p:cNvPr>
+            <p:cNvSpPr/>
+            <p:nvPr>
+              <p:extLst>
+                <p:ext uri="{386F3935-93C4-4BCD-93E2-E3B085C9AB24}">
+                  <p16:designElem xmlns:p16="http://schemas.microsoft.com/office/powerpoint/2015/main" val="1"/>
+                </p:ext>
+              </p:extLst>
+            </p:nvPr>
+          </p:nvSpPr>
+          <p:spPr bwMode="auto">
+            <a:xfrm>
+              <a:off x="8151962" y="1685652"/>
+              <a:ext cx="3275013" cy="4408488"/>
+            </a:xfrm>
+            <a:custGeom>
+              <a:avLst/>
+              <a:gdLst/>
+              <a:ahLst/>
+              <a:cxnLst/>
+              <a:rect l="l" t="t" r="r" b="b"/>
+              <a:pathLst>
+                <a:path w="10000" h="10000">
+                  <a:moveTo>
+                    <a:pt x="8761" y="0"/>
+                  </a:moveTo>
+                  <a:lnTo>
+                    <a:pt x="10000" y="0"/>
+                  </a:lnTo>
+                  <a:lnTo>
+                    <a:pt x="10000" y="10000"/>
+                  </a:lnTo>
+                  <a:lnTo>
+                    <a:pt x="0" y="10000"/>
+                  </a:lnTo>
+                  <a:lnTo>
+                    <a:pt x="0" y="9126"/>
+                  </a:lnTo>
+                  <a:lnTo>
+                    <a:pt x="8761" y="9127"/>
+                  </a:lnTo>
+                  <a:lnTo>
+                    <a:pt x="8761" y="0"/>
+                  </a:lnTo>
+                  <a:close/>
+                </a:path>
+              </a:pathLst>
+            </a:custGeom>
+            <a:solidFill>
+              <a:schemeClr val="tx2"/>
+            </a:solidFill>
+            <a:ln w="0">
+              <a:noFill/>
+              <a:prstDash val="solid"/>
+              <a:round/>
+              <a:headEnd/>
+              <a:tailEnd/>
+            </a:ln>
+          </p:spPr>
+        </p:sp>
+        <p:sp>
+          <p:nvSpPr>
+            <p:cNvPr id="11" name="Freeform 6">
+              <a:extLst>
+                <a:ext uri="{FF2B5EF4-FFF2-40B4-BE49-F238E27FC236}">
+                  <a16:creationId xmlns:a16="http://schemas.microsoft.com/office/drawing/2014/main" id="{E2AF2C17-4AB4-4402-B84B-129EF95D161C}"/>
+                </a:ext>
+                <a:ext uri="{C183D7F6-B498-43B3-948B-1728B52AA6E4}">
+                  <adec:decorative xmlns:adec="http://schemas.microsoft.com/office/drawing/2017/decorative" val="1"/>
+                </a:ext>
+              </a:extLst>
+            </p:cNvPr>
+            <p:cNvSpPr/>
+            <p:nvPr>
+              <p:extLst>
+                <p:ext uri="{386F3935-93C4-4BCD-93E2-E3B085C9AB24}">
+                  <p16:designElem xmlns:p16="http://schemas.microsoft.com/office/powerpoint/2015/main" val="1"/>
+                </p:ext>
+              </p:extLst>
+            </p:nvPr>
+          </p:nvSpPr>
+          <p:spPr bwMode="auto">
+            <a:xfrm flipH="1" flipV="1">
+              <a:off x="752858" y="744469"/>
+              <a:ext cx="3275668" cy="4408488"/>
+            </a:xfrm>
+            <a:custGeom>
+              <a:avLst/>
+              <a:gdLst/>
+              <a:ahLst/>
+              <a:cxnLst/>
+              <a:rect l="l" t="t" r="r" b="b"/>
+              <a:pathLst>
+                <a:path w="10002" h="10000">
+                  <a:moveTo>
+                    <a:pt x="8763" y="0"/>
+                  </a:moveTo>
+                  <a:lnTo>
+                    <a:pt x="10002" y="0"/>
+                  </a:lnTo>
+                  <a:lnTo>
+                    <a:pt x="10002" y="10000"/>
+                  </a:lnTo>
+                  <a:lnTo>
+                    <a:pt x="2" y="10000"/>
+                  </a:lnTo>
+                  <a:cubicBezTo>
+                    <a:pt x="-2" y="9698"/>
+                    <a:pt x="4" y="9427"/>
+                    <a:pt x="0" y="9125"/>
+                  </a:cubicBezTo>
+                  <a:lnTo>
+                    <a:pt x="8763" y="9128"/>
+                  </a:lnTo>
+                  <a:lnTo>
+                    <a:pt x="8763" y="0"/>
+                  </a:lnTo>
+                  <a:close/>
+                </a:path>
+              </a:pathLst>
+            </a:custGeom>
+            <a:solidFill>
+              <a:schemeClr val="tx2"/>
+            </a:solidFill>
+            <a:ln w="0">
+              <a:noFill/>
+              <a:prstDash val="solid"/>
+              <a:round/>
+              <a:headEnd/>
+              <a:tailEnd/>
+            </a:ln>
+          </p:spPr>
+        </p:sp>
+      </p:grpSp>
+      <p:sp useBgFill="1">
+        <p:nvSpPr>
+          <p:cNvPr id="13" name="Rectangle 12">
+            <a:extLst>
+              <a:ext uri="{FF2B5EF4-FFF2-40B4-BE49-F238E27FC236}">
+                <a16:creationId xmlns:a16="http://schemas.microsoft.com/office/drawing/2014/main" id="{CB73C468-D875-4A8E-A540-E43BF8232DD4}"/>
+              </a:ext>
+              <a:ext uri="{C183D7F6-B498-43B3-948B-1728B52AA6E4}">
+                <adec:decorative xmlns:adec="http://schemas.microsoft.com/office/drawing/2017/decorative" val="1"/>
+              </a:ext>
+            </a:extLst>
+          </p:cNvPr>
+          <p:cNvSpPr>
+            <a:spLocks noGrp="1" noRot="1" noChangeAspect="1" noMove="1" noResize="1" noEditPoints="1" noAdjustHandles="1" noChangeArrowheads="1" noChangeShapeType="1" noTextEdit="1"/>
+          </p:cNvSpPr>
+          <p:nvPr>
+            <p:extLst>
+              <p:ext uri="{386F3935-93C4-4BCD-93E2-E3B085C9AB24}">
+                <p16:designElem xmlns:p16="http://schemas.microsoft.com/office/powerpoint/2015/main" val="1"/>
+              </p:ext>
+            </p:extLst>
+          </p:nvPr>
+        </p:nvSpPr>
+        <p:spPr>
+          <a:xfrm>
+            <a:off x="0" y="0"/>
+            <a:ext cx="12192000" cy="6858000"/>
+          </a:xfrm>
+          <a:prstGeom prst="rect">
+            <a:avLst/>
+          </a:prstGeom>
+          <a:ln>
+            <a:noFill/>
+          </a:ln>
+        </p:spPr>
+        <p:style>
+          <a:lnRef idx="2">
+            <a:schemeClr val="accent1">
+              <a:shade val="50000"/>
+            </a:schemeClr>
+          </a:lnRef>
+          <a:fillRef idx="1001">
+            <a:schemeClr val="lt2"/>
+          </a:fillRef>
+          <a:effectRef idx="0">
+            <a:schemeClr val="accent1"/>
+          </a:effectRef>
+          <a:fontRef idx="minor">
+            <a:schemeClr val="lt1"/>
+          </a:fontRef>
+        </p:style>
+        <p:txBody>
+          <a:bodyPr rtlCol="0" anchor="ctr"/>
+          <a:lstStyle/>
+          <a:p>
+            <a:pPr algn="ctr"/>
+            <a:endParaRPr lang="en-US"/>
+          </a:p>
+        </p:txBody>
+      </p:sp>
+      <p:sp>
+        <p:nvSpPr>
+          <p:cNvPr id="2" name="Titel 1">
+            <a:extLst>
+              <a:ext uri="{FF2B5EF4-FFF2-40B4-BE49-F238E27FC236}">
+                <a16:creationId xmlns:a16="http://schemas.microsoft.com/office/drawing/2014/main" id="{34F26EBA-E818-490B-91DA-EE514F5650F8}"/>
+              </a:ext>
+            </a:extLst>
+          </p:cNvPr>
+          <p:cNvSpPr>
+            <a:spLocks noGrp="1"/>
+          </p:cNvSpPr>
+          <p:nvPr>
+            <p:ph type="title"/>
+          </p:nvPr>
+        </p:nvSpPr>
+        <p:spPr>
+          <a:xfrm>
+            <a:off x="6711885" y="634028"/>
+            <a:ext cx="4798243" cy="3732835"/>
+          </a:xfrm>
+        </p:spPr>
+        <p:txBody>
+          <a:bodyPr vert="horz" lIns="91440" tIns="45720" rIns="91440" bIns="45720" rtlCol="0" anchor="b">
+            <a:normAutofit/>
+          </a:bodyPr>
+          <a:lstStyle/>
+          <a:p>
+            <a:pPr algn="ctr"/>
+            <a:r>
+              <a:rPr lang="en-US" sz="7200" cap="all"/>
+              <a:t>Rechnung erstellen</a:t>
+            </a:r>
+          </a:p>
+        </p:txBody>
+      </p:sp>
+      <p:sp>
+        <p:nvSpPr>
+          <p:cNvPr id="15" name="Freeform 6">
+            <a:extLst>
+              <a:ext uri="{FF2B5EF4-FFF2-40B4-BE49-F238E27FC236}">
+                <a16:creationId xmlns:a16="http://schemas.microsoft.com/office/drawing/2014/main" id="{B4734F2F-19FC-4D35-9BDE-5CEAD57D9B55}"/>
+              </a:ext>
+              <a:ext uri="{C183D7F6-B498-43B3-948B-1728B52AA6E4}">
+                <adec:decorative xmlns:adec="http://schemas.microsoft.com/office/drawing/2017/decorative" val="1"/>
+              </a:ext>
+            </a:extLst>
+          </p:cNvPr>
+          <p:cNvSpPr>
+            <a:spLocks noGrp="1" noRot="1" noChangeAspect="1" noMove="1" noResize="1" noEditPoints="1" noAdjustHandles="1" noChangeArrowheads="1" noChangeShapeType="1" noTextEdit="1"/>
+          </p:cNvSpPr>
+          <p:nvPr>
+            <p:extLst>
+              <p:ext uri="{386F3935-93C4-4BCD-93E2-E3B085C9AB24}">
+                <p16:designElem xmlns:p16="http://schemas.microsoft.com/office/powerpoint/2015/main" val="1"/>
+              </p:ext>
+            </p:extLst>
+          </p:nvPr>
+        </p:nvSpPr>
+        <p:spPr bwMode="auto">
+          <a:xfrm>
+            <a:off x="3027878" y="2016617"/>
+            <a:ext cx="3275013" cy="4408488"/>
+          </a:xfrm>
+          <a:custGeom>
+            <a:avLst/>
+            <a:gdLst/>
+            <a:ahLst/>
+            <a:cxnLst/>
+            <a:rect l="l" t="t" r="r" b="b"/>
+            <a:pathLst>
+              <a:path w="10000" h="10000">
+                <a:moveTo>
+                  <a:pt x="8761" y="0"/>
+                </a:moveTo>
+                <a:lnTo>
+                  <a:pt x="10000" y="0"/>
+                </a:lnTo>
+                <a:lnTo>
+                  <a:pt x="10000" y="10000"/>
+                </a:lnTo>
+                <a:lnTo>
+                  <a:pt x="0" y="10000"/>
+                </a:lnTo>
+                <a:lnTo>
+                  <a:pt x="0" y="9126"/>
+                </a:lnTo>
+                <a:lnTo>
+                  <a:pt x="8761" y="9127"/>
+                </a:lnTo>
+                <a:lnTo>
+                  <a:pt x="8761" y="0"/>
+                </a:lnTo>
+                <a:close/>
+              </a:path>
+            </a:pathLst>
+          </a:custGeom>
+          <a:solidFill>
+            <a:schemeClr val="tx2"/>
+          </a:solidFill>
+          <a:ln w="0">
+            <a:noFill/>
+            <a:prstDash val="solid"/>
+            <a:round/>
+            <a:headEnd/>
+            <a:tailEnd/>
+          </a:ln>
+        </p:spPr>
+      </p:sp>
+      <p:sp>
+        <p:nvSpPr>
+          <p:cNvPr id="17" name="Freeform 6">
+            <a:extLst>
+              <a:ext uri="{FF2B5EF4-FFF2-40B4-BE49-F238E27FC236}">
+                <a16:creationId xmlns:a16="http://schemas.microsoft.com/office/drawing/2014/main" id="{D97A8A26-FD96-4968-A34A-727382AC7E46}"/>
+              </a:ext>
+              <a:ext uri="{C183D7F6-B498-43B3-948B-1728B52AA6E4}">
+                <adec:decorative xmlns:adec="http://schemas.microsoft.com/office/drawing/2017/decorative" val="1"/>
+              </a:ext>
+            </a:extLst>
+          </p:cNvPr>
+          <p:cNvSpPr>
+            <a:spLocks noGrp="1" noRot="1" noChangeAspect="1" noMove="1" noResize="1" noEditPoints="1" noAdjustHandles="1" noChangeArrowheads="1" noChangeShapeType="1" noTextEdit="1"/>
+          </p:cNvSpPr>
+          <p:nvPr>
+            <p:extLst>
+              <p:ext uri="{386F3935-93C4-4BCD-93E2-E3B085C9AB24}">
+                <p16:designElem xmlns:p16="http://schemas.microsoft.com/office/powerpoint/2015/main" val="1"/>
+              </p:ext>
+            </p:extLst>
+          </p:nvPr>
+        </p:nvSpPr>
+        <p:spPr bwMode="auto">
+          <a:xfrm flipH="1" flipV="1">
+            <a:off x="649163" y="634028"/>
+            <a:ext cx="3275668" cy="4408488"/>
+          </a:xfrm>
+          <a:custGeom>
+            <a:avLst/>
+            <a:gdLst/>
+            <a:ahLst/>
+            <a:cxnLst/>
+            <a:rect l="l" t="t" r="r" b="b"/>
+            <a:pathLst>
+              <a:path w="10002" h="10000">
+                <a:moveTo>
+                  <a:pt x="8763" y="0"/>
+                </a:moveTo>
+                <a:lnTo>
+                  <a:pt x="10002" y="0"/>
+                </a:lnTo>
+                <a:lnTo>
+                  <a:pt x="10002" y="10000"/>
+                </a:lnTo>
+                <a:lnTo>
+                  <a:pt x="2" y="10000"/>
+                </a:lnTo>
+                <a:cubicBezTo>
+                  <a:pt x="-2" y="9698"/>
+                  <a:pt x="4" y="9427"/>
+                  <a:pt x="0" y="9125"/>
+                </a:cubicBezTo>
+                <a:lnTo>
+                  <a:pt x="8763" y="9128"/>
+                </a:lnTo>
+                <a:lnTo>
+                  <a:pt x="8763" y="0"/>
+                </a:lnTo>
+                <a:close/>
+              </a:path>
+            </a:pathLst>
+          </a:custGeom>
+          <a:solidFill>
+            <a:schemeClr val="tx2"/>
+          </a:solidFill>
+          <a:ln w="0">
+            <a:noFill/>
+            <a:prstDash val="solid"/>
+            <a:round/>
+            <a:headEnd/>
+            <a:tailEnd/>
+          </a:ln>
+        </p:spPr>
+      </p:sp>
+      <p:graphicFrame>
+        <p:nvGraphicFramePr>
+          <p:cNvPr id="4" name="Inhaltsplatzhalter 3">
+            <a:extLst>
+              <a:ext uri="{FF2B5EF4-FFF2-40B4-BE49-F238E27FC236}">
+                <a16:creationId xmlns:a16="http://schemas.microsoft.com/office/drawing/2014/main" id="{B8D842F4-C07A-43F7-9BD5-5480C4E083F6}"/>
+              </a:ext>
+            </a:extLst>
+          </p:cNvPr>
+          <p:cNvGraphicFramePr>
+            <a:graphicFrameLocks noGrp="1"/>
+          </p:cNvGraphicFramePr>
+          <p:nvPr>
+            <p:ph idx="1"/>
+            <p:extLst>
+              <p:ext uri="{D42A27DB-BD31-4B8C-83A1-F6EECF244321}">
+                <p14:modId xmlns:p14="http://schemas.microsoft.com/office/powerpoint/2010/main" val="177389088"/>
+              </p:ext>
+            </p:extLst>
+          </p:nvPr>
+        </p:nvGraphicFramePr>
+        <p:xfrm>
+          <a:off x="1423097" y="1333221"/>
+          <a:ext cx="4104283" cy="4391577"/>
+        </p:xfrm>
+        <a:graphic>
+          <a:graphicData uri="http://schemas.openxmlformats.org/drawingml/2006/table">
+            <a:tbl>
+              <a:tblPr firstRow="1" firstCol="1" bandRow="1">
+                <a:tableStyleId>{5C22544A-7EE6-4342-B048-85BDC9FD1C3A}</a:tableStyleId>
+              </a:tblPr>
+              <a:tblGrid>
+                <a:gridCol w="1858135">
+                  <a:extLst>
+                    <a:ext uri="{9D8B030D-6E8A-4147-A177-3AD203B41FA5}">
+                      <a16:colId xmlns:a16="http://schemas.microsoft.com/office/drawing/2014/main" val="2017800387"/>
+                    </a:ext>
+                  </a:extLst>
+                </a:gridCol>
+                <a:gridCol w="1157384">
+                  <a:extLst>
+                    <a:ext uri="{9D8B030D-6E8A-4147-A177-3AD203B41FA5}">
+                      <a16:colId xmlns:a16="http://schemas.microsoft.com/office/drawing/2014/main" val="454051985"/>
+                    </a:ext>
+                  </a:extLst>
+                </a:gridCol>
+                <a:gridCol w="1088764">
+                  <a:extLst>
+                    <a:ext uri="{9D8B030D-6E8A-4147-A177-3AD203B41FA5}">
+                      <a16:colId xmlns:a16="http://schemas.microsoft.com/office/drawing/2014/main" val="148453860"/>
+                    </a:ext>
+                  </a:extLst>
+                </a:gridCol>
+              </a:tblGrid>
+              <a:tr h="506038">
+                <a:tc>
+                  <a:txBody>
+                    <a:bodyPr/>
+                    <a:lstStyle/>
+                    <a:p>
+                      <a:pPr>
+                        <a:lnSpc>
+                          <a:spcPct val="107000"/>
+                        </a:lnSpc>
+                        <a:spcAft>
+                          <a:spcPts val="0"/>
+                        </a:spcAft>
+                      </a:pPr>
+                      <a:r>
+                        <a:rPr lang="de-AT" sz="1400">
+                          <a:effectLst/>
+                        </a:rPr>
+                        <a:t>Bestandteile</a:t>
+                      </a:r>
+                      <a:endParaRPr lang="de-AT" sz="1400">
+                        <a:effectLst/>
+                        <a:latin typeface="Calibri" panose="020F0502020204030204" pitchFamily="34" charset="0"/>
+                        <a:ea typeface="Calibri" panose="020F0502020204030204" pitchFamily="34" charset="0"/>
+                        <a:cs typeface="Times New Roman" panose="02020603050405020304" pitchFamily="18" charset="0"/>
+                      </a:endParaRPr>
+                    </a:p>
+                  </a:txBody>
+                  <a:tcPr marL="89829" marR="89829" marT="0" marB="0"/>
+                </a:tc>
+                <a:tc>
+                  <a:txBody>
+                    <a:bodyPr/>
+                    <a:lstStyle/>
+                    <a:p>
+                      <a:pPr>
+                        <a:lnSpc>
+                          <a:spcPct val="107000"/>
+                        </a:lnSpc>
+                        <a:spcAft>
+                          <a:spcPts val="0"/>
+                        </a:spcAft>
+                      </a:pPr>
+                      <a:r>
+                        <a:rPr lang="de-AT" sz="1400">
+                          <a:effectLst/>
+                        </a:rPr>
+                        <a:t>Über 400€ (inkl. UST)</a:t>
+                      </a:r>
+                      <a:endParaRPr lang="de-AT" sz="1400">
+                        <a:effectLst/>
+                        <a:latin typeface="Calibri" panose="020F0502020204030204" pitchFamily="34" charset="0"/>
+                        <a:ea typeface="Calibri" panose="020F0502020204030204" pitchFamily="34" charset="0"/>
+                        <a:cs typeface="Times New Roman" panose="02020603050405020304" pitchFamily="18" charset="0"/>
+                      </a:endParaRPr>
+                    </a:p>
+                  </a:txBody>
+                  <a:tcPr marL="89829" marR="89829" marT="0" marB="0"/>
+                </a:tc>
+                <a:tc>
+                  <a:txBody>
+                    <a:bodyPr/>
+                    <a:lstStyle/>
+                    <a:p>
+                      <a:pPr>
+                        <a:lnSpc>
+                          <a:spcPct val="107000"/>
+                        </a:lnSpc>
+                        <a:spcAft>
+                          <a:spcPts val="0"/>
+                        </a:spcAft>
+                      </a:pPr>
+                      <a:r>
+                        <a:rPr lang="de-AT" sz="1400">
+                          <a:effectLst/>
+                        </a:rPr>
+                        <a:t>Bis 400€ (inkl. UST)</a:t>
+                      </a:r>
+                      <a:endParaRPr lang="de-AT" sz="1400">
+                        <a:effectLst/>
+                        <a:latin typeface="Calibri" panose="020F0502020204030204" pitchFamily="34" charset="0"/>
+                        <a:ea typeface="Calibri" panose="020F0502020204030204" pitchFamily="34" charset="0"/>
+                        <a:cs typeface="Times New Roman" panose="02020603050405020304" pitchFamily="18" charset="0"/>
+                      </a:endParaRPr>
+                    </a:p>
+                  </a:txBody>
+                  <a:tcPr marL="89829" marR="89829" marT="0" marB="0"/>
+                </a:tc>
+                <a:extLst>
+                  <a:ext uri="{0D108BD9-81ED-4DB2-BD59-A6C34878D82A}">
+                    <a16:rowId xmlns:a16="http://schemas.microsoft.com/office/drawing/2014/main" val="1201831877"/>
+                  </a:ext>
+                </a:extLst>
+              </a:tr>
+              <a:tr h="271069">
+                <a:tc>
+                  <a:txBody>
+                    <a:bodyPr/>
+                    <a:lstStyle/>
+                    <a:p>
+                      <a:pPr>
+                        <a:lnSpc>
+                          <a:spcPct val="107000"/>
+                        </a:lnSpc>
+                        <a:spcAft>
+                          <a:spcPts val="0"/>
+                        </a:spcAft>
+                      </a:pPr>
+                      <a:r>
+                        <a:rPr lang="de-AT" sz="1400">
+                          <a:effectLst/>
+                        </a:rPr>
+                        <a:t>Verkäufer</a:t>
+                      </a:r>
+                      <a:endParaRPr lang="de-AT" sz="1400">
+                        <a:effectLst/>
+                        <a:latin typeface="Calibri" panose="020F0502020204030204" pitchFamily="34" charset="0"/>
+                        <a:ea typeface="Calibri" panose="020F0502020204030204" pitchFamily="34" charset="0"/>
+                        <a:cs typeface="Times New Roman" panose="02020603050405020304" pitchFamily="18" charset="0"/>
+                      </a:endParaRPr>
+                    </a:p>
+                  </a:txBody>
+                  <a:tcPr marL="89829" marR="89829" marT="0" marB="0"/>
+                </a:tc>
+                <a:tc>
+                  <a:txBody>
+                    <a:bodyPr/>
+                    <a:lstStyle/>
+                    <a:p>
+                      <a:pPr>
+                        <a:lnSpc>
+                          <a:spcPct val="107000"/>
+                        </a:lnSpc>
+                        <a:spcAft>
+                          <a:spcPts val="0"/>
+                        </a:spcAft>
+                      </a:pPr>
+                      <a:r>
+                        <a:rPr lang="de-AT" sz="1400">
+                          <a:effectLst/>
+                        </a:rPr>
+                        <a:t>Ja</a:t>
+                      </a:r>
+                      <a:endParaRPr lang="de-AT" sz="1400">
+                        <a:effectLst/>
+                        <a:latin typeface="Calibri" panose="020F0502020204030204" pitchFamily="34" charset="0"/>
+                        <a:ea typeface="Calibri" panose="020F0502020204030204" pitchFamily="34" charset="0"/>
+                        <a:cs typeface="Times New Roman" panose="02020603050405020304" pitchFamily="18" charset="0"/>
+                      </a:endParaRPr>
+                    </a:p>
+                  </a:txBody>
+                  <a:tcPr marL="89829" marR="89829" marT="0" marB="0"/>
+                </a:tc>
+                <a:tc>
+                  <a:txBody>
+                    <a:bodyPr/>
+                    <a:lstStyle/>
+                    <a:p>
+                      <a:pPr>
+                        <a:lnSpc>
+                          <a:spcPct val="107000"/>
+                        </a:lnSpc>
+                        <a:spcAft>
+                          <a:spcPts val="0"/>
+                        </a:spcAft>
+                      </a:pPr>
+                      <a:r>
+                        <a:rPr lang="de-AT" sz="1400">
+                          <a:effectLst/>
+                        </a:rPr>
+                        <a:t>Ja</a:t>
+                      </a:r>
+                      <a:endParaRPr lang="de-AT" sz="1400">
+                        <a:effectLst/>
+                        <a:latin typeface="Calibri" panose="020F0502020204030204" pitchFamily="34" charset="0"/>
+                        <a:ea typeface="Calibri" panose="020F0502020204030204" pitchFamily="34" charset="0"/>
+                        <a:cs typeface="Times New Roman" panose="02020603050405020304" pitchFamily="18" charset="0"/>
+                      </a:endParaRPr>
+                    </a:p>
+                  </a:txBody>
+                  <a:tcPr marL="89829" marR="89829" marT="0" marB="0"/>
+                </a:tc>
+                <a:extLst>
+                  <a:ext uri="{0D108BD9-81ED-4DB2-BD59-A6C34878D82A}">
+                    <a16:rowId xmlns:a16="http://schemas.microsoft.com/office/drawing/2014/main" val="4203933799"/>
+                  </a:ext>
+                </a:extLst>
+              </a:tr>
+              <a:tr h="271069">
+                <a:tc>
+                  <a:txBody>
+                    <a:bodyPr/>
+                    <a:lstStyle/>
+                    <a:p>
+                      <a:pPr>
+                        <a:lnSpc>
+                          <a:spcPct val="107000"/>
+                        </a:lnSpc>
+                        <a:spcAft>
+                          <a:spcPts val="0"/>
+                        </a:spcAft>
+                      </a:pPr>
+                      <a:r>
+                        <a:rPr lang="de-AT" sz="1400">
+                          <a:effectLst/>
+                        </a:rPr>
+                        <a:t>UID des Verkäufers</a:t>
+                      </a:r>
+                      <a:endParaRPr lang="de-AT" sz="1400">
+                        <a:effectLst/>
+                        <a:latin typeface="Calibri" panose="020F0502020204030204" pitchFamily="34" charset="0"/>
+                        <a:ea typeface="Calibri" panose="020F0502020204030204" pitchFamily="34" charset="0"/>
+                        <a:cs typeface="Times New Roman" panose="02020603050405020304" pitchFamily="18" charset="0"/>
+                      </a:endParaRPr>
+                    </a:p>
+                  </a:txBody>
+                  <a:tcPr marL="89829" marR="89829" marT="0" marB="0"/>
+                </a:tc>
+                <a:tc>
+                  <a:txBody>
+                    <a:bodyPr/>
+                    <a:lstStyle/>
+                    <a:p>
+                      <a:pPr>
+                        <a:lnSpc>
+                          <a:spcPct val="107000"/>
+                        </a:lnSpc>
+                        <a:spcAft>
+                          <a:spcPts val="0"/>
+                        </a:spcAft>
+                      </a:pPr>
+                      <a:r>
+                        <a:rPr lang="de-AT" sz="1400">
+                          <a:effectLst/>
+                        </a:rPr>
+                        <a:t>Ja</a:t>
+                      </a:r>
+                      <a:endParaRPr lang="de-AT" sz="1400">
+                        <a:effectLst/>
+                        <a:latin typeface="Calibri" panose="020F0502020204030204" pitchFamily="34" charset="0"/>
+                        <a:ea typeface="Calibri" panose="020F0502020204030204" pitchFamily="34" charset="0"/>
+                        <a:cs typeface="Times New Roman" panose="02020603050405020304" pitchFamily="18" charset="0"/>
+                      </a:endParaRPr>
+                    </a:p>
+                  </a:txBody>
+                  <a:tcPr marL="89829" marR="89829" marT="0" marB="0"/>
+                </a:tc>
+                <a:tc>
+                  <a:txBody>
+                    <a:bodyPr/>
+                    <a:lstStyle/>
+                    <a:p>
+                      <a:pPr>
+                        <a:lnSpc>
+                          <a:spcPct val="107000"/>
+                        </a:lnSpc>
+                        <a:spcAft>
+                          <a:spcPts val="0"/>
+                        </a:spcAft>
+                      </a:pPr>
+                      <a:r>
+                        <a:rPr lang="de-AT" sz="1400">
+                          <a:effectLst/>
+                        </a:rPr>
+                        <a:t>Nein </a:t>
+                      </a:r>
+                      <a:endParaRPr lang="de-AT" sz="1400">
+                        <a:effectLst/>
+                        <a:latin typeface="Calibri" panose="020F0502020204030204" pitchFamily="34" charset="0"/>
+                        <a:ea typeface="Calibri" panose="020F0502020204030204" pitchFamily="34" charset="0"/>
+                        <a:cs typeface="Times New Roman" panose="02020603050405020304" pitchFamily="18" charset="0"/>
+                      </a:endParaRPr>
+                    </a:p>
+                  </a:txBody>
+                  <a:tcPr marL="89829" marR="89829" marT="0" marB="0"/>
+                </a:tc>
+                <a:extLst>
+                  <a:ext uri="{0D108BD9-81ED-4DB2-BD59-A6C34878D82A}">
+                    <a16:rowId xmlns:a16="http://schemas.microsoft.com/office/drawing/2014/main" val="771037696"/>
+                  </a:ext>
+                </a:extLst>
+              </a:tr>
+              <a:tr h="271069">
+                <a:tc>
+                  <a:txBody>
+                    <a:bodyPr/>
+                    <a:lstStyle/>
+                    <a:p>
+                      <a:pPr>
+                        <a:lnSpc>
+                          <a:spcPct val="107000"/>
+                        </a:lnSpc>
+                        <a:spcAft>
+                          <a:spcPts val="0"/>
+                        </a:spcAft>
+                      </a:pPr>
+                      <a:r>
+                        <a:rPr lang="de-AT" sz="1400">
+                          <a:effectLst/>
+                        </a:rPr>
+                        <a:t>Käufer</a:t>
+                      </a:r>
+                      <a:endParaRPr lang="de-AT" sz="1400">
+                        <a:effectLst/>
+                        <a:latin typeface="Calibri" panose="020F0502020204030204" pitchFamily="34" charset="0"/>
+                        <a:ea typeface="Calibri" panose="020F0502020204030204" pitchFamily="34" charset="0"/>
+                        <a:cs typeface="Times New Roman" panose="02020603050405020304" pitchFamily="18" charset="0"/>
+                      </a:endParaRPr>
+                    </a:p>
+                  </a:txBody>
+                  <a:tcPr marL="89829" marR="89829" marT="0" marB="0"/>
+                </a:tc>
+                <a:tc>
+                  <a:txBody>
+                    <a:bodyPr/>
+                    <a:lstStyle/>
+                    <a:p>
+                      <a:pPr>
+                        <a:lnSpc>
+                          <a:spcPct val="107000"/>
+                        </a:lnSpc>
+                        <a:spcAft>
+                          <a:spcPts val="0"/>
+                        </a:spcAft>
+                      </a:pPr>
+                      <a:r>
+                        <a:rPr lang="de-AT" sz="1400">
+                          <a:effectLst/>
+                        </a:rPr>
+                        <a:t>Ja</a:t>
+                      </a:r>
+                      <a:endParaRPr lang="de-AT" sz="1400">
+                        <a:effectLst/>
+                        <a:latin typeface="Calibri" panose="020F0502020204030204" pitchFamily="34" charset="0"/>
+                        <a:ea typeface="Calibri" panose="020F0502020204030204" pitchFamily="34" charset="0"/>
+                        <a:cs typeface="Times New Roman" panose="02020603050405020304" pitchFamily="18" charset="0"/>
+                      </a:endParaRPr>
+                    </a:p>
+                  </a:txBody>
+                  <a:tcPr marL="89829" marR="89829" marT="0" marB="0"/>
+                </a:tc>
+                <a:tc>
+                  <a:txBody>
+                    <a:bodyPr/>
+                    <a:lstStyle/>
+                    <a:p>
+                      <a:pPr>
+                        <a:lnSpc>
+                          <a:spcPct val="107000"/>
+                        </a:lnSpc>
+                        <a:spcAft>
+                          <a:spcPts val="0"/>
+                        </a:spcAft>
+                      </a:pPr>
+                      <a:r>
+                        <a:rPr lang="de-AT" sz="1400">
+                          <a:effectLst/>
+                        </a:rPr>
+                        <a:t>Nein</a:t>
+                      </a:r>
+                      <a:endParaRPr lang="de-AT" sz="1400">
+                        <a:effectLst/>
+                        <a:latin typeface="Calibri" panose="020F0502020204030204" pitchFamily="34" charset="0"/>
+                        <a:ea typeface="Calibri" panose="020F0502020204030204" pitchFamily="34" charset="0"/>
+                        <a:cs typeface="Times New Roman" panose="02020603050405020304" pitchFamily="18" charset="0"/>
+                      </a:endParaRPr>
+                    </a:p>
+                  </a:txBody>
+                  <a:tcPr marL="89829" marR="89829" marT="0" marB="0"/>
+                </a:tc>
+                <a:extLst>
+                  <a:ext uri="{0D108BD9-81ED-4DB2-BD59-A6C34878D82A}">
+                    <a16:rowId xmlns:a16="http://schemas.microsoft.com/office/drawing/2014/main" val="415621389"/>
+                  </a:ext>
+                </a:extLst>
+              </a:tr>
+              <a:tr h="506038">
+                <a:tc>
+                  <a:txBody>
+                    <a:bodyPr/>
+                    <a:lstStyle/>
+                    <a:p>
+                      <a:pPr>
+                        <a:lnSpc>
+                          <a:spcPct val="107000"/>
+                        </a:lnSpc>
+                        <a:spcAft>
+                          <a:spcPts val="0"/>
+                        </a:spcAft>
+                      </a:pPr>
+                      <a:r>
+                        <a:rPr lang="de-AT" sz="1400">
+                          <a:effectLst/>
+                        </a:rPr>
+                        <a:t>Fortlaufende Rechnungsnummer</a:t>
+                      </a:r>
+                      <a:endParaRPr lang="de-AT" sz="1400">
+                        <a:effectLst/>
+                        <a:latin typeface="Calibri" panose="020F0502020204030204" pitchFamily="34" charset="0"/>
+                        <a:ea typeface="Calibri" panose="020F0502020204030204" pitchFamily="34" charset="0"/>
+                        <a:cs typeface="Times New Roman" panose="02020603050405020304" pitchFamily="18" charset="0"/>
+                      </a:endParaRPr>
+                    </a:p>
+                  </a:txBody>
+                  <a:tcPr marL="89829" marR="89829" marT="0" marB="0"/>
+                </a:tc>
+                <a:tc>
+                  <a:txBody>
+                    <a:bodyPr/>
+                    <a:lstStyle/>
+                    <a:p>
+                      <a:pPr>
+                        <a:lnSpc>
+                          <a:spcPct val="107000"/>
+                        </a:lnSpc>
+                        <a:spcAft>
+                          <a:spcPts val="0"/>
+                        </a:spcAft>
+                      </a:pPr>
+                      <a:r>
+                        <a:rPr lang="de-AT" sz="1400">
+                          <a:effectLst/>
+                        </a:rPr>
+                        <a:t>Ja</a:t>
+                      </a:r>
+                      <a:endParaRPr lang="de-AT" sz="1400">
+                        <a:effectLst/>
+                        <a:latin typeface="Calibri" panose="020F0502020204030204" pitchFamily="34" charset="0"/>
+                        <a:ea typeface="Calibri" panose="020F0502020204030204" pitchFamily="34" charset="0"/>
+                        <a:cs typeface="Times New Roman" panose="02020603050405020304" pitchFamily="18" charset="0"/>
+                      </a:endParaRPr>
+                    </a:p>
+                  </a:txBody>
+                  <a:tcPr marL="89829" marR="89829" marT="0" marB="0"/>
+                </a:tc>
+                <a:tc>
+                  <a:txBody>
+                    <a:bodyPr/>
+                    <a:lstStyle/>
+                    <a:p>
+                      <a:pPr>
+                        <a:lnSpc>
+                          <a:spcPct val="107000"/>
+                        </a:lnSpc>
+                        <a:spcAft>
+                          <a:spcPts val="0"/>
+                        </a:spcAft>
+                      </a:pPr>
+                      <a:r>
+                        <a:rPr lang="de-AT" sz="1400">
+                          <a:effectLst/>
+                        </a:rPr>
+                        <a:t>Nein</a:t>
+                      </a:r>
+                      <a:endParaRPr lang="de-AT" sz="1400">
+                        <a:effectLst/>
+                        <a:latin typeface="Calibri" panose="020F0502020204030204" pitchFamily="34" charset="0"/>
+                        <a:ea typeface="Calibri" panose="020F0502020204030204" pitchFamily="34" charset="0"/>
+                        <a:cs typeface="Times New Roman" panose="02020603050405020304" pitchFamily="18" charset="0"/>
+                      </a:endParaRPr>
+                    </a:p>
+                  </a:txBody>
+                  <a:tcPr marL="89829" marR="89829" marT="0" marB="0"/>
+                </a:tc>
+                <a:extLst>
+                  <a:ext uri="{0D108BD9-81ED-4DB2-BD59-A6C34878D82A}">
+                    <a16:rowId xmlns:a16="http://schemas.microsoft.com/office/drawing/2014/main" val="2067251203"/>
+                  </a:ext>
+                </a:extLst>
+              </a:tr>
+              <a:tr h="271069">
+                <a:tc>
+                  <a:txBody>
+                    <a:bodyPr/>
+                    <a:lstStyle/>
+                    <a:p>
+                      <a:pPr>
+                        <a:lnSpc>
+                          <a:spcPct val="107000"/>
+                        </a:lnSpc>
+                        <a:spcAft>
+                          <a:spcPts val="0"/>
+                        </a:spcAft>
+                      </a:pPr>
+                      <a:r>
+                        <a:rPr lang="de-AT" sz="1400">
+                          <a:effectLst/>
+                        </a:rPr>
+                        <a:t>Ausstellungsraum</a:t>
+                      </a:r>
+                      <a:endParaRPr lang="de-AT" sz="1400">
+                        <a:effectLst/>
+                        <a:latin typeface="Calibri" panose="020F0502020204030204" pitchFamily="34" charset="0"/>
+                        <a:ea typeface="Calibri" panose="020F0502020204030204" pitchFamily="34" charset="0"/>
+                        <a:cs typeface="Times New Roman" panose="02020603050405020304" pitchFamily="18" charset="0"/>
+                      </a:endParaRPr>
+                    </a:p>
+                  </a:txBody>
+                  <a:tcPr marL="89829" marR="89829" marT="0" marB="0"/>
+                </a:tc>
+                <a:tc>
+                  <a:txBody>
+                    <a:bodyPr/>
+                    <a:lstStyle/>
+                    <a:p>
+                      <a:pPr>
+                        <a:lnSpc>
+                          <a:spcPct val="107000"/>
+                        </a:lnSpc>
+                        <a:spcAft>
+                          <a:spcPts val="0"/>
+                        </a:spcAft>
+                      </a:pPr>
+                      <a:r>
+                        <a:rPr lang="de-AT" sz="1400">
+                          <a:effectLst/>
+                        </a:rPr>
+                        <a:t>Ja</a:t>
+                      </a:r>
+                      <a:endParaRPr lang="de-AT" sz="1400">
+                        <a:effectLst/>
+                        <a:latin typeface="Calibri" panose="020F0502020204030204" pitchFamily="34" charset="0"/>
+                        <a:ea typeface="Calibri" panose="020F0502020204030204" pitchFamily="34" charset="0"/>
+                        <a:cs typeface="Times New Roman" panose="02020603050405020304" pitchFamily="18" charset="0"/>
+                      </a:endParaRPr>
+                    </a:p>
+                  </a:txBody>
+                  <a:tcPr marL="89829" marR="89829" marT="0" marB="0"/>
+                </a:tc>
+                <a:tc>
+                  <a:txBody>
+                    <a:bodyPr/>
+                    <a:lstStyle/>
+                    <a:p>
+                      <a:pPr>
+                        <a:lnSpc>
+                          <a:spcPct val="107000"/>
+                        </a:lnSpc>
+                        <a:spcAft>
+                          <a:spcPts val="0"/>
+                        </a:spcAft>
+                      </a:pPr>
+                      <a:r>
+                        <a:rPr lang="de-AT" sz="1400">
+                          <a:effectLst/>
+                        </a:rPr>
+                        <a:t>Ja</a:t>
+                      </a:r>
+                      <a:endParaRPr lang="de-AT" sz="1400">
+                        <a:effectLst/>
+                        <a:latin typeface="Calibri" panose="020F0502020204030204" pitchFamily="34" charset="0"/>
+                        <a:ea typeface="Calibri" panose="020F0502020204030204" pitchFamily="34" charset="0"/>
+                        <a:cs typeface="Times New Roman" panose="02020603050405020304" pitchFamily="18" charset="0"/>
+                      </a:endParaRPr>
+                    </a:p>
+                  </a:txBody>
+                  <a:tcPr marL="89829" marR="89829" marT="0" marB="0"/>
+                </a:tc>
+                <a:extLst>
+                  <a:ext uri="{0D108BD9-81ED-4DB2-BD59-A6C34878D82A}">
+                    <a16:rowId xmlns:a16="http://schemas.microsoft.com/office/drawing/2014/main" val="1739684198"/>
+                  </a:ext>
+                </a:extLst>
+              </a:tr>
+              <a:tr h="741009">
+                <a:tc>
+                  <a:txBody>
+                    <a:bodyPr/>
+                    <a:lstStyle/>
+                    <a:p>
+                      <a:pPr>
+                        <a:lnSpc>
+                          <a:spcPct val="107000"/>
+                        </a:lnSpc>
+                        <a:spcAft>
+                          <a:spcPts val="0"/>
+                        </a:spcAft>
+                      </a:pPr>
+                      <a:r>
+                        <a:rPr lang="de-AT" sz="1400">
+                          <a:effectLst/>
+                        </a:rPr>
+                        <a:t>Tag bzw. Zeitraum der Lieferung oder sonstige Leistungen</a:t>
+                      </a:r>
+                      <a:endParaRPr lang="de-AT" sz="1400">
+                        <a:effectLst/>
+                        <a:latin typeface="Calibri" panose="020F0502020204030204" pitchFamily="34" charset="0"/>
+                        <a:ea typeface="Calibri" panose="020F0502020204030204" pitchFamily="34" charset="0"/>
+                        <a:cs typeface="Times New Roman" panose="02020603050405020304" pitchFamily="18" charset="0"/>
+                      </a:endParaRPr>
+                    </a:p>
+                  </a:txBody>
+                  <a:tcPr marL="89829" marR="89829" marT="0" marB="0"/>
+                </a:tc>
+                <a:tc>
+                  <a:txBody>
+                    <a:bodyPr/>
+                    <a:lstStyle/>
+                    <a:p>
+                      <a:pPr>
+                        <a:lnSpc>
+                          <a:spcPct val="107000"/>
+                        </a:lnSpc>
+                        <a:spcAft>
+                          <a:spcPts val="0"/>
+                        </a:spcAft>
+                      </a:pPr>
+                      <a:r>
+                        <a:rPr lang="de-AT" sz="1400">
+                          <a:effectLst/>
+                        </a:rPr>
+                        <a:t>Ja</a:t>
+                      </a:r>
+                      <a:endParaRPr lang="de-AT" sz="1400">
+                        <a:effectLst/>
+                        <a:latin typeface="Calibri" panose="020F0502020204030204" pitchFamily="34" charset="0"/>
+                        <a:ea typeface="Calibri" panose="020F0502020204030204" pitchFamily="34" charset="0"/>
+                        <a:cs typeface="Times New Roman" panose="02020603050405020304" pitchFamily="18" charset="0"/>
+                      </a:endParaRPr>
+                    </a:p>
+                  </a:txBody>
+                  <a:tcPr marL="89829" marR="89829" marT="0" marB="0"/>
+                </a:tc>
+                <a:tc>
+                  <a:txBody>
+                    <a:bodyPr/>
+                    <a:lstStyle/>
+                    <a:p>
+                      <a:pPr>
+                        <a:lnSpc>
+                          <a:spcPct val="107000"/>
+                        </a:lnSpc>
+                        <a:spcAft>
+                          <a:spcPts val="0"/>
+                        </a:spcAft>
+                      </a:pPr>
+                      <a:r>
+                        <a:rPr lang="de-AT" sz="1400">
+                          <a:effectLst/>
+                        </a:rPr>
+                        <a:t>Ja</a:t>
+                      </a:r>
+                      <a:endParaRPr lang="de-AT" sz="1400">
+                        <a:effectLst/>
+                        <a:latin typeface="Calibri" panose="020F0502020204030204" pitchFamily="34" charset="0"/>
+                        <a:ea typeface="Calibri" panose="020F0502020204030204" pitchFamily="34" charset="0"/>
+                        <a:cs typeface="Times New Roman" panose="02020603050405020304" pitchFamily="18" charset="0"/>
+                      </a:endParaRPr>
+                    </a:p>
+                  </a:txBody>
+                  <a:tcPr marL="89829" marR="89829" marT="0" marB="0"/>
+                </a:tc>
+                <a:extLst>
+                  <a:ext uri="{0D108BD9-81ED-4DB2-BD59-A6C34878D82A}">
+                    <a16:rowId xmlns:a16="http://schemas.microsoft.com/office/drawing/2014/main" val="481315365"/>
+                  </a:ext>
+                </a:extLst>
+              </a:tr>
+              <a:tr h="741009">
+                <a:tc>
+                  <a:txBody>
+                    <a:bodyPr/>
+                    <a:lstStyle/>
+                    <a:p>
+                      <a:pPr>
+                        <a:lnSpc>
+                          <a:spcPct val="107000"/>
+                        </a:lnSpc>
+                        <a:spcAft>
+                          <a:spcPts val="0"/>
+                        </a:spcAft>
+                      </a:pPr>
+                      <a:r>
+                        <a:rPr lang="de-AT" sz="1400">
+                          <a:effectLst/>
+                        </a:rPr>
+                        <a:t>Menge und Bezeichnung der Ware</a:t>
+                      </a:r>
+                      <a:endParaRPr lang="de-AT" sz="1400">
+                        <a:effectLst/>
+                        <a:latin typeface="Calibri" panose="020F0502020204030204" pitchFamily="34" charset="0"/>
+                        <a:ea typeface="Calibri" panose="020F0502020204030204" pitchFamily="34" charset="0"/>
+                        <a:cs typeface="Times New Roman" panose="02020603050405020304" pitchFamily="18" charset="0"/>
+                      </a:endParaRPr>
+                    </a:p>
+                  </a:txBody>
+                  <a:tcPr marL="89829" marR="89829" marT="0" marB="0"/>
+                </a:tc>
+                <a:tc>
+                  <a:txBody>
+                    <a:bodyPr/>
+                    <a:lstStyle/>
+                    <a:p>
+                      <a:pPr>
+                        <a:lnSpc>
+                          <a:spcPct val="107000"/>
+                        </a:lnSpc>
+                        <a:spcAft>
+                          <a:spcPts val="0"/>
+                        </a:spcAft>
+                      </a:pPr>
+                      <a:r>
+                        <a:rPr lang="de-AT" sz="1400">
+                          <a:effectLst/>
+                        </a:rPr>
+                        <a:t>Ja </a:t>
+                      </a:r>
+                      <a:endParaRPr lang="de-AT" sz="1400">
+                        <a:effectLst/>
+                        <a:latin typeface="Calibri" panose="020F0502020204030204" pitchFamily="34" charset="0"/>
+                        <a:ea typeface="Calibri" panose="020F0502020204030204" pitchFamily="34" charset="0"/>
+                        <a:cs typeface="Times New Roman" panose="02020603050405020304" pitchFamily="18" charset="0"/>
+                      </a:endParaRPr>
+                    </a:p>
+                  </a:txBody>
+                  <a:tcPr marL="89829" marR="89829" marT="0" marB="0"/>
+                </a:tc>
+                <a:tc>
+                  <a:txBody>
+                    <a:bodyPr/>
+                    <a:lstStyle/>
+                    <a:p>
+                      <a:pPr>
+                        <a:lnSpc>
+                          <a:spcPct val="107000"/>
+                        </a:lnSpc>
+                        <a:spcAft>
+                          <a:spcPts val="0"/>
+                        </a:spcAft>
+                      </a:pPr>
+                      <a:r>
+                        <a:rPr lang="de-AT" sz="1400">
+                          <a:effectLst/>
+                        </a:rPr>
+                        <a:t>Ja</a:t>
+                      </a:r>
+                      <a:endParaRPr lang="de-AT" sz="1400">
+                        <a:effectLst/>
+                        <a:latin typeface="Calibri" panose="020F0502020204030204" pitchFamily="34" charset="0"/>
+                        <a:ea typeface="Calibri" panose="020F0502020204030204" pitchFamily="34" charset="0"/>
+                        <a:cs typeface="Times New Roman" panose="02020603050405020304" pitchFamily="18" charset="0"/>
+                      </a:endParaRPr>
+                    </a:p>
+                  </a:txBody>
+                  <a:tcPr marL="89829" marR="89829" marT="0" marB="0"/>
+                </a:tc>
+                <a:extLst>
+                  <a:ext uri="{0D108BD9-81ED-4DB2-BD59-A6C34878D82A}">
+                    <a16:rowId xmlns:a16="http://schemas.microsoft.com/office/drawing/2014/main" val="2462462044"/>
+                  </a:ext>
+                </a:extLst>
+              </a:tr>
+              <a:tr h="271069">
+                <a:tc>
+                  <a:txBody>
+                    <a:bodyPr/>
+                    <a:lstStyle/>
+                    <a:p>
+                      <a:pPr>
+                        <a:lnSpc>
+                          <a:spcPct val="107000"/>
+                        </a:lnSpc>
+                        <a:spcAft>
+                          <a:spcPts val="0"/>
+                        </a:spcAft>
+                      </a:pPr>
+                      <a:r>
+                        <a:rPr lang="de-AT" sz="1400">
+                          <a:effectLst/>
+                        </a:rPr>
+                        <a:t>Entgelt ohne UST</a:t>
+                      </a:r>
+                      <a:endParaRPr lang="de-AT" sz="1400">
+                        <a:effectLst/>
+                        <a:latin typeface="Calibri" panose="020F0502020204030204" pitchFamily="34" charset="0"/>
+                        <a:ea typeface="Calibri" panose="020F0502020204030204" pitchFamily="34" charset="0"/>
+                        <a:cs typeface="Times New Roman" panose="02020603050405020304" pitchFamily="18" charset="0"/>
+                      </a:endParaRPr>
+                    </a:p>
+                  </a:txBody>
+                  <a:tcPr marL="89829" marR="89829" marT="0" marB="0"/>
+                </a:tc>
+                <a:tc>
+                  <a:txBody>
+                    <a:bodyPr/>
+                    <a:lstStyle/>
+                    <a:p>
+                      <a:pPr>
+                        <a:lnSpc>
+                          <a:spcPct val="107000"/>
+                        </a:lnSpc>
+                        <a:spcAft>
+                          <a:spcPts val="0"/>
+                        </a:spcAft>
+                      </a:pPr>
+                      <a:r>
+                        <a:rPr lang="de-AT" sz="1400">
+                          <a:effectLst/>
+                        </a:rPr>
+                        <a:t>Ja</a:t>
+                      </a:r>
+                      <a:endParaRPr lang="de-AT" sz="1400">
+                        <a:effectLst/>
+                        <a:latin typeface="Calibri" panose="020F0502020204030204" pitchFamily="34" charset="0"/>
+                        <a:ea typeface="Calibri" panose="020F0502020204030204" pitchFamily="34" charset="0"/>
+                        <a:cs typeface="Times New Roman" panose="02020603050405020304" pitchFamily="18" charset="0"/>
+                      </a:endParaRPr>
+                    </a:p>
+                  </a:txBody>
+                  <a:tcPr marL="89829" marR="89829" marT="0" marB="0"/>
+                </a:tc>
+                <a:tc>
+                  <a:txBody>
+                    <a:bodyPr/>
+                    <a:lstStyle/>
+                    <a:p>
+                      <a:pPr>
+                        <a:lnSpc>
+                          <a:spcPct val="107000"/>
+                        </a:lnSpc>
+                        <a:spcAft>
+                          <a:spcPts val="0"/>
+                        </a:spcAft>
+                      </a:pPr>
+                      <a:r>
+                        <a:rPr lang="de-AT" sz="1400">
+                          <a:effectLst/>
+                        </a:rPr>
+                        <a:t>Nein</a:t>
+                      </a:r>
+                      <a:endParaRPr lang="de-AT" sz="1400">
+                        <a:effectLst/>
+                        <a:latin typeface="Calibri" panose="020F0502020204030204" pitchFamily="34" charset="0"/>
+                        <a:ea typeface="Calibri" panose="020F0502020204030204" pitchFamily="34" charset="0"/>
+                        <a:cs typeface="Times New Roman" panose="02020603050405020304" pitchFamily="18" charset="0"/>
+                      </a:endParaRPr>
+                    </a:p>
+                  </a:txBody>
+                  <a:tcPr marL="89829" marR="89829" marT="0" marB="0"/>
+                </a:tc>
+                <a:extLst>
+                  <a:ext uri="{0D108BD9-81ED-4DB2-BD59-A6C34878D82A}">
+                    <a16:rowId xmlns:a16="http://schemas.microsoft.com/office/drawing/2014/main" val="829980027"/>
+                  </a:ext>
+                </a:extLst>
+              </a:tr>
+              <a:tr h="271069">
+                <a:tc>
+                  <a:txBody>
+                    <a:bodyPr/>
+                    <a:lstStyle/>
+                    <a:p>
+                      <a:pPr>
+                        <a:lnSpc>
+                          <a:spcPct val="107000"/>
+                        </a:lnSpc>
+                        <a:spcAft>
+                          <a:spcPts val="0"/>
+                        </a:spcAft>
+                      </a:pPr>
+                      <a:r>
+                        <a:rPr lang="de-AT" sz="1400">
+                          <a:effectLst/>
+                        </a:rPr>
+                        <a:t>UST</a:t>
+                      </a:r>
+                      <a:endParaRPr lang="de-AT" sz="1400">
+                        <a:effectLst/>
+                        <a:latin typeface="Calibri" panose="020F0502020204030204" pitchFamily="34" charset="0"/>
+                        <a:ea typeface="Calibri" panose="020F0502020204030204" pitchFamily="34" charset="0"/>
+                        <a:cs typeface="Times New Roman" panose="02020603050405020304" pitchFamily="18" charset="0"/>
+                      </a:endParaRPr>
+                    </a:p>
+                  </a:txBody>
+                  <a:tcPr marL="89829" marR="89829" marT="0" marB="0"/>
+                </a:tc>
+                <a:tc>
+                  <a:txBody>
+                    <a:bodyPr/>
+                    <a:lstStyle/>
+                    <a:p>
+                      <a:pPr>
+                        <a:lnSpc>
+                          <a:spcPct val="107000"/>
+                        </a:lnSpc>
+                        <a:spcAft>
+                          <a:spcPts val="0"/>
+                        </a:spcAft>
+                      </a:pPr>
+                      <a:r>
+                        <a:rPr lang="de-AT" sz="1400">
+                          <a:effectLst/>
+                        </a:rPr>
+                        <a:t>Ja</a:t>
+                      </a:r>
+                      <a:endParaRPr lang="de-AT" sz="1400">
+                        <a:effectLst/>
+                        <a:latin typeface="Calibri" panose="020F0502020204030204" pitchFamily="34" charset="0"/>
+                        <a:ea typeface="Calibri" panose="020F0502020204030204" pitchFamily="34" charset="0"/>
+                        <a:cs typeface="Times New Roman" panose="02020603050405020304" pitchFamily="18" charset="0"/>
+                      </a:endParaRPr>
+                    </a:p>
+                  </a:txBody>
+                  <a:tcPr marL="89829" marR="89829" marT="0" marB="0"/>
+                </a:tc>
+                <a:tc>
+                  <a:txBody>
+                    <a:bodyPr/>
+                    <a:lstStyle/>
+                    <a:p>
+                      <a:pPr>
+                        <a:lnSpc>
+                          <a:spcPct val="107000"/>
+                        </a:lnSpc>
+                        <a:spcAft>
+                          <a:spcPts val="0"/>
+                        </a:spcAft>
+                      </a:pPr>
+                      <a:r>
+                        <a:rPr lang="de-AT" sz="1400">
+                          <a:effectLst/>
+                        </a:rPr>
+                        <a:t>Ja</a:t>
+                      </a:r>
+                      <a:endParaRPr lang="de-AT" sz="1400">
+                        <a:effectLst/>
+                        <a:latin typeface="Calibri" panose="020F0502020204030204" pitchFamily="34" charset="0"/>
+                        <a:ea typeface="Calibri" panose="020F0502020204030204" pitchFamily="34" charset="0"/>
+                        <a:cs typeface="Times New Roman" panose="02020603050405020304" pitchFamily="18" charset="0"/>
+                      </a:endParaRPr>
+                    </a:p>
+                  </a:txBody>
+                  <a:tcPr marL="89829" marR="89829" marT="0" marB="0"/>
+                </a:tc>
+                <a:extLst>
+                  <a:ext uri="{0D108BD9-81ED-4DB2-BD59-A6C34878D82A}">
+                    <a16:rowId xmlns:a16="http://schemas.microsoft.com/office/drawing/2014/main" val="1249357636"/>
+                  </a:ext>
+                </a:extLst>
+              </a:tr>
+              <a:tr h="271069">
+                <a:tc>
+                  <a:txBody>
+                    <a:bodyPr/>
+                    <a:lstStyle/>
+                    <a:p>
+                      <a:pPr>
+                        <a:lnSpc>
+                          <a:spcPct val="107000"/>
+                        </a:lnSpc>
+                        <a:spcAft>
+                          <a:spcPts val="0"/>
+                        </a:spcAft>
+                      </a:pPr>
+                      <a:r>
+                        <a:rPr lang="de-AT" sz="1400">
+                          <a:effectLst/>
+                        </a:rPr>
+                        <a:t>Steuerbetrag</a:t>
+                      </a:r>
+                      <a:endParaRPr lang="de-AT" sz="1400">
+                        <a:effectLst/>
+                        <a:latin typeface="Calibri" panose="020F0502020204030204" pitchFamily="34" charset="0"/>
+                        <a:ea typeface="Calibri" panose="020F0502020204030204" pitchFamily="34" charset="0"/>
+                        <a:cs typeface="Times New Roman" panose="02020603050405020304" pitchFamily="18" charset="0"/>
+                      </a:endParaRPr>
+                    </a:p>
+                  </a:txBody>
+                  <a:tcPr marL="89829" marR="89829" marT="0" marB="0"/>
+                </a:tc>
+                <a:tc>
+                  <a:txBody>
+                    <a:bodyPr/>
+                    <a:lstStyle/>
+                    <a:p>
+                      <a:pPr>
+                        <a:lnSpc>
+                          <a:spcPct val="107000"/>
+                        </a:lnSpc>
+                        <a:spcAft>
+                          <a:spcPts val="0"/>
+                        </a:spcAft>
+                      </a:pPr>
+                      <a:r>
+                        <a:rPr lang="de-AT" sz="1400">
+                          <a:effectLst/>
+                        </a:rPr>
+                        <a:t>Ja</a:t>
+                      </a:r>
+                      <a:endParaRPr lang="de-AT" sz="1400">
+                        <a:effectLst/>
+                        <a:latin typeface="Calibri" panose="020F0502020204030204" pitchFamily="34" charset="0"/>
+                        <a:ea typeface="Calibri" panose="020F0502020204030204" pitchFamily="34" charset="0"/>
+                        <a:cs typeface="Times New Roman" panose="02020603050405020304" pitchFamily="18" charset="0"/>
+                      </a:endParaRPr>
+                    </a:p>
+                  </a:txBody>
+                  <a:tcPr marL="89829" marR="89829" marT="0" marB="0"/>
+                </a:tc>
+                <a:tc>
+                  <a:txBody>
+                    <a:bodyPr/>
+                    <a:lstStyle/>
+                    <a:p>
+                      <a:pPr>
+                        <a:lnSpc>
+                          <a:spcPct val="107000"/>
+                        </a:lnSpc>
+                        <a:spcAft>
+                          <a:spcPts val="0"/>
+                        </a:spcAft>
+                      </a:pPr>
+                      <a:r>
+                        <a:rPr lang="de-AT" sz="1400" dirty="0">
+                          <a:effectLst/>
+                        </a:rPr>
+                        <a:t>nein</a:t>
+                      </a:r>
+                      <a:endParaRPr lang="de-AT" sz="1400" dirty="0">
+                        <a:effectLst/>
+                        <a:latin typeface="Calibri" panose="020F0502020204030204" pitchFamily="34" charset="0"/>
+                        <a:ea typeface="Calibri" panose="020F0502020204030204" pitchFamily="34" charset="0"/>
+                        <a:cs typeface="Times New Roman" panose="02020603050405020304" pitchFamily="18" charset="0"/>
+                      </a:endParaRPr>
+                    </a:p>
+                  </a:txBody>
+                  <a:tcPr marL="89829" marR="89829" marT="0" marB="0"/>
+                </a:tc>
+                <a:extLst>
+                  <a:ext uri="{0D108BD9-81ED-4DB2-BD59-A6C34878D82A}">
+                    <a16:rowId xmlns:a16="http://schemas.microsoft.com/office/drawing/2014/main" val="3956632973"/>
+                  </a:ext>
+                </a:extLst>
+              </a:tr>
+            </a:tbl>
+          </a:graphicData>
+        </a:graphic>
+      </p:graphicFrame>
+    </p:spTree>
+    <p:extLst>
+      <p:ext uri="{BB962C8B-B14F-4D97-AF65-F5344CB8AC3E}">
+        <p14:creationId xmlns:p14="http://schemas.microsoft.com/office/powerpoint/2010/main" val="1346015123"/>
+      </p:ext>
+    </p:extLst>
+  </p:cSld>
+  <p:clrMapOvr>
+    <a:masterClrMapping/>
+  </p:clrMapOvr>
+</p:sld>
+</file>
+
+<file path=ppt/slides/slide21.xml><?xml version="1.0" encoding="utf-8"?>
+<p:sld xmlns:a="http://schemas.openxmlformats.org/drawingml/2006/main" xmlns:r="http://schemas.openxmlformats.org/officeDocument/2006/relationships" xmlns:p="http://schemas.openxmlformats.org/presentationml/2006/main">
+  <p:cSld>
+    <p:spTree>
+      <p:nvGrpSpPr>
+        <p:cNvPr id="1" name=""/>
+        <p:cNvGrpSpPr/>
+        <p:nvPr/>
+      </p:nvGrpSpPr>
+      <p:grpSpPr>
+        <a:xfrm>
+          <a:off x="0" y="0"/>
+          <a:ext cx="0" cy="0"/>
+          <a:chOff x="0" y="0"/>
+          <a:chExt cx="0" cy="0"/>
+        </a:xfrm>
+      </p:grpSpPr>
+      <p:sp>
+        <p:nvSpPr>
+          <p:cNvPr id="2" name="Titel 1">
+            <a:extLst>
+              <a:ext uri="{FF2B5EF4-FFF2-40B4-BE49-F238E27FC236}">
+                <a16:creationId xmlns:a16="http://schemas.microsoft.com/office/drawing/2014/main" id="{05C53B20-5595-4646-83C9-D07BE230D13E}"/>
+              </a:ext>
+            </a:extLst>
+          </p:cNvPr>
+          <p:cNvSpPr>
+            <a:spLocks noGrp="1"/>
+          </p:cNvSpPr>
+          <p:nvPr>
+            <p:ph type="title"/>
+          </p:nvPr>
+        </p:nvSpPr>
+        <p:spPr/>
+        <p:txBody>
+          <a:bodyPr/>
+          <a:lstStyle/>
+          <a:p>
+            <a:r>
+              <a:rPr lang="de-AT" dirty="0"/>
+              <a:t>Rechnung zahlen</a:t>
+            </a:r>
+          </a:p>
+        </p:txBody>
+      </p:sp>
+      <p:sp>
+        <p:nvSpPr>
+          <p:cNvPr id="3" name="Inhaltsplatzhalter 2">
+            <a:extLst>
+              <a:ext uri="{FF2B5EF4-FFF2-40B4-BE49-F238E27FC236}">
+                <a16:creationId xmlns:a16="http://schemas.microsoft.com/office/drawing/2014/main" id="{36D34AD9-F50E-41CF-928F-D989EECA73B6}"/>
+              </a:ext>
+            </a:extLst>
+          </p:cNvPr>
+          <p:cNvSpPr>
+            <a:spLocks noGrp="1"/>
+          </p:cNvSpPr>
+          <p:nvPr>
+            <p:ph idx="1"/>
+          </p:nvPr>
+        </p:nvSpPr>
+        <p:spPr/>
+        <p:txBody>
+          <a:bodyPr/>
+          <a:lstStyle/>
+          <a:p>
+            <a:r>
+              <a:rPr lang="de-AT" dirty="0"/>
+              <a:t>Barzahlung</a:t>
+            </a:r>
+          </a:p>
+          <a:p>
+            <a:pPr lvl="1"/>
+            <a:r>
+              <a:rPr lang="de-AT" dirty="0"/>
+              <a:t>Postnachnahmen</a:t>
+            </a:r>
+          </a:p>
+          <a:p>
+            <a:pPr lvl="1"/>
+            <a:r>
+              <a:rPr lang="de-AT" dirty="0"/>
+              <a:t>Postanweisung</a:t>
+            </a:r>
+          </a:p>
+          <a:p>
+            <a:r>
+              <a:rPr lang="de-AT" dirty="0"/>
+              <a:t>Bargeldlos</a:t>
+            </a:r>
+          </a:p>
+          <a:p>
+            <a:pPr lvl="1"/>
+            <a:r>
+              <a:rPr lang="de-AT" dirty="0"/>
+              <a:t>Online-Zahlung</a:t>
+            </a:r>
+          </a:p>
+          <a:p>
+            <a:pPr lvl="1"/>
+            <a:r>
+              <a:rPr lang="de-AT" dirty="0"/>
+              <a:t>Kartenzahlung</a:t>
+            </a:r>
+          </a:p>
+          <a:p>
+            <a:pPr lvl="2"/>
+            <a:r>
+              <a:rPr lang="de-AT" dirty="0"/>
+              <a:t>Debitkarten (</a:t>
+            </a:r>
+            <a:r>
+              <a:rPr lang="de-AT" dirty="0" err="1"/>
+              <a:t>pay</a:t>
+            </a:r>
+            <a:r>
+              <a:rPr lang="de-AT" dirty="0"/>
+              <a:t> </a:t>
+            </a:r>
+            <a:r>
+              <a:rPr lang="de-AT" dirty="0" err="1"/>
+              <a:t>now</a:t>
+            </a:r>
+            <a:r>
+              <a:rPr lang="de-AT" dirty="0"/>
+              <a:t>)</a:t>
+            </a:r>
+          </a:p>
+          <a:p>
+            <a:pPr lvl="2"/>
+            <a:r>
+              <a:rPr lang="de-AT" dirty="0"/>
+              <a:t>Kreditkarte (</a:t>
+            </a:r>
+            <a:r>
+              <a:rPr lang="de-AT" dirty="0" err="1"/>
+              <a:t>pay</a:t>
+            </a:r>
+            <a:r>
+              <a:rPr lang="de-AT" dirty="0"/>
+              <a:t> </a:t>
+            </a:r>
+            <a:r>
+              <a:rPr lang="de-AT" dirty="0" err="1"/>
+              <a:t>later</a:t>
+            </a:r>
+            <a:r>
+              <a:rPr lang="de-AT" dirty="0"/>
+              <a:t>)</a:t>
+            </a:r>
+          </a:p>
+          <a:p>
+            <a:pPr lvl="2"/>
+            <a:r>
+              <a:rPr lang="de-AT" dirty="0"/>
+              <a:t>Wertkarte (</a:t>
+            </a:r>
+            <a:r>
+              <a:rPr lang="de-AT" dirty="0" err="1"/>
+              <a:t>pay</a:t>
+            </a:r>
+            <a:r>
+              <a:rPr lang="de-AT" dirty="0"/>
+              <a:t> </a:t>
+            </a:r>
+            <a:r>
+              <a:rPr lang="de-AT" dirty="0" err="1"/>
+              <a:t>before</a:t>
+            </a:r>
+            <a:r>
+              <a:rPr lang="de-AT" dirty="0"/>
+              <a:t>)</a:t>
+            </a:r>
+          </a:p>
+        </p:txBody>
+      </p:sp>
+    </p:spTree>
+    <p:extLst>
+      <p:ext uri="{BB962C8B-B14F-4D97-AF65-F5344CB8AC3E}">
+        <p14:creationId xmlns:p14="http://schemas.microsoft.com/office/powerpoint/2010/main" val="1197206024"/>
       </p:ext>
     </p:extLst>
   </p:cSld>
@@ -3994,7 +9232,10 @@
           <a:bodyPr/>
           <a:lstStyle/>
           <a:p>
-            <a:endParaRPr lang="de-AT"/>
+            <a:r>
+              <a:rPr lang="de-AT" dirty="0"/>
+              <a:t>Wie kommt ein Kaufvertrag zustande?</a:t>
+            </a:r>
           </a:p>
         </p:txBody>
       </p:sp>
@@ -4019,7 +9260,34 @@
           <a:bodyPr/>
           <a:lstStyle/>
           <a:p>
-            <a:endParaRPr lang="de-AT"/>
+            <a:r>
+              <a:rPr lang="de-AT" dirty="0"/>
+              <a:t>Übereinstimmende Willenserklärung</a:t>
+            </a:r>
+          </a:p>
+          <a:p>
+            <a:r>
+              <a:rPr lang="de-AT" dirty="0"/>
+              <a:t>Verkäufer und Käufer sind geschäftsfähig</a:t>
+            </a:r>
+          </a:p>
+          <a:p>
+            <a:r>
+              <a:rPr lang="de-AT" dirty="0"/>
+              <a:t>Geschäft ist möglich </a:t>
+            </a:r>
+          </a:p>
+          <a:p>
+            <a:r>
+              <a:rPr lang="de-AT" dirty="0"/>
+              <a:t>Geschäft ist erlaubt</a:t>
+            </a:r>
+          </a:p>
+          <a:p>
+            <a:r>
+              <a:rPr lang="de-AT" dirty="0"/>
+              <a:t>Geschäft wird freiwillig abgeschlossen</a:t>
+            </a:r>
           </a:p>
         </p:txBody>
       </p:sp>
@@ -4027,6 +9295,1209 @@
     <p:extLst>
       <p:ext uri="{BB962C8B-B14F-4D97-AF65-F5344CB8AC3E}">
         <p14:creationId xmlns:p14="http://schemas.microsoft.com/office/powerpoint/2010/main" val="2030982059"/>
+      </p:ext>
+    </p:extLst>
+  </p:cSld>
+  <p:clrMapOvr>
+    <a:masterClrMapping/>
+  </p:clrMapOvr>
+</p:sld>
+</file>
+
+<file path=ppt/slides/slide4.xml><?xml version="1.0" encoding="utf-8"?>
+<p:sld xmlns:a="http://schemas.openxmlformats.org/drawingml/2006/main" xmlns:r="http://schemas.openxmlformats.org/officeDocument/2006/relationships" xmlns:p="http://schemas.openxmlformats.org/presentationml/2006/main">
+  <p:cSld>
+    <p:spTree>
+      <p:nvGrpSpPr>
+        <p:cNvPr id="1" name=""/>
+        <p:cNvGrpSpPr/>
+        <p:nvPr/>
+      </p:nvGrpSpPr>
+      <p:grpSpPr>
+        <a:xfrm>
+          <a:off x="0" y="0"/>
+          <a:ext cx="0" cy="0"/>
+          <a:chOff x="0" y="0"/>
+          <a:chExt cx="0" cy="0"/>
+        </a:xfrm>
+      </p:grpSpPr>
+      <p:sp>
+        <p:nvSpPr>
+          <p:cNvPr id="2" name="Titel 1">
+            <a:extLst>
+              <a:ext uri="{FF2B5EF4-FFF2-40B4-BE49-F238E27FC236}">
+                <a16:creationId xmlns:a16="http://schemas.microsoft.com/office/drawing/2014/main" id="{3AA9F21A-74C8-4F68-A281-79F29F14C75B}"/>
+              </a:ext>
+            </a:extLst>
+          </p:cNvPr>
+          <p:cNvSpPr>
+            <a:spLocks noGrp="1"/>
+          </p:cNvSpPr>
+          <p:nvPr>
+            <p:ph type="title"/>
+          </p:nvPr>
+        </p:nvSpPr>
+        <p:spPr/>
+        <p:txBody>
+          <a:bodyPr/>
+          <a:lstStyle/>
+          <a:p>
+            <a:r>
+              <a:rPr lang="de-AT" dirty="0"/>
+              <a:t>Kontrahierungszwang</a:t>
+            </a:r>
+          </a:p>
+        </p:txBody>
+      </p:sp>
+      <p:sp>
+        <p:nvSpPr>
+          <p:cNvPr id="3" name="Inhaltsplatzhalter 2">
+            <a:extLst>
+              <a:ext uri="{FF2B5EF4-FFF2-40B4-BE49-F238E27FC236}">
+                <a16:creationId xmlns:a16="http://schemas.microsoft.com/office/drawing/2014/main" id="{4ABDED8E-8C7F-454A-B641-505BDEC3994F}"/>
+              </a:ext>
+            </a:extLst>
+          </p:cNvPr>
+          <p:cNvSpPr>
+            <a:spLocks noGrp="1"/>
+          </p:cNvSpPr>
+          <p:nvPr>
+            <p:ph idx="1"/>
+          </p:nvPr>
+        </p:nvSpPr>
+        <p:spPr/>
+        <p:txBody>
+          <a:bodyPr/>
+          <a:lstStyle/>
+          <a:p>
+            <a:r>
+              <a:rPr lang="de-AT" dirty="0"/>
+              <a:t>Grundsätzlich Vertragsfreiheit</a:t>
+            </a:r>
+          </a:p>
+          <a:p>
+            <a:r>
+              <a:rPr lang="de-AT" dirty="0"/>
+              <a:t>Unternehmen in Monopolstellung (Energie- und Wasserversorgung)</a:t>
+            </a:r>
+          </a:p>
+        </p:txBody>
+      </p:sp>
+    </p:spTree>
+    <p:extLst>
+      <p:ext uri="{BB962C8B-B14F-4D97-AF65-F5344CB8AC3E}">
+        <p14:creationId xmlns:p14="http://schemas.microsoft.com/office/powerpoint/2010/main" val="1301929449"/>
+      </p:ext>
+    </p:extLst>
+  </p:cSld>
+  <p:clrMapOvr>
+    <a:masterClrMapping/>
+  </p:clrMapOvr>
+</p:sld>
+</file>
+
+<file path=ppt/slides/slide5.xml><?xml version="1.0" encoding="utf-8"?>
+<p:sld xmlns:a="http://schemas.openxmlformats.org/drawingml/2006/main" xmlns:r="http://schemas.openxmlformats.org/officeDocument/2006/relationships" xmlns:p="http://schemas.openxmlformats.org/presentationml/2006/main">
+  <p:cSld>
+    <p:spTree>
+      <p:nvGrpSpPr>
+        <p:cNvPr id="1" name=""/>
+        <p:cNvGrpSpPr/>
+        <p:nvPr/>
+      </p:nvGrpSpPr>
+      <p:grpSpPr>
+        <a:xfrm>
+          <a:off x="0" y="0"/>
+          <a:ext cx="0" cy="0"/>
+          <a:chOff x="0" y="0"/>
+          <a:chExt cx="0" cy="0"/>
+        </a:xfrm>
+      </p:grpSpPr>
+      <p:sp>
+        <p:nvSpPr>
+          <p:cNvPr id="2" name="Titel 1">
+            <a:extLst>
+              <a:ext uri="{FF2B5EF4-FFF2-40B4-BE49-F238E27FC236}">
+                <a16:creationId xmlns:a16="http://schemas.microsoft.com/office/drawing/2014/main" id="{FEE4A6E1-6848-4DF1-ABB7-DB674A0EAD15}"/>
+              </a:ext>
+            </a:extLst>
+          </p:cNvPr>
+          <p:cNvSpPr>
+            <a:spLocks noGrp="1"/>
+          </p:cNvSpPr>
+          <p:nvPr>
+            <p:ph type="title"/>
+          </p:nvPr>
+        </p:nvSpPr>
+        <p:spPr/>
+        <p:txBody>
+          <a:bodyPr/>
+          <a:lstStyle/>
+          <a:p>
+            <a:r>
+              <a:rPr lang="de-AT" dirty="0"/>
+              <a:t>Rechtliche Grundlagen</a:t>
+            </a:r>
+          </a:p>
+        </p:txBody>
+      </p:sp>
+      <p:sp>
+        <p:nvSpPr>
+          <p:cNvPr id="3" name="Inhaltsplatzhalter 2">
+            <a:extLst>
+              <a:ext uri="{FF2B5EF4-FFF2-40B4-BE49-F238E27FC236}">
+                <a16:creationId xmlns:a16="http://schemas.microsoft.com/office/drawing/2014/main" id="{CE5891A1-56D2-4505-B35E-232E41C6EC00}"/>
+              </a:ext>
+            </a:extLst>
+          </p:cNvPr>
+          <p:cNvSpPr>
+            <a:spLocks noGrp="1"/>
+          </p:cNvSpPr>
+          <p:nvPr>
+            <p:ph idx="1"/>
+          </p:nvPr>
+        </p:nvSpPr>
+        <p:spPr/>
+        <p:txBody>
+          <a:bodyPr/>
+          <a:lstStyle/>
+          <a:p>
+            <a:r>
+              <a:rPr lang="de-AT" dirty="0"/>
+              <a:t>Allgemeine Bürgerliche Gesetzbuch (ABGB) </a:t>
+            </a:r>
+          </a:p>
+          <a:p>
+            <a:r>
+              <a:rPr lang="de-AT" dirty="0"/>
+              <a:t>E-Commerce-Gesetz (ECG)</a:t>
+            </a:r>
+          </a:p>
+          <a:p>
+            <a:r>
+              <a:rPr lang="de-AT" dirty="0"/>
+              <a:t>Konsumentenschutzgesetz (KSchG)</a:t>
+            </a:r>
+          </a:p>
+          <a:p>
+            <a:r>
+              <a:rPr lang="de-AT" dirty="0"/>
+              <a:t>Unternehmensgesetzbuch (UGB)</a:t>
+            </a:r>
+          </a:p>
+        </p:txBody>
+      </p:sp>
+    </p:spTree>
+    <p:extLst>
+      <p:ext uri="{BB962C8B-B14F-4D97-AF65-F5344CB8AC3E}">
+        <p14:creationId xmlns:p14="http://schemas.microsoft.com/office/powerpoint/2010/main" val="3884361164"/>
+      </p:ext>
+    </p:extLst>
+  </p:cSld>
+  <p:clrMapOvr>
+    <a:masterClrMapping/>
+  </p:clrMapOvr>
+</p:sld>
+</file>
+
+<file path=ppt/slides/slide6.xml><?xml version="1.0" encoding="utf-8"?>
+<p:sld xmlns:a="http://schemas.openxmlformats.org/drawingml/2006/main" xmlns:r="http://schemas.openxmlformats.org/officeDocument/2006/relationships" xmlns:p="http://schemas.openxmlformats.org/presentationml/2006/main">
+  <p:cSld>
+    <p:spTree>
+      <p:nvGrpSpPr>
+        <p:cNvPr id="1" name=""/>
+        <p:cNvGrpSpPr/>
+        <p:nvPr/>
+      </p:nvGrpSpPr>
+      <p:grpSpPr>
+        <a:xfrm>
+          <a:off x="0" y="0"/>
+          <a:ext cx="0" cy="0"/>
+          <a:chOff x="0" y="0"/>
+          <a:chExt cx="0" cy="0"/>
+        </a:xfrm>
+      </p:grpSpPr>
+      <p:sp>
+        <p:nvSpPr>
+          <p:cNvPr id="2" name="Titel 1">
+            <a:extLst>
+              <a:ext uri="{FF2B5EF4-FFF2-40B4-BE49-F238E27FC236}">
+                <a16:creationId xmlns:a16="http://schemas.microsoft.com/office/drawing/2014/main" id="{51520938-571B-4AF3-A272-90F0ADDA8A39}"/>
+              </a:ext>
+            </a:extLst>
+          </p:cNvPr>
+          <p:cNvSpPr>
+            <a:spLocks noGrp="1"/>
+          </p:cNvSpPr>
+          <p:nvPr>
+            <p:ph type="title"/>
+          </p:nvPr>
+        </p:nvSpPr>
+        <p:spPr/>
+        <p:txBody>
+          <a:bodyPr/>
+          <a:lstStyle/>
+          <a:p>
+            <a:r>
+              <a:rPr lang="de-AT" dirty="0"/>
+              <a:t>Inhalt des Kaufvertrags</a:t>
+            </a:r>
+          </a:p>
+        </p:txBody>
+      </p:sp>
+      <p:sp>
+        <p:nvSpPr>
+          <p:cNvPr id="3" name="Inhaltsplatzhalter 2">
+            <a:extLst>
+              <a:ext uri="{FF2B5EF4-FFF2-40B4-BE49-F238E27FC236}">
+                <a16:creationId xmlns:a16="http://schemas.microsoft.com/office/drawing/2014/main" id="{10C3D7B8-B039-424F-A8C1-F4243DA2A5B1}"/>
+              </a:ext>
+            </a:extLst>
+          </p:cNvPr>
+          <p:cNvSpPr>
+            <a:spLocks noGrp="1"/>
+          </p:cNvSpPr>
+          <p:nvPr>
+            <p:ph idx="1"/>
+          </p:nvPr>
+        </p:nvSpPr>
+        <p:spPr>
+          <a:xfrm>
+            <a:off x="1371600" y="2286000"/>
+            <a:ext cx="3141406" cy="3581400"/>
+          </a:xfrm>
+        </p:spPr>
+        <p:txBody>
+          <a:bodyPr/>
+          <a:lstStyle/>
+          <a:p>
+            <a:r>
+              <a:rPr lang="de-AT" dirty="0">
+                <a:solidFill>
+                  <a:schemeClr val="accent6">
+                    <a:lumMod val="75000"/>
+                  </a:schemeClr>
+                </a:solidFill>
+              </a:rPr>
+              <a:t>Verkäufer</a:t>
+            </a:r>
+          </a:p>
+          <a:p>
+            <a:r>
+              <a:rPr lang="de-AT" dirty="0">
+                <a:solidFill>
+                  <a:schemeClr val="accent6">
+                    <a:lumMod val="75000"/>
+                  </a:schemeClr>
+                </a:solidFill>
+              </a:rPr>
+              <a:t>Käufer</a:t>
+            </a:r>
+          </a:p>
+          <a:p>
+            <a:r>
+              <a:rPr lang="de-AT" dirty="0">
+                <a:solidFill>
+                  <a:schemeClr val="accent6">
+                    <a:lumMod val="75000"/>
+                  </a:schemeClr>
+                </a:solidFill>
+              </a:rPr>
+              <a:t>Warenart, Qualität</a:t>
+            </a:r>
+          </a:p>
+          <a:p>
+            <a:r>
+              <a:rPr lang="de-AT" dirty="0">
+                <a:solidFill>
+                  <a:schemeClr val="accent6">
+                    <a:lumMod val="75000"/>
+                  </a:schemeClr>
+                </a:solidFill>
+              </a:rPr>
+              <a:t>Menge</a:t>
+            </a:r>
+          </a:p>
+          <a:p>
+            <a:r>
+              <a:rPr lang="de-AT" dirty="0">
+                <a:solidFill>
+                  <a:schemeClr val="accent6">
+                    <a:lumMod val="75000"/>
+                  </a:schemeClr>
+                </a:solidFill>
+              </a:rPr>
+              <a:t>Preis</a:t>
+            </a:r>
+          </a:p>
+        </p:txBody>
+      </p:sp>
+      <p:sp>
+        <p:nvSpPr>
+          <p:cNvPr id="5" name="Inhaltsplatzhalter 2">
+            <a:extLst>
+              <a:ext uri="{FF2B5EF4-FFF2-40B4-BE49-F238E27FC236}">
+                <a16:creationId xmlns:a16="http://schemas.microsoft.com/office/drawing/2014/main" id="{6D368C10-7C05-4825-B0F9-00F882D13008}"/>
+              </a:ext>
+            </a:extLst>
+          </p:cNvPr>
+          <p:cNvSpPr txBox="1">
+            <a:spLocks/>
+          </p:cNvSpPr>
+          <p:nvPr/>
+        </p:nvSpPr>
+        <p:spPr>
+          <a:xfrm>
+            <a:off x="4886632" y="2286000"/>
+            <a:ext cx="3141406" cy="3581400"/>
+          </a:xfrm>
+          <a:prstGeom prst="rect">
+            <a:avLst/>
+          </a:prstGeom>
+        </p:spPr>
+        <p:txBody>
+          <a:bodyPr vert="horz" lIns="91440" tIns="45720" rIns="91440" bIns="45720" rtlCol="0">
+            <a:normAutofit/>
+          </a:bodyPr>
+          <a:lstStyle>
+            <a:lvl1pPr marL="384048" indent="-384048" algn="l" defTabSz="914400" rtl="0" eaLnBrk="1" latinLnBrk="0" hangingPunct="1">
+              <a:lnSpc>
+                <a:spcPct val="94000"/>
+              </a:lnSpc>
+              <a:spcBef>
+                <a:spcPts val="1000"/>
+              </a:spcBef>
+              <a:spcAft>
+                <a:spcPts val="200"/>
+              </a:spcAft>
+              <a:buFont typeface="Franklin Gothic Book" panose="020B0503020102020204" pitchFamily="34" charset="0"/>
+              <a:buChar char="■"/>
+              <a:defRPr sz="2000" kern="1200" baseline="0">
+                <a:solidFill>
+                  <a:schemeClr val="tx2"/>
+                </a:solidFill>
+                <a:latin typeface="+mn-lt"/>
+                <a:ea typeface="+mn-ea"/>
+                <a:cs typeface="+mn-cs"/>
+              </a:defRPr>
+            </a:lvl1pPr>
+            <a:lvl2pPr marL="914400" indent="-384048" algn="l" defTabSz="914400" rtl="0" eaLnBrk="1" latinLnBrk="0" hangingPunct="1">
+              <a:lnSpc>
+                <a:spcPct val="94000"/>
+              </a:lnSpc>
+              <a:spcBef>
+                <a:spcPts val="500"/>
+              </a:spcBef>
+              <a:spcAft>
+                <a:spcPts val="200"/>
+              </a:spcAft>
+              <a:buFont typeface="Franklin Gothic Book" panose="020B0503020102020204" pitchFamily="34" charset="0"/>
+              <a:buChar char="–"/>
+              <a:defRPr sz="2000" i="1" kern="1200" baseline="0">
+                <a:solidFill>
+                  <a:schemeClr val="tx2"/>
+                </a:solidFill>
+                <a:latin typeface="+mn-lt"/>
+                <a:ea typeface="+mn-ea"/>
+                <a:cs typeface="+mn-cs"/>
+              </a:defRPr>
+            </a:lvl2pPr>
+            <a:lvl3pPr marL="1371600" indent="-384048" algn="l" defTabSz="914400" rtl="0" eaLnBrk="1" latinLnBrk="0" hangingPunct="1">
+              <a:lnSpc>
+                <a:spcPct val="94000"/>
+              </a:lnSpc>
+              <a:spcBef>
+                <a:spcPts val="500"/>
+              </a:spcBef>
+              <a:spcAft>
+                <a:spcPts val="200"/>
+              </a:spcAft>
+              <a:buFont typeface="Franklin Gothic Book" panose="020B0503020102020204" pitchFamily="34" charset="0"/>
+              <a:buChar char="■"/>
+              <a:defRPr sz="1800" kern="1200" baseline="0">
+                <a:solidFill>
+                  <a:schemeClr val="tx2"/>
+                </a:solidFill>
+                <a:latin typeface="+mn-lt"/>
+                <a:ea typeface="+mn-ea"/>
+                <a:cs typeface="+mn-cs"/>
+              </a:defRPr>
+            </a:lvl3pPr>
+            <a:lvl4pPr marL="1828800" indent="-384048" algn="l" defTabSz="914400" rtl="0" eaLnBrk="1" latinLnBrk="0" hangingPunct="1">
+              <a:lnSpc>
+                <a:spcPct val="94000"/>
+              </a:lnSpc>
+              <a:spcBef>
+                <a:spcPts val="500"/>
+              </a:spcBef>
+              <a:spcAft>
+                <a:spcPts val="200"/>
+              </a:spcAft>
+              <a:buFont typeface="Franklin Gothic Book" panose="020B0503020102020204" pitchFamily="34" charset="0"/>
+              <a:buChar char="–"/>
+              <a:defRPr sz="1800" i="1" kern="1200" baseline="0">
+                <a:solidFill>
+                  <a:schemeClr val="tx2"/>
+                </a:solidFill>
+                <a:latin typeface="+mn-lt"/>
+                <a:ea typeface="+mn-ea"/>
+                <a:cs typeface="+mn-cs"/>
+              </a:defRPr>
+            </a:lvl4pPr>
+            <a:lvl5pPr marL="2286000" indent="-384048" algn="l" defTabSz="914400" rtl="0" eaLnBrk="1" latinLnBrk="0" hangingPunct="1">
+              <a:lnSpc>
+                <a:spcPct val="94000"/>
+              </a:lnSpc>
+              <a:spcBef>
+                <a:spcPts val="500"/>
+              </a:spcBef>
+              <a:spcAft>
+                <a:spcPts val="200"/>
+              </a:spcAft>
+              <a:buFont typeface="Franklin Gothic Book" panose="020B0503020102020204" pitchFamily="34" charset="0"/>
+              <a:buChar char="■"/>
+              <a:defRPr sz="1600" kern="1200" baseline="0">
+                <a:solidFill>
+                  <a:schemeClr val="tx2"/>
+                </a:solidFill>
+                <a:latin typeface="+mn-lt"/>
+                <a:ea typeface="+mn-ea"/>
+                <a:cs typeface="+mn-cs"/>
+              </a:defRPr>
+            </a:lvl5pPr>
+            <a:lvl6pPr marL="2743200" indent="-384048" algn="l" defTabSz="914400" rtl="0" eaLnBrk="1" latinLnBrk="0" hangingPunct="1">
+              <a:lnSpc>
+                <a:spcPct val="94000"/>
+              </a:lnSpc>
+              <a:spcBef>
+                <a:spcPts val="500"/>
+              </a:spcBef>
+              <a:spcAft>
+                <a:spcPts val="200"/>
+              </a:spcAft>
+              <a:buFont typeface="Franklin Gothic Book" panose="020B0503020102020204" pitchFamily="34" charset="0"/>
+              <a:buChar char="–"/>
+              <a:defRPr sz="1600" i="1" kern="1200" baseline="0">
+                <a:solidFill>
+                  <a:schemeClr val="tx2"/>
+                </a:solidFill>
+                <a:latin typeface="+mn-lt"/>
+                <a:ea typeface="+mn-ea"/>
+                <a:cs typeface="+mn-cs"/>
+              </a:defRPr>
+            </a:lvl6pPr>
+            <a:lvl7pPr marL="3200400" indent="-384048" algn="l" defTabSz="914400" rtl="0" eaLnBrk="1" latinLnBrk="0" hangingPunct="1">
+              <a:lnSpc>
+                <a:spcPct val="94000"/>
+              </a:lnSpc>
+              <a:spcBef>
+                <a:spcPts val="500"/>
+              </a:spcBef>
+              <a:spcAft>
+                <a:spcPts val="200"/>
+              </a:spcAft>
+              <a:buFont typeface="Franklin Gothic Book" panose="020B0503020102020204" pitchFamily="34" charset="0"/>
+              <a:buChar char="■"/>
+              <a:defRPr sz="1400" kern="1200" baseline="0">
+                <a:solidFill>
+                  <a:schemeClr val="tx2"/>
+                </a:solidFill>
+                <a:latin typeface="+mn-lt"/>
+                <a:ea typeface="+mn-ea"/>
+                <a:cs typeface="+mn-cs"/>
+              </a:defRPr>
+            </a:lvl7pPr>
+            <a:lvl8pPr marL="3657600" indent="-384048" algn="l" defTabSz="914400" rtl="0" eaLnBrk="1" latinLnBrk="0" hangingPunct="1">
+              <a:lnSpc>
+                <a:spcPct val="94000"/>
+              </a:lnSpc>
+              <a:spcBef>
+                <a:spcPts val="500"/>
+              </a:spcBef>
+              <a:spcAft>
+                <a:spcPts val="200"/>
+              </a:spcAft>
+              <a:buFont typeface="Franklin Gothic Book" panose="020B0503020102020204" pitchFamily="34" charset="0"/>
+              <a:buChar char="–"/>
+              <a:defRPr sz="1400" i="1" kern="1200" baseline="0">
+                <a:solidFill>
+                  <a:schemeClr val="tx2"/>
+                </a:solidFill>
+                <a:latin typeface="+mn-lt"/>
+                <a:ea typeface="+mn-ea"/>
+                <a:cs typeface="+mn-cs"/>
+              </a:defRPr>
+            </a:lvl8pPr>
+            <a:lvl9pPr marL="4114800" indent="-384048" algn="l" defTabSz="914400" rtl="0" eaLnBrk="1" latinLnBrk="0" hangingPunct="1">
+              <a:lnSpc>
+                <a:spcPct val="94000"/>
+              </a:lnSpc>
+              <a:spcBef>
+                <a:spcPts val="500"/>
+              </a:spcBef>
+              <a:spcAft>
+                <a:spcPts val="200"/>
+              </a:spcAft>
+              <a:buFont typeface="Franklin Gothic Book" panose="020B0503020102020204" pitchFamily="34" charset="0"/>
+              <a:buChar char="■"/>
+              <a:defRPr sz="1400" kern="1200" baseline="0">
+                <a:solidFill>
+                  <a:schemeClr val="tx2"/>
+                </a:solidFill>
+                <a:latin typeface="+mn-lt"/>
+                <a:ea typeface="+mn-ea"/>
+                <a:cs typeface="+mn-cs"/>
+              </a:defRPr>
+            </a:lvl9pPr>
+          </a:lstStyle>
+          <a:p>
+            <a:r>
+              <a:rPr lang="de-AT" dirty="0">
+                <a:solidFill>
+                  <a:schemeClr val="tx2">
+                    <a:lumMod val="50000"/>
+                    <a:lumOff val="50000"/>
+                  </a:schemeClr>
+                </a:solidFill>
+              </a:rPr>
+              <a:t>Lieferzeit</a:t>
+            </a:r>
+          </a:p>
+          <a:p>
+            <a:r>
+              <a:rPr lang="de-AT" dirty="0">
+                <a:solidFill>
+                  <a:schemeClr val="tx2">
+                    <a:lumMod val="50000"/>
+                    <a:lumOff val="50000"/>
+                  </a:schemeClr>
+                </a:solidFill>
+              </a:rPr>
+              <a:t>Lieferort</a:t>
+            </a:r>
+          </a:p>
+          <a:p>
+            <a:r>
+              <a:rPr lang="de-AT" dirty="0">
+                <a:solidFill>
+                  <a:schemeClr val="tx2">
+                    <a:lumMod val="50000"/>
+                    <a:lumOff val="50000"/>
+                  </a:schemeClr>
+                </a:solidFill>
+              </a:rPr>
+              <a:t>Kostenübergang</a:t>
+            </a:r>
+          </a:p>
+          <a:p>
+            <a:r>
+              <a:rPr lang="de-AT" dirty="0">
+                <a:solidFill>
+                  <a:schemeClr val="tx2">
+                    <a:lumMod val="50000"/>
+                    <a:lumOff val="50000"/>
+                  </a:schemeClr>
+                </a:solidFill>
+              </a:rPr>
+              <a:t>Zahlungszeit</a:t>
+            </a:r>
+          </a:p>
+          <a:p>
+            <a:r>
+              <a:rPr lang="de-AT" dirty="0">
+                <a:solidFill>
+                  <a:schemeClr val="tx2">
+                    <a:lumMod val="50000"/>
+                    <a:lumOff val="50000"/>
+                  </a:schemeClr>
+                </a:solidFill>
+              </a:rPr>
+              <a:t>Art der Zahlung</a:t>
+            </a:r>
+          </a:p>
+        </p:txBody>
+      </p:sp>
+      <p:sp>
+        <p:nvSpPr>
+          <p:cNvPr id="6" name="Inhaltsplatzhalter 2">
+            <a:extLst>
+              <a:ext uri="{FF2B5EF4-FFF2-40B4-BE49-F238E27FC236}">
+                <a16:creationId xmlns:a16="http://schemas.microsoft.com/office/drawing/2014/main" id="{7D15D572-B90E-435C-BEE9-9530097530DD}"/>
+              </a:ext>
+            </a:extLst>
+          </p:cNvPr>
+          <p:cNvSpPr txBox="1">
+            <a:spLocks/>
+          </p:cNvSpPr>
+          <p:nvPr/>
+        </p:nvSpPr>
+        <p:spPr>
+          <a:xfrm>
+            <a:off x="8028038" y="2286000"/>
+            <a:ext cx="3338052" cy="3581400"/>
+          </a:xfrm>
+          <a:prstGeom prst="rect">
+            <a:avLst/>
+          </a:prstGeom>
+        </p:spPr>
+        <p:txBody>
+          <a:bodyPr vert="horz" lIns="91440" tIns="45720" rIns="91440" bIns="45720" rtlCol="0">
+            <a:normAutofit/>
+          </a:bodyPr>
+          <a:lstStyle>
+            <a:lvl1pPr marL="384048" indent="-384048" algn="l" defTabSz="914400" rtl="0" eaLnBrk="1" latinLnBrk="0" hangingPunct="1">
+              <a:lnSpc>
+                <a:spcPct val="94000"/>
+              </a:lnSpc>
+              <a:spcBef>
+                <a:spcPts val="1000"/>
+              </a:spcBef>
+              <a:spcAft>
+                <a:spcPts val="200"/>
+              </a:spcAft>
+              <a:buFont typeface="Franklin Gothic Book" panose="020B0503020102020204" pitchFamily="34" charset="0"/>
+              <a:buChar char="■"/>
+              <a:defRPr sz="2000" kern="1200" baseline="0">
+                <a:solidFill>
+                  <a:schemeClr val="tx2"/>
+                </a:solidFill>
+                <a:latin typeface="+mn-lt"/>
+                <a:ea typeface="+mn-ea"/>
+                <a:cs typeface="+mn-cs"/>
+              </a:defRPr>
+            </a:lvl1pPr>
+            <a:lvl2pPr marL="914400" indent="-384048" algn="l" defTabSz="914400" rtl="0" eaLnBrk="1" latinLnBrk="0" hangingPunct="1">
+              <a:lnSpc>
+                <a:spcPct val="94000"/>
+              </a:lnSpc>
+              <a:spcBef>
+                <a:spcPts val="500"/>
+              </a:spcBef>
+              <a:spcAft>
+                <a:spcPts val="200"/>
+              </a:spcAft>
+              <a:buFont typeface="Franklin Gothic Book" panose="020B0503020102020204" pitchFamily="34" charset="0"/>
+              <a:buChar char="–"/>
+              <a:defRPr sz="2000" i="1" kern="1200" baseline="0">
+                <a:solidFill>
+                  <a:schemeClr val="tx2"/>
+                </a:solidFill>
+                <a:latin typeface="+mn-lt"/>
+                <a:ea typeface="+mn-ea"/>
+                <a:cs typeface="+mn-cs"/>
+              </a:defRPr>
+            </a:lvl2pPr>
+            <a:lvl3pPr marL="1371600" indent="-384048" algn="l" defTabSz="914400" rtl="0" eaLnBrk="1" latinLnBrk="0" hangingPunct="1">
+              <a:lnSpc>
+                <a:spcPct val="94000"/>
+              </a:lnSpc>
+              <a:spcBef>
+                <a:spcPts val="500"/>
+              </a:spcBef>
+              <a:spcAft>
+                <a:spcPts val="200"/>
+              </a:spcAft>
+              <a:buFont typeface="Franklin Gothic Book" panose="020B0503020102020204" pitchFamily="34" charset="0"/>
+              <a:buChar char="■"/>
+              <a:defRPr sz="1800" kern="1200" baseline="0">
+                <a:solidFill>
+                  <a:schemeClr val="tx2"/>
+                </a:solidFill>
+                <a:latin typeface="+mn-lt"/>
+                <a:ea typeface="+mn-ea"/>
+                <a:cs typeface="+mn-cs"/>
+              </a:defRPr>
+            </a:lvl3pPr>
+            <a:lvl4pPr marL="1828800" indent="-384048" algn="l" defTabSz="914400" rtl="0" eaLnBrk="1" latinLnBrk="0" hangingPunct="1">
+              <a:lnSpc>
+                <a:spcPct val="94000"/>
+              </a:lnSpc>
+              <a:spcBef>
+                <a:spcPts val="500"/>
+              </a:spcBef>
+              <a:spcAft>
+                <a:spcPts val="200"/>
+              </a:spcAft>
+              <a:buFont typeface="Franklin Gothic Book" panose="020B0503020102020204" pitchFamily="34" charset="0"/>
+              <a:buChar char="–"/>
+              <a:defRPr sz="1800" i="1" kern="1200" baseline="0">
+                <a:solidFill>
+                  <a:schemeClr val="tx2"/>
+                </a:solidFill>
+                <a:latin typeface="+mn-lt"/>
+                <a:ea typeface="+mn-ea"/>
+                <a:cs typeface="+mn-cs"/>
+              </a:defRPr>
+            </a:lvl4pPr>
+            <a:lvl5pPr marL="2286000" indent="-384048" algn="l" defTabSz="914400" rtl="0" eaLnBrk="1" latinLnBrk="0" hangingPunct="1">
+              <a:lnSpc>
+                <a:spcPct val="94000"/>
+              </a:lnSpc>
+              <a:spcBef>
+                <a:spcPts val="500"/>
+              </a:spcBef>
+              <a:spcAft>
+                <a:spcPts val="200"/>
+              </a:spcAft>
+              <a:buFont typeface="Franklin Gothic Book" panose="020B0503020102020204" pitchFamily="34" charset="0"/>
+              <a:buChar char="■"/>
+              <a:defRPr sz="1600" kern="1200" baseline="0">
+                <a:solidFill>
+                  <a:schemeClr val="tx2"/>
+                </a:solidFill>
+                <a:latin typeface="+mn-lt"/>
+                <a:ea typeface="+mn-ea"/>
+                <a:cs typeface="+mn-cs"/>
+              </a:defRPr>
+            </a:lvl5pPr>
+            <a:lvl6pPr marL="2743200" indent="-384048" algn="l" defTabSz="914400" rtl="0" eaLnBrk="1" latinLnBrk="0" hangingPunct="1">
+              <a:lnSpc>
+                <a:spcPct val="94000"/>
+              </a:lnSpc>
+              <a:spcBef>
+                <a:spcPts val="500"/>
+              </a:spcBef>
+              <a:spcAft>
+                <a:spcPts val="200"/>
+              </a:spcAft>
+              <a:buFont typeface="Franklin Gothic Book" panose="020B0503020102020204" pitchFamily="34" charset="0"/>
+              <a:buChar char="–"/>
+              <a:defRPr sz="1600" i="1" kern="1200" baseline="0">
+                <a:solidFill>
+                  <a:schemeClr val="tx2"/>
+                </a:solidFill>
+                <a:latin typeface="+mn-lt"/>
+                <a:ea typeface="+mn-ea"/>
+                <a:cs typeface="+mn-cs"/>
+              </a:defRPr>
+            </a:lvl6pPr>
+            <a:lvl7pPr marL="3200400" indent="-384048" algn="l" defTabSz="914400" rtl="0" eaLnBrk="1" latinLnBrk="0" hangingPunct="1">
+              <a:lnSpc>
+                <a:spcPct val="94000"/>
+              </a:lnSpc>
+              <a:spcBef>
+                <a:spcPts val="500"/>
+              </a:spcBef>
+              <a:spcAft>
+                <a:spcPts val="200"/>
+              </a:spcAft>
+              <a:buFont typeface="Franklin Gothic Book" panose="020B0503020102020204" pitchFamily="34" charset="0"/>
+              <a:buChar char="■"/>
+              <a:defRPr sz="1400" kern="1200" baseline="0">
+                <a:solidFill>
+                  <a:schemeClr val="tx2"/>
+                </a:solidFill>
+                <a:latin typeface="+mn-lt"/>
+                <a:ea typeface="+mn-ea"/>
+                <a:cs typeface="+mn-cs"/>
+              </a:defRPr>
+            </a:lvl7pPr>
+            <a:lvl8pPr marL="3657600" indent="-384048" algn="l" defTabSz="914400" rtl="0" eaLnBrk="1" latinLnBrk="0" hangingPunct="1">
+              <a:lnSpc>
+                <a:spcPct val="94000"/>
+              </a:lnSpc>
+              <a:spcBef>
+                <a:spcPts val="500"/>
+              </a:spcBef>
+              <a:spcAft>
+                <a:spcPts val="200"/>
+              </a:spcAft>
+              <a:buFont typeface="Franklin Gothic Book" panose="020B0503020102020204" pitchFamily="34" charset="0"/>
+              <a:buChar char="–"/>
+              <a:defRPr sz="1400" i="1" kern="1200" baseline="0">
+                <a:solidFill>
+                  <a:schemeClr val="tx2"/>
+                </a:solidFill>
+                <a:latin typeface="+mn-lt"/>
+                <a:ea typeface="+mn-ea"/>
+                <a:cs typeface="+mn-cs"/>
+              </a:defRPr>
+            </a:lvl8pPr>
+            <a:lvl9pPr marL="4114800" indent="-384048" algn="l" defTabSz="914400" rtl="0" eaLnBrk="1" latinLnBrk="0" hangingPunct="1">
+              <a:lnSpc>
+                <a:spcPct val="94000"/>
+              </a:lnSpc>
+              <a:spcBef>
+                <a:spcPts val="500"/>
+              </a:spcBef>
+              <a:spcAft>
+                <a:spcPts val="200"/>
+              </a:spcAft>
+              <a:buFont typeface="Franklin Gothic Book" panose="020B0503020102020204" pitchFamily="34" charset="0"/>
+              <a:buChar char="■"/>
+              <a:defRPr sz="1400" kern="1200" baseline="0">
+                <a:solidFill>
+                  <a:schemeClr val="tx2"/>
+                </a:solidFill>
+                <a:latin typeface="+mn-lt"/>
+                <a:ea typeface="+mn-ea"/>
+                <a:cs typeface="+mn-cs"/>
+              </a:defRPr>
+            </a:lvl9pPr>
+          </a:lstStyle>
+          <a:p>
+            <a:r>
+              <a:rPr lang="de-AT" dirty="0">
+                <a:solidFill>
+                  <a:schemeClr val="accent5">
+                    <a:lumMod val="75000"/>
+                  </a:schemeClr>
+                </a:solidFill>
+              </a:rPr>
+              <a:t>Verpackung</a:t>
+            </a:r>
+          </a:p>
+          <a:p>
+            <a:r>
+              <a:rPr lang="de-AT" dirty="0">
+                <a:solidFill>
+                  <a:schemeClr val="accent5">
+                    <a:lumMod val="75000"/>
+                  </a:schemeClr>
+                </a:solidFill>
+              </a:rPr>
+              <a:t>Transport</a:t>
+            </a:r>
+          </a:p>
+          <a:p>
+            <a:r>
+              <a:rPr lang="de-AT" dirty="0">
+                <a:solidFill>
+                  <a:schemeClr val="accent5">
+                    <a:lumMod val="75000"/>
+                  </a:schemeClr>
+                </a:solidFill>
+              </a:rPr>
+              <a:t>Nebenleistungen</a:t>
+            </a:r>
+          </a:p>
+          <a:p>
+            <a:r>
+              <a:rPr lang="de-AT" dirty="0">
+                <a:solidFill>
+                  <a:schemeClr val="accent5">
+                    <a:lumMod val="75000"/>
+                  </a:schemeClr>
+                </a:solidFill>
+              </a:rPr>
+              <a:t>Gewährleistung u. Garantie</a:t>
+            </a:r>
+          </a:p>
+        </p:txBody>
+      </p:sp>
+    </p:spTree>
+    <p:extLst>
+      <p:ext uri="{BB962C8B-B14F-4D97-AF65-F5344CB8AC3E}">
+        <p14:creationId xmlns:p14="http://schemas.microsoft.com/office/powerpoint/2010/main" val="4189374023"/>
+      </p:ext>
+    </p:extLst>
+  </p:cSld>
+  <p:clrMapOvr>
+    <a:masterClrMapping/>
+  </p:clrMapOvr>
+</p:sld>
+</file>
+
+<file path=ppt/slides/slide7.xml><?xml version="1.0" encoding="utf-8"?>
+<p:sld xmlns:a="http://schemas.openxmlformats.org/drawingml/2006/main" xmlns:r="http://schemas.openxmlformats.org/officeDocument/2006/relationships" xmlns:p="http://schemas.openxmlformats.org/presentationml/2006/main">
+  <p:cSld>
+    <p:spTree>
+      <p:nvGrpSpPr>
+        <p:cNvPr id="1" name=""/>
+        <p:cNvGrpSpPr/>
+        <p:nvPr/>
+      </p:nvGrpSpPr>
+      <p:grpSpPr>
+        <a:xfrm>
+          <a:off x="0" y="0"/>
+          <a:ext cx="0" cy="0"/>
+          <a:chOff x="0" y="0"/>
+          <a:chExt cx="0" cy="0"/>
+        </a:xfrm>
+      </p:grpSpPr>
+      <p:sp>
+        <p:nvSpPr>
+          <p:cNvPr id="2" name="Titel 1">
+            <a:extLst>
+              <a:ext uri="{FF2B5EF4-FFF2-40B4-BE49-F238E27FC236}">
+                <a16:creationId xmlns:a16="http://schemas.microsoft.com/office/drawing/2014/main" id="{A920D29A-822C-4D30-935A-1BE538AF63C5}"/>
+              </a:ext>
+            </a:extLst>
+          </p:cNvPr>
+          <p:cNvSpPr>
+            <a:spLocks noGrp="1"/>
+          </p:cNvSpPr>
+          <p:nvPr>
+            <p:ph type="title"/>
+          </p:nvPr>
+        </p:nvSpPr>
+        <p:spPr/>
+        <p:txBody>
+          <a:bodyPr/>
+          <a:lstStyle/>
+          <a:p>
+            <a:r>
+              <a:rPr lang="de-AT" dirty="0"/>
+              <a:t>Angabe der Warenart (Qualität)</a:t>
+            </a:r>
+          </a:p>
+        </p:txBody>
+      </p:sp>
+      <p:sp>
+        <p:nvSpPr>
+          <p:cNvPr id="3" name="Inhaltsplatzhalter 2">
+            <a:extLst>
+              <a:ext uri="{FF2B5EF4-FFF2-40B4-BE49-F238E27FC236}">
+                <a16:creationId xmlns:a16="http://schemas.microsoft.com/office/drawing/2014/main" id="{7F3921E5-B3CB-4803-86B6-CFB6B4E37086}"/>
+              </a:ext>
+            </a:extLst>
+          </p:cNvPr>
+          <p:cNvSpPr>
+            <a:spLocks noGrp="1"/>
+          </p:cNvSpPr>
+          <p:nvPr>
+            <p:ph idx="1"/>
+          </p:nvPr>
+        </p:nvSpPr>
+        <p:spPr/>
+        <p:txBody>
+          <a:bodyPr/>
+          <a:lstStyle/>
+          <a:p>
+            <a:r>
+              <a:rPr lang="de-AT" dirty="0"/>
+              <a:t>Vertretbare Waren (z.B.: Jacke eines bestimmten Modells)</a:t>
+            </a:r>
+          </a:p>
+          <a:p>
+            <a:r>
+              <a:rPr lang="de-AT" dirty="0"/>
+              <a:t>Nicht vertretbare Waren (z.B.: Einzelstücke)</a:t>
+            </a:r>
+          </a:p>
+          <a:p>
+            <a:endParaRPr lang="de-AT" dirty="0"/>
+          </a:p>
+        </p:txBody>
+      </p:sp>
+    </p:spTree>
+    <p:extLst>
+      <p:ext uri="{BB962C8B-B14F-4D97-AF65-F5344CB8AC3E}">
+        <p14:creationId xmlns:p14="http://schemas.microsoft.com/office/powerpoint/2010/main" val="2371068023"/>
+      </p:ext>
+    </p:extLst>
+  </p:cSld>
+  <p:clrMapOvr>
+    <a:masterClrMapping/>
+  </p:clrMapOvr>
+</p:sld>
+</file>
+
+<file path=ppt/slides/slide8.xml><?xml version="1.0" encoding="utf-8"?>
+<p:sld xmlns:a="http://schemas.openxmlformats.org/drawingml/2006/main" xmlns:r="http://schemas.openxmlformats.org/officeDocument/2006/relationships" xmlns:p="http://schemas.openxmlformats.org/presentationml/2006/main">
+  <p:cSld>
+    <p:spTree>
+      <p:nvGrpSpPr>
+        <p:cNvPr id="1" name=""/>
+        <p:cNvGrpSpPr/>
+        <p:nvPr/>
+      </p:nvGrpSpPr>
+      <p:grpSpPr>
+        <a:xfrm>
+          <a:off x="0" y="0"/>
+          <a:ext cx="0" cy="0"/>
+          <a:chOff x="0" y="0"/>
+          <a:chExt cx="0" cy="0"/>
+        </a:xfrm>
+      </p:grpSpPr>
+      <p:sp>
+        <p:nvSpPr>
+          <p:cNvPr id="2" name="Titel 1">
+            <a:extLst>
+              <a:ext uri="{FF2B5EF4-FFF2-40B4-BE49-F238E27FC236}">
+                <a16:creationId xmlns:a16="http://schemas.microsoft.com/office/drawing/2014/main" id="{6369DD8B-B524-4C60-B0C5-62E67B3CB508}"/>
+              </a:ext>
+            </a:extLst>
+          </p:cNvPr>
+          <p:cNvSpPr>
+            <a:spLocks noGrp="1"/>
+          </p:cNvSpPr>
+          <p:nvPr>
+            <p:ph type="title"/>
+          </p:nvPr>
+        </p:nvSpPr>
+        <p:spPr/>
+        <p:txBody>
+          <a:bodyPr/>
+          <a:lstStyle/>
+          <a:p>
+            <a:r>
+              <a:rPr lang="de-AT" dirty="0"/>
+              <a:t>Marken</a:t>
+            </a:r>
+          </a:p>
+        </p:txBody>
+      </p:sp>
+      <p:sp>
+        <p:nvSpPr>
+          <p:cNvPr id="3" name="Inhaltsplatzhalter 2">
+            <a:extLst>
+              <a:ext uri="{FF2B5EF4-FFF2-40B4-BE49-F238E27FC236}">
+                <a16:creationId xmlns:a16="http://schemas.microsoft.com/office/drawing/2014/main" id="{04692B44-39F4-4599-AABA-475066068808}"/>
+              </a:ext>
+            </a:extLst>
+          </p:cNvPr>
+          <p:cNvSpPr>
+            <a:spLocks noGrp="1"/>
+          </p:cNvSpPr>
+          <p:nvPr>
+            <p:ph idx="1"/>
+          </p:nvPr>
+        </p:nvSpPr>
+        <p:spPr/>
+        <p:txBody>
+          <a:bodyPr/>
+          <a:lstStyle/>
+          <a:p>
+            <a:r>
+              <a:rPr lang="de-AT" dirty="0"/>
+              <a:t>Markenschutz (Markenregister)</a:t>
+            </a:r>
+          </a:p>
+          <a:p>
+            <a:r>
+              <a:rPr lang="de-AT" dirty="0"/>
+              <a:t>Fabrikmarken (Erzeuger)</a:t>
+            </a:r>
+          </a:p>
+          <a:p>
+            <a:r>
+              <a:rPr lang="de-AT" dirty="0"/>
+              <a:t>Handelsmarken (Händler)</a:t>
+            </a:r>
+          </a:p>
+          <a:p>
+            <a:r>
+              <a:rPr lang="de-AT" dirty="0"/>
+              <a:t>Typen (z.B.: VW Golf)</a:t>
+            </a:r>
+          </a:p>
+          <a:p>
+            <a:r>
+              <a:rPr lang="de-AT" dirty="0"/>
+              <a:t>Normen (Papierformate)</a:t>
+            </a:r>
+          </a:p>
+          <a:p>
+            <a:r>
+              <a:rPr lang="de-AT" dirty="0"/>
+              <a:t>Handelsklassen (Qualität von Lebensmitteln)</a:t>
+            </a:r>
+          </a:p>
+        </p:txBody>
+      </p:sp>
+    </p:spTree>
+    <p:extLst>
+      <p:ext uri="{BB962C8B-B14F-4D97-AF65-F5344CB8AC3E}">
+        <p14:creationId xmlns:p14="http://schemas.microsoft.com/office/powerpoint/2010/main" val="116153732"/>
+      </p:ext>
+    </p:extLst>
+  </p:cSld>
+  <p:clrMapOvr>
+    <a:masterClrMapping/>
+  </p:clrMapOvr>
+</p:sld>
+</file>
+
+<file path=ppt/slides/slide9.xml><?xml version="1.0" encoding="utf-8"?>
+<p:sld xmlns:a="http://schemas.openxmlformats.org/drawingml/2006/main" xmlns:r="http://schemas.openxmlformats.org/officeDocument/2006/relationships" xmlns:p="http://schemas.openxmlformats.org/presentationml/2006/main">
+  <p:cSld>
+    <p:spTree>
+      <p:nvGrpSpPr>
+        <p:cNvPr id="1" name=""/>
+        <p:cNvGrpSpPr/>
+        <p:nvPr/>
+      </p:nvGrpSpPr>
+      <p:grpSpPr>
+        <a:xfrm>
+          <a:off x="0" y="0"/>
+          <a:ext cx="0" cy="0"/>
+          <a:chOff x="0" y="0"/>
+          <a:chExt cx="0" cy="0"/>
+        </a:xfrm>
+      </p:grpSpPr>
+      <p:sp>
+        <p:nvSpPr>
+          <p:cNvPr id="2" name="Titel 1">
+            <a:extLst>
+              <a:ext uri="{FF2B5EF4-FFF2-40B4-BE49-F238E27FC236}">
+                <a16:creationId xmlns:a16="http://schemas.microsoft.com/office/drawing/2014/main" id="{5F666B9A-E33E-4436-9487-18320288961A}"/>
+              </a:ext>
+            </a:extLst>
+          </p:cNvPr>
+          <p:cNvSpPr>
+            <a:spLocks noGrp="1"/>
+          </p:cNvSpPr>
+          <p:nvPr>
+            <p:ph type="title"/>
+          </p:nvPr>
+        </p:nvSpPr>
+        <p:spPr/>
+        <p:txBody>
+          <a:bodyPr/>
+          <a:lstStyle/>
+          <a:p>
+            <a:r>
+              <a:rPr lang="de-AT" dirty="0"/>
+              <a:t>Angabe der Warenart (Qualität)</a:t>
+            </a:r>
+          </a:p>
+        </p:txBody>
+      </p:sp>
+      <p:sp>
+        <p:nvSpPr>
+          <p:cNvPr id="3" name="Inhaltsplatzhalter 2">
+            <a:extLst>
+              <a:ext uri="{FF2B5EF4-FFF2-40B4-BE49-F238E27FC236}">
+                <a16:creationId xmlns:a16="http://schemas.microsoft.com/office/drawing/2014/main" id="{420AA34D-EC13-4295-A1EB-99642B6959B9}"/>
+              </a:ext>
+            </a:extLst>
+          </p:cNvPr>
+          <p:cNvSpPr>
+            <a:spLocks noGrp="1"/>
+          </p:cNvSpPr>
+          <p:nvPr>
+            <p:ph idx="1"/>
+          </p:nvPr>
+        </p:nvSpPr>
+        <p:spPr/>
+        <p:txBody>
+          <a:bodyPr/>
+          <a:lstStyle/>
+          <a:p>
+            <a:r>
+              <a:rPr lang="de-AT" dirty="0"/>
+              <a:t>Muster und Proben</a:t>
+            </a:r>
+          </a:p>
+          <a:p>
+            <a:r>
+              <a:rPr lang="de-AT" dirty="0"/>
+              <a:t>Besichtigung der Ware</a:t>
+            </a:r>
+          </a:p>
+          <a:p>
+            <a:r>
+              <a:rPr lang="de-AT" dirty="0"/>
+              <a:t>Beschreibung und Abbildung</a:t>
+            </a:r>
+          </a:p>
+        </p:txBody>
+      </p:sp>
+    </p:spTree>
+    <p:extLst>
+      <p:ext uri="{BB962C8B-B14F-4D97-AF65-F5344CB8AC3E}">
+        <p14:creationId xmlns:p14="http://schemas.microsoft.com/office/powerpoint/2010/main" val="3679692652"/>
       </p:ext>
     </p:extLst>
   </p:cSld>
@@ -4292,4 +10763,299 @@
     </a:ext>
   </a:extLst>
 </a:theme>
+</file>
+
+<file path=ppt/theme/theme2.xml><?xml version="1.0" encoding="utf-8"?>
+<a:theme xmlns:a="http://schemas.openxmlformats.org/drawingml/2006/main" name="Office">
+  <a:themeElements>
+    <a:clrScheme name="Office">
+      <a:dk1>
+        <a:sysClr val="windowText" lastClr="000000"/>
+      </a:dk1>
+      <a:lt1>
+        <a:sysClr val="window" lastClr="FFFFFF"/>
+      </a:lt1>
+      <a:dk2>
+        <a:srgbClr val="44546A"/>
+      </a:dk2>
+      <a:lt2>
+        <a:srgbClr val="E7E6E6"/>
+      </a:lt2>
+      <a:accent1>
+        <a:srgbClr val="4472C4"/>
+      </a:accent1>
+      <a:accent2>
+        <a:srgbClr val="ED7D31"/>
+      </a:accent2>
+      <a:accent3>
+        <a:srgbClr val="A5A5A5"/>
+      </a:accent3>
+      <a:accent4>
+        <a:srgbClr val="FFC000"/>
+      </a:accent4>
+      <a:accent5>
+        <a:srgbClr val="5B9BD5"/>
+      </a:accent5>
+      <a:accent6>
+        <a:srgbClr val="70AD47"/>
+      </a:accent6>
+      <a:hlink>
+        <a:srgbClr val="0563C1"/>
+      </a:hlink>
+      <a:folHlink>
+        <a:srgbClr val="954F72"/>
+      </a:folHlink>
+    </a:clrScheme>
+    <a:fontScheme name="Office">
+      <a:majorFont>
+        <a:latin typeface="Calibri Light" panose="020F0302020204030204"/>
+        <a:ea typeface=""/>
+        <a:cs typeface=""/>
+        <a:font script="Jpan" typeface="游ゴシック Light"/>
+        <a:font script="Hang" typeface="맑은 고딕"/>
+        <a:font script="Hans" typeface="等线 Light"/>
+        <a:font script="Hant" typeface="新細明體"/>
+        <a:font script="Arab" typeface="Times New Roman"/>
+        <a:font script="Hebr" typeface="Times New Roman"/>
+        <a:font script="Thai" typeface="Angsana New"/>
+        <a:font script="Ethi" typeface="Nyala"/>
+        <a:font script="Beng" typeface="Vrinda"/>
+        <a:font script="Gujr" typeface="Shruti"/>
+        <a:font script="Khmr" typeface="MoolBoran"/>
+        <a:font script="Knda" typeface="Tunga"/>
+        <a:font script="Guru" typeface="Raavi"/>
+        <a:font script="Cans" typeface="Euphemia"/>
+        <a:font script="Cher" typeface="Plantagenet Cherokee"/>
+        <a:font script="Yiii" typeface="Microsoft Yi Baiti"/>
+        <a:font script="Tibt" typeface="Microsoft Himalaya"/>
+        <a:font script="Thaa" typeface="MV Boli"/>
+        <a:font script="Deva" typeface="Mangal"/>
+        <a:font script="Telu" typeface="Gautami"/>
+        <a:font script="Taml" typeface="Latha"/>
+        <a:font script="Syrc" typeface="Estrangelo Edessa"/>
+        <a:font script="Orya" typeface="Kalinga"/>
+        <a:font script="Mlym" typeface="Kartika"/>
+        <a:font script="Laoo" typeface="DokChampa"/>
+        <a:font script="Sinh" typeface="Iskoola Pota"/>
+        <a:font script="Mong" typeface="Mongolian Baiti"/>
+        <a:font script="Viet" typeface="Times New Roman"/>
+        <a:font script="Uigh" typeface="Microsoft Uighur"/>
+        <a:font script="Geor" typeface="Sylfaen"/>
+        <a:font script="Armn" typeface="Arial"/>
+        <a:font script="Bugi" typeface="Leelawadee UI"/>
+        <a:font script="Bopo" typeface="Microsoft JhengHei"/>
+        <a:font script="Java" typeface="Javanese Text"/>
+        <a:font script="Lisu" typeface="Segoe UI"/>
+        <a:font script="Mymr" typeface="Myanmar Text"/>
+        <a:font script="Nkoo" typeface="Ebrima"/>
+        <a:font script="Olck" typeface="Nirmala UI"/>
+        <a:font script="Osma" typeface="Ebrima"/>
+        <a:font script="Phag" typeface="Phagspa"/>
+        <a:font script="Syrn" typeface="Estrangelo Edessa"/>
+        <a:font script="Syrj" typeface="Estrangelo Edessa"/>
+        <a:font script="Syre" typeface="Estrangelo Edessa"/>
+        <a:font script="Sora" typeface="Nirmala UI"/>
+        <a:font script="Tale" typeface="Microsoft Tai Le"/>
+        <a:font script="Talu" typeface="Microsoft New Tai Lue"/>
+        <a:font script="Tfng" typeface="Ebrima"/>
+      </a:majorFont>
+      <a:minorFont>
+        <a:latin typeface="Calibri" panose="020F0502020204030204"/>
+        <a:ea typeface=""/>
+        <a:cs typeface=""/>
+        <a:font script="Jpan" typeface="游ゴシック"/>
+        <a:font script="Hang" typeface="맑은 고딕"/>
+        <a:font script="Hans" typeface="等线"/>
+        <a:font script="Hant" typeface="新細明體"/>
+        <a:font script="Arab" typeface="Arial"/>
+        <a:font script="Hebr" typeface="Arial"/>
+        <a:font script="Thai" typeface="Cordia New"/>
+        <a:font script="Ethi" typeface="Nyala"/>
+        <a:font script="Beng" typeface="Vrinda"/>
+        <a:font script="Gujr" typeface="Shruti"/>
+        <a:font script="Khmr" typeface="DaunPenh"/>
+        <a:font script="Knda" typeface="Tunga"/>
+        <a:font script="Guru" typeface="Raavi"/>
+        <a:font script="Cans" typeface="Euphemia"/>
+        <a:font script="Cher" typeface="Plantagenet Cherokee"/>
+        <a:font script="Yiii" typeface="Microsoft Yi Baiti"/>
+        <a:font script="Tibt" typeface="Microsoft Himalaya"/>
+        <a:font script="Thaa" typeface="MV Boli"/>
+        <a:font script="Deva" typeface="Mangal"/>
+        <a:font script="Telu" typeface="Gautami"/>
+        <a:font script="Taml" typeface="Latha"/>
+        <a:font script="Syrc" typeface="Estrangelo Edessa"/>
+        <a:font script="Orya" typeface="Kalinga"/>
+        <a:font script="Mlym" typeface="Kartika"/>
+        <a:font script="Laoo" typeface="DokChampa"/>
+        <a:font script="Sinh" typeface="Iskoola Pota"/>
+        <a:font script="Mong" typeface="Mongolian Baiti"/>
+        <a:font script="Viet" typeface="Arial"/>
+        <a:font script="Uigh" typeface="Microsoft Uighur"/>
+        <a:font script="Geor" typeface="Sylfaen"/>
+        <a:font script="Armn" typeface="Arial"/>
+        <a:font script="Bugi" typeface="Leelawadee UI"/>
+        <a:font script="Bopo" typeface="Microsoft JhengHei"/>
+        <a:font script="Java" typeface="Javanese Text"/>
+        <a:font script="Lisu" typeface="Segoe UI"/>
+        <a:font script="Mymr" typeface="Myanmar Text"/>
+        <a:font script="Nkoo" typeface="Ebrima"/>
+        <a:font script="Olck" typeface="Nirmala UI"/>
+        <a:font script="Osma" typeface="Ebrima"/>
+        <a:font script="Phag" typeface="Phagspa"/>
+        <a:font script="Syrn" typeface="Estrangelo Edessa"/>
+        <a:font script="Syrj" typeface="Estrangelo Edessa"/>
+        <a:font script="Syre" typeface="Estrangelo Edessa"/>
+        <a:font script="Sora" typeface="Nirmala UI"/>
+        <a:font script="Tale" typeface="Microsoft Tai Le"/>
+        <a:font script="Talu" typeface="Microsoft New Tai Lue"/>
+        <a:font script="Tfng" typeface="Ebrima"/>
+      </a:minorFont>
+    </a:fontScheme>
+    <a:fmtScheme name="Office">
+      <a:fillStyleLst>
+        <a:solidFill>
+          <a:schemeClr val="phClr"/>
+        </a:solidFill>
+        <a:gradFill rotWithShape="1">
+          <a:gsLst>
+            <a:gs pos="0">
+              <a:schemeClr val="phClr">
+                <a:lumMod val="110000"/>
+                <a:satMod val="105000"/>
+                <a:tint val="67000"/>
+              </a:schemeClr>
+            </a:gs>
+            <a:gs pos="50000">
+              <a:schemeClr val="phClr">
+                <a:lumMod val="105000"/>
+                <a:satMod val="103000"/>
+                <a:tint val="73000"/>
+              </a:schemeClr>
+            </a:gs>
+            <a:gs pos="100000">
+              <a:schemeClr val="phClr">
+                <a:lumMod val="105000"/>
+                <a:satMod val="109000"/>
+                <a:tint val="81000"/>
+              </a:schemeClr>
+            </a:gs>
+          </a:gsLst>
+          <a:lin ang="5400000" scaled="0"/>
+        </a:gradFill>
+        <a:gradFill rotWithShape="1">
+          <a:gsLst>
+            <a:gs pos="0">
+              <a:schemeClr val="phClr">
+                <a:satMod val="103000"/>
+                <a:lumMod val="102000"/>
+                <a:tint val="94000"/>
+              </a:schemeClr>
+            </a:gs>
+            <a:gs pos="50000">
+              <a:schemeClr val="phClr">
+                <a:satMod val="110000"/>
+                <a:lumMod val="100000"/>
+                <a:shade val="100000"/>
+              </a:schemeClr>
+            </a:gs>
+            <a:gs pos="100000">
+              <a:schemeClr val="phClr">
+                <a:lumMod val="99000"/>
+                <a:satMod val="120000"/>
+                <a:shade val="78000"/>
+              </a:schemeClr>
+            </a:gs>
+          </a:gsLst>
+          <a:lin ang="5400000" scaled="0"/>
+        </a:gradFill>
+      </a:fillStyleLst>
+      <a:lnStyleLst>
+        <a:ln w="6350" cap="flat" cmpd="sng" algn="ctr">
+          <a:solidFill>
+            <a:schemeClr val="phClr"/>
+          </a:solidFill>
+          <a:prstDash val="solid"/>
+          <a:miter lim="800000"/>
+        </a:ln>
+        <a:ln w="12700" cap="flat" cmpd="sng" algn="ctr">
+          <a:solidFill>
+            <a:schemeClr val="phClr"/>
+          </a:solidFill>
+          <a:prstDash val="solid"/>
+          <a:miter lim="800000"/>
+        </a:ln>
+        <a:ln w="19050" cap="flat" cmpd="sng" algn="ctr">
+          <a:solidFill>
+            <a:schemeClr val="phClr"/>
+          </a:solidFill>
+          <a:prstDash val="solid"/>
+          <a:miter lim="800000"/>
+        </a:ln>
+      </a:lnStyleLst>
+      <a:effectStyleLst>
+        <a:effectStyle>
+          <a:effectLst/>
+        </a:effectStyle>
+        <a:effectStyle>
+          <a:effectLst/>
+        </a:effectStyle>
+        <a:effectStyle>
+          <a:effectLst>
+            <a:outerShdw blurRad="57150" dist="19050" dir="5400000" algn="ctr" rotWithShape="0">
+              <a:srgbClr val="000000">
+                <a:alpha val="63000"/>
+              </a:srgbClr>
+            </a:outerShdw>
+          </a:effectLst>
+        </a:effectStyle>
+      </a:effectStyleLst>
+      <a:bgFillStyleLst>
+        <a:solidFill>
+          <a:schemeClr val="phClr"/>
+        </a:solidFill>
+        <a:solidFill>
+          <a:schemeClr val="phClr">
+            <a:tint val="95000"/>
+            <a:satMod val="170000"/>
+          </a:schemeClr>
+        </a:solidFill>
+        <a:gradFill rotWithShape="1">
+          <a:gsLst>
+            <a:gs pos="0">
+              <a:schemeClr val="phClr">
+                <a:tint val="93000"/>
+                <a:satMod val="150000"/>
+                <a:shade val="98000"/>
+                <a:lumMod val="102000"/>
+              </a:schemeClr>
+            </a:gs>
+            <a:gs pos="50000">
+              <a:schemeClr val="phClr">
+                <a:tint val="98000"/>
+                <a:satMod val="130000"/>
+                <a:shade val="90000"/>
+                <a:lumMod val="103000"/>
+              </a:schemeClr>
+            </a:gs>
+            <a:gs pos="100000">
+              <a:schemeClr val="phClr">
+                <a:shade val="63000"/>
+                <a:satMod val="120000"/>
+              </a:schemeClr>
+            </a:gs>
+          </a:gsLst>
+          <a:lin ang="5400000" scaled="0"/>
+        </a:gradFill>
+      </a:bgFillStyleLst>
+    </a:fmtScheme>
+  </a:themeElements>
+  <a:objectDefaults/>
+  <a:extraClrSchemeLst/>
+  <a:extLst>
+    <a:ext uri="{05A4C25C-085E-4340-85A3-A5531E510DB2}">
+      <thm15:themeFamily xmlns:thm15="http://schemas.microsoft.com/office/thememl/2012/main" name="Office Theme" id="{62F939B6-93AF-4DB8-9C6B-D6C7DFDC589F}" vid="{4A3C46E8-61CC-4603-A589-7422A47A8E4A}"/>
+    </a:ext>
+  </a:extLst>
+</a:theme>
 </file>
--- a/5.AHIFS/BWM2/Kaufvertrag_Referat.pptx
+++ b/5.AHIFS/BWM2/Kaufvertrag_Referat.pptx
@@ -217,7 +217,7 @@
           <a:p>
             <a:fld id="{98B97E93-1BC7-46A1-AA24-43730B07A29C}" type="datetimeFigureOut">
               <a:rPr lang="de-AT" smtClean="0"/>
-              <a:t>20.01.2019</a:t>
+              <a:t>24.01.2019</a:t>
             </a:fld>
             <a:endParaRPr lang="de-AT"/>
           </a:p>
@@ -650,13 +650,43 @@
           <a:bodyPr/>
           <a:lstStyle/>
           <a:p>
+            <a:pPr marL="628650" lvl="1" indent="-171450">
+              <a:buFont typeface="Arial" panose="020B0604020202020204" pitchFamily="34" charset="0"/>
+              <a:buChar char="•"/>
+            </a:pPr>
+            <a:r>
+              <a:rPr lang="de-AT" dirty="0"/>
+              <a:t>Sofort oder innerhalb weniger Tage</a:t>
+            </a:r>
+          </a:p>
+          <a:p>
+            <a:pPr marL="628650" lvl="1" indent="-171450">
+              <a:buFont typeface="Arial" panose="020B0604020202020204" pitchFamily="34" charset="0"/>
+              <a:buChar char="•"/>
+            </a:pPr>
+            <a:r>
+              <a:rPr lang="de-AT" dirty="0"/>
+              <a:t>In der 20. Kalenderwoche, Ende Juli</a:t>
+            </a:r>
+          </a:p>
+          <a:p>
+            <a:pPr marL="628650" lvl="1" indent="-171450">
+              <a:buFont typeface="Arial" panose="020B0604020202020204" pitchFamily="34" charset="0"/>
+              <a:buChar char="•"/>
+            </a:pPr>
+            <a:r>
+              <a:rPr lang="de-AT" dirty="0"/>
+              <a:t>Wort „Fix“; Manchmal Art des Geschäftes (Hochzeit)</a:t>
+            </a:r>
+          </a:p>
+          <a:p>
             <a:pPr marL="171450" indent="-171450">
               <a:buFont typeface="Arial" panose="020B0604020202020204" pitchFamily="34" charset="0"/>
               <a:buChar char="•"/>
             </a:pPr>
             <a:r>
               <a:rPr lang="de-AT" dirty="0"/>
-              <a:t>Ausreichender Schutz der Ware</a:t>
+              <a:t>Jener Ort wo die Ware übergeben werden muss</a:t>
             </a:r>
           </a:p>
           <a:p>
@@ -666,8 +696,15 @@
             </a:pPr>
             <a:r>
               <a:rPr lang="de-AT" dirty="0"/>
-              <a:t>Rechtlich der Käufer (meist im Preis enthalten)</a:t>
-            </a:r>
+              <a:t>Falls nicht ausgemacht der Ort vom Vertragsabschluss seine Handelsniederlassung hat</a:t>
+            </a:r>
+          </a:p>
+          <a:p>
+            <a:pPr marL="171450" indent="-171450">
+              <a:buFont typeface="Arial" panose="020B0604020202020204" pitchFamily="34" charset="0"/>
+              <a:buChar char="•"/>
+            </a:pPr>
+            <a:endParaRPr lang="de-AT" dirty="0"/>
           </a:p>
         </p:txBody>
       </p:sp>
@@ -688,7 +725,7 @@
           <a:p>
             <a:fld id="{024EC6CA-C12B-4BE8-8078-31C6225E6F24}" type="slidenum">
               <a:rPr lang="de-AT" smtClean="0"/>
-              <a:t>14</a:t>
+              <a:t>12</a:t>
             </a:fld>
             <a:endParaRPr lang="de-AT"/>
           </a:p>
@@ -697,7 +734,7 @@
     </p:spTree>
     <p:extLst>
       <p:ext uri="{BB962C8B-B14F-4D97-AF65-F5344CB8AC3E}">
-        <p14:creationId xmlns:p14="http://schemas.microsoft.com/office/powerpoint/2010/main" val="2619333152"/>
+        <p14:creationId xmlns:p14="http://schemas.microsoft.com/office/powerpoint/2010/main" val="3806711585"/>
       </p:ext>
     </p:extLst>
   </p:cSld>
@@ -755,60 +792,7 @@
               <a:buFont typeface="Arial" panose="020B0604020202020204" pitchFamily="34" charset="0"/>
               <a:buChar char="•"/>
             </a:pPr>
-            <a:r>
-              <a:rPr lang="de-AT" dirty="0"/>
-              <a:t>Müssen in den Vertrag aufgenommen werden. Onlineshopping darauf hinweisen</a:t>
-            </a:r>
-          </a:p>
-          <a:p>
-            <a:pPr marL="171450" indent="-171450">
-              <a:buFont typeface="Arial" panose="020B0604020202020204" pitchFamily="34" charset="0"/>
-              <a:buChar char="•"/>
-            </a:pPr>
-            <a:r>
-              <a:rPr lang="de-AT" dirty="0"/>
-              <a:t>Zwar benützen sie gehört aber dem Verkäufer</a:t>
-            </a:r>
-          </a:p>
-          <a:p>
-            <a:pPr marL="171450" indent="-171450">
-              <a:buFont typeface="Arial" panose="020B0604020202020204" pitchFamily="34" charset="0"/>
-              <a:buChar char="•"/>
-            </a:pPr>
-            <a:r>
-              <a:rPr lang="de-AT" dirty="0"/>
-              <a:t>Grundsätzlich nicht d.h. es muss vereinbart werden</a:t>
-            </a:r>
-          </a:p>
-          <a:p>
-            <a:pPr marL="171450" indent="-171450">
-              <a:buFont typeface="Arial" panose="020B0604020202020204" pitchFamily="34" charset="0"/>
-              <a:buChar char="•"/>
-            </a:pPr>
-            <a:r>
-              <a:rPr lang="de-AT" dirty="0"/>
-              <a:t>Verkäufer nicht vertragsgerecht liefert Schaden bezahlen</a:t>
-            </a:r>
-          </a:p>
-          <a:p>
-            <a:pPr marL="171450" indent="-171450">
-              <a:buFont typeface="Arial" panose="020B0604020202020204" pitchFamily="34" charset="0"/>
-              <a:buChar char="•"/>
-            </a:pPr>
-            <a:r>
-              <a:rPr lang="de-AT" dirty="0"/>
-              <a:t>Falls zurückgetreten wird</a:t>
-            </a:r>
-          </a:p>
-          <a:p>
-            <a:pPr marL="171450" indent="-171450">
-              <a:buFont typeface="Arial" panose="020B0604020202020204" pitchFamily="34" charset="0"/>
-              <a:buChar char="•"/>
-            </a:pPr>
-            <a:r>
-              <a:rPr lang="de-AT" dirty="0"/>
-              <a:t>Regeln die Ansprüche des Käufers bei mangelhafter Ware</a:t>
-            </a:r>
+            <a:endParaRPr lang="de-AT" dirty="0"/>
           </a:p>
         </p:txBody>
       </p:sp>
@@ -829,7 +813,7 @@
           <a:p>
             <a:fld id="{024EC6CA-C12B-4BE8-8078-31C6225E6F24}" type="slidenum">
               <a:rPr lang="de-AT" smtClean="0"/>
-              <a:t>15</a:t>
+              <a:t>13</a:t>
             </a:fld>
             <a:endParaRPr lang="de-AT"/>
           </a:p>
@@ -838,7 +822,7 @@
     </p:spTree>
     <p:extLst>
       <p:ext uri="{BB962C8B-B14F-4D97-AF65-F5344CB8AC3E}">
-        <p14:creationId xmlns:p14="http://schemas.microsoft.com/office/powerpoint/2010/main" val="1381316983"/>
+        <p14:creationId xmlns:p14="http://schemas.microsoft.com/office/powerpoint/2010/main" val="4253658019"/>
       </p:ext>
     </p:extLst>
   </p:cSld>
@@ -898,7 +882,7 @@
             </a:pPr>
             <a:r>
               <a:rPr lang="de-AT" dirty="0"/>
-              <a:t>Ausnahme: Hauslieferung von Pizza; Zeitungen; Freizeitdienstleistungen</a:t>
+              <a:t>Ausreichender Schutz der Ware</a:t>
             </a:r>
           </a:p>
           <a:p>
@@ -908,7 +892,7 @@
             </a:pPr>
             <a:r>
               <a:rPr lang="de-AT" dirty="0"/>
-              <a:t>Viele aber übernehmen die Kosten</a:t>
+              <a:t>Rechtlich der Käufer (meist im Preis enthalten)</a:t>
             </a:r>
           </a:p>
         </p:txBody>
@@ -930,7 +914,7 @@
           <a:p>
             <a:fld id="{024EC6CA-C12B-4BE8-8078-31C6225E6F24}" type="slidenum">
               <a:rPr lang="de-AT" smtClean="0"/>
-              <a:t>17</a:t>
+              <a:t>14</a:t>
             </a:fld>
             <a:endParaRPr lang="de-AT"/>
           </a:p>
@@ -939,7 +923,7 @@
     </p:spTree>
     <p:extLst>
       <p:ext uri="{BB962C8B-B14F-4D97-AF65-F5344CB8AC3E}">
-        <p14:creationId xmlns:p14="http://schemas.microsoft.com/office/powerpoint/2010/main" val="4194756593"/>
+        <p14:creationId xmlns:p14="http://schemas.microsoft.com/office/powerpoint/2010/main" val="2619333152"/>
       </p:ext>
     </p:extLst>
   </p:cSld>
@@ -993,6 +977,305 @@
           <a:bodyPr/>
           <a:lstStyle/>
           <a:p>
+            <a:pPr marL="171450" indent="-171450">
+              <a:buFont typeface="Arial" panose="020B0604020202020204" pitchFamily="34" charset="0"/>
+              <a:buChar char="•"/>
+            </a:pPr>
+            <a:r>
+              <a:rPr lang="de-AT" dirty="0"/>
+              <a:t>Müssen in den Vertrag aufgenommen werden. Onlineshopping darauf hinweisen</a:t>
+            </a:r>
+          </a:p>
+          <a:p>
+            <a:pPr marL="171450" indent="-171450">
+              <a:buFont typeface="Arial" panose="020B0604020202020204" pitchFamily="34" charset="0"/>
+              <a:buChar char="•"/>
+            </a:pPr>
+            <a:r>
+              <a:rPr lang="de-AT" dirty="0"/>
+              <a:t>Zwar benützen sie gehört aber dem Verkäufer</a:t>
+            </a:r>
+          </a:p>
+          <a:p>
+            <a:pPr marL="171450" indent="-171450">
+              <a:buFont typeface="Arial" panose="020B0604020202020204" pitchFamily="34" charset="0"/>
+              <a:buChar char="•"/>
+            </a:pPr>
+            <a:r>
+              <a:rPr lang="de-AT" dirty="0"/>
+              <a:t>Grundsätzlich nicht d.h. es muss vereinbart werden</a:t>
+            </a:r>
+          </a:p>
+          <a:p>
+            <a:pPr marL="171450" indent="-171450">
+              <a:buFont typeface="Arial" panose="020B0604020202020204" pitchFamily="34" charset="0"/>
+              <a:buChar char="•"/>
+            </a:pPr>
+            <a:r>
+              <a:rPr lang="de-AT" dirty="0"/>
+              <a:t>Verkäufer nicht vertragsgerecht liefert Schaden bezahlen</a:t>
+            </a:r>
+          </a:p>
+          <a:p>
+            <a:pPr marL="171450" indent="-171450">
+              <a:buFont typeface="Arial" panose="020B0604020202020204" pitchFamily="34" charset="0"/>
+              <a:buChar char="•"/>
+            </a:pPr>
+            <a:r>
+              <a:rPr lang="de-AT" dirty="0"/>
+              <a:t>Falls zurückgetreten wird</a:t>
+            </a:r>
+          </a:p>
+          <a:p>
+            <a:pPr marL="171450" indent="-171450">
+              <a:buFont typeface="Arial" panose="020B0604020202020204" pitchFamily="34" charset="0"/>
+              <a:buChar char="•"/>
+            </a:pPr>
+            <a:r>
+              <a:rPr lang="de-AT" dirty="0"/>
+              <a:t>Regeln die Ansprüche des Käufers bei mangelhafter Ware</a:t>
+            </a:r>
+          </a:p>
+        </p:txBody>
+      </p:sp>
+      <p:sp>
+        <p:nvSpPr>
+          <p:cNvPr id="4" name="Foliennummernplatzhalter 3"/>
+          <p:cNvSpPr>
+            <a:spLocks noGrp="1"/>
+          </p:cNvSpPr>
+          <p:nvPr>
+            <p:ph type="sldNum" sz="quarter" idx="5"/>
+          </p:nvPr>
+        </p:nvSpPr>
+        <p:spPr/>
+        <p:txBody>
+          <a:bodyPr/>
+          <a:lstStyle/>
+          <a:p>
+            <a:fld id="{024EC6CA-C12B-4BE8-8078-31C6225E6F24}" type="slidenum">
+              <a:rPr lang="de-AT" smtClean="0"/>
+              <a:t>15</a:t>
+            </a:fld>
+            <a:endParaRPr lang="de-AT"/>
+          </a:p>
+        </p:txBody>
+      </p:sp>
+    </p:spTree>
+    <p:extLst>
+      <p:ext uri="{BB962C8B-B14F-4D97-AF65-F5344CB8AC3E}">
+        <p14:creationId xmlns:p14="http://schemas.microsoft.com/office/powerpoint/2010/main" val="1381316983"/>
+      </p:ext>
+    </p:extLst>
+  </p:cSld>
+  <p:clrMapOvr>
+    <a:masterClrMapping/>
+  </p:clrMapOvr>
+</p:notes>
+</file>
+
+<file path=ppt/notesSlides/notesSlide14.xml><?xml version="1.0" encoding="utf-8"?>
+<p:notes xmlns:a="http://schemas.openxmlformats.org/drawingml/2006/main" xmlns:r="http://schemas.openxmlformats.org/officeDocument/2006/relationships" xmlns:p="http://schemas.openxmlformats.org/presentationml/2006/main">
+  <p:cSld>
+    <p:spTree>
+      <p:nvGrpSpPr>
+        <p:cNvPr id="1" name=""/>
+        <p:cNvGrpSpPr/>
+        <p:nvPr/>
+      </p:nvGrpSpPr>
+      <p:grpSpPr>
+        <a:xfrm>
+          <a:off x="0" y="0"/>
+          <a:ext cx="0" cy="0"/>
+          <a:chOff x="0" y="0"/>
+          <a:chExt cx="0" cy="0"/>
+        </a:xfrm>
+      </p:grpSpPr>
+      <p:sp>
+        <p:nvSpPr>
+          <p:cNvPr id="2" name="Folienbildplatzhalter 1"/>
+          <p:cNvSpPr>
+            <a:spLocks noGrp="1" noRot="1" noChangeAspect="1"/>
+          </p:cNvSpPr>
+          <p:nvPr>
+            <p:ph type="sldImg"/>
+          </p:nvPr>
+        </p:nvSpPr>
+        <p:spPr/>
+      </p:sp>
+      <p:sp>
+        <p:nvSpPr>
+          <p:cNvPr id="3" name="Notizenplatzhalter 2"/>
+          <p:cNvSpPr>
+            <a:spLocks noGrp="1"/>
+          </p:cNvSpPr>
+          <p:nvPr>
+            <p:ph type="body" idx="1"/>
+          </p:nvPr>
+        </p:nvSpPr>
+        <p:spPr/>
+        <p:txBody>
+          <a:bodyPr/>
+          <a:lstStyle/>
+          <a:p>
+            <a:pPr marL="171450" indent="-171450">
+              <a:buFont typeface="Arial" panose="020B0604020202020204" pitchFamily="34" charset="0"/>
+              <a:buChar char="•"/>
+            </a:pPr>
+            <a:r>
+              <a:rPr lang="de-AT" dirty="0"/>
+              <a:t>Ausnahme: Hauslieferung von Pizza; Zeitungen; Freizeitdienstleistungen</a:t>
+            </a:r>
+          </a:p>
+          <a:p>
+            <a:pPr marL="171450" indent="-171450">
+              <a:buFont typeface="Arial" panose="020B0604020202020204" pitchFamily="34" charset="0"/>
+              <a:buChar char="•"/>
+            </a:pPr>
+            <a:r>
+              <a:rPr lang="de-AT" dirty="0"/>
+              <a:t>Viele aber übernehmen die Kosten</a:t>
+            </a:r>
+          </a:p>
+        </p:txBody>
+      </p:sp>
+      <p:sp>
+        <p:nvSpPr>
+          <p:cNvPr id="4" name="Foliennummernplatzhalter 3"/>
+          <p:cNvSpPr>
+            <a:spLocks noGrp="1"/>
+          </p:cNvSpPr>
+          <p:nvPr>
+            <p:ph type="sldNum" sz="quarter" idx="5"/>
+          </p:nvPr>
+        </p:nvSpPr>
+        <p:spPr/>
+        <p:txBody>
+          <a:bodyPr/>
+          <a:lstStyle/>
+          <a:p>
+            <a:fld id="{024EC6CA-C12B-4BE8-8078-31C6225E6F24}" type="slidenum">
+              <a:rPr lang="de-AT" smtClean="0"/>
+              <a:t>17</a:t>
+            </a:fld>
+            <a:endParaRPr lang="de-AT"/>
+          </a:p>
+        </p:txBody>
+      </p:sp>
+    </p:spTree>
+    <p:extLst>
+      <p:ext uri="{BB962C8B-B14F-4D97-AF65-F5344CB8AC3E}">
+        <p14:creationId xmlns:p14="http://schemas.microsoft.com/office/powerpoint/2010/main" val="4194756593"/>
+      </p:ext>
+    </p:extLst>
+  </p:cSld>
+  <p:clrMapOvr>
+    <a:masterClrMapping/>
+  </p:clrMapOvr>
+</p:notes>
+</file>
+
+<file path=ppt/notesSlides/notesSlide15.xml><?xml version="1.0" encoding="utf-8"?>
+<p:notes xmlns:a="http://schemas.openxmlformats.org/drawingml/2006/main" xmlns:r="http://schemas.openxmlformats.org/officeDocument/2006/relationships" xmlns:p="http://schemas.openxmlformats.org/presentationml/2006/main">
+  <p:cSld>
+    <p:spTree>
+      <p:nvGrpSpPr>
+        <p:cNvPr id="1" name=""/>
+        <p:cNvGrpSpPr/>
+        <p:nvPr/>
+      </p:nvGrpSpPr>
+      <p:grpSpPr>
+        <a:xfrm>
+          <a:off x="0" y="0"/>
+          <a:ext cx="0" cy="0"/>
+          <a:chOff x="0" y="0"/>
+          <a:chExt cx="0" cy="0"/>
+        </a:xfrm>
+      </p:grpSpPr>
+      <p:sp>
+        <p:nvSpPr>
+          <p:cNvPr id="2" name="Folienbildplatzhalter 1"/>
+          <p:cNvSpPr>
+            <a:spLocks noGrp="1" noRot="1" noChangeAspect="1"/>
+          </p:cNvSpPr>
+          <p:nvPr>
+            <p:ph type="sldImg"/>
+          </p:nvPr>
+        </p:nvSpPr>
+        <p:spPr/>
+      </p:sp>
+      <p:sp>
+        <p:nvSpPr>
+          <p:cNvPr id="3" name="Notizenplatzhalter 2"/>
+          <p:cNvSpPr>
+            <a:spLocks noGrp="1"/>
+          </p:cNvSpPr>
+          <p:nvPr>
+            <p:ph type="body" idx="1"/>
+          </p:nvPr>
+        </p:nvSpPr>
+        <p:spPr/>
+        <p:txBody>
+          <a:bodyPr/>
+          <a:lstStyle/>
+          <a:p>
+            <a:pPr marL="171450" indent="-171450">
+              <a:buFont typeface="Arial" panose="020B0604020202020204" pitchFamily="34" charset="0"/>
+              <a:buChar char="•"/>
+            </a:pPr>
+            <a:r>
+              <a:rPr lang="de-AT" dirty="0"/>
+              <a:t>Führt den Transport durch</a:t>
+            </a:r>
+          </a:p>
+          <a:p>
+            <a:pPr marL="171450" indent="-171450">
+              <a:buFont typeface="Arial" panose="020B0604020202020204" pitchFamily="34" charset="0"/>
+              <a:buChar char="•"/>
+            </a:pPr>
+            <a:r>
+              <a:rPr lang="de-AT" dirty="0"/>
+              <a:t>Vermittler zwischen Verkäufer und </a:t>
+            </a:r>
+            <a:r>
+              <a:rPr lang="de-AT" dirty="0" err="1"/>
+              <a:t>Frachtführerr</a:t>
+            </a:r>
+            <a:endParaRPr lang="de-AT" dirty="0"/>
+          </a:p>
+          <a:p>
+            <a:pPr marL="171450" indent="-171450">
+              <a:buFont typeface="Arial" panose="020B0604020202020204" pitchFamily="34" charset="0"/>
+              <a:buChar char="•"/>
+            </a:pPr>
+            <a:r>
+              <a:rPr lang="de-AT" dirty="0"/>
+              <a:t>Frachtführer und Spediteur zugleich</a:t>
+            </a:r>
+          </a:p>
+          <a:p>
+            <a:pPr marL="171450" indent="-171450">
+              <a:buFont typeface="Arial" panose="020B0604020202020204" pitchFamily="34" charset="0"/>
+              <a:buChar char="•"/>
+            </a:pPr>
+            <a:r>
+              <a:rPr lang="de-AT" dirty="0"/>
+              <a:t>Lieferschein (Käufer) Gegenschein (</a:t>
+            </a:r>
+            <a:r>
+              <a:rPr lang="de-AT" dirty="0" err="1"/>
+              <a:t>bestätigung</a:t>
+            </a:r>
+            <a:r>
+              <a:rPr lang="de-AT" dirty="0"/>
+              <a:t> der Abnahme)</a:t>
+            </a:r>
+          </a:p>
+          <a:p>
+            <a:pPr marL="0" indent="0">
+              <a:buFont typeface="Arial" panose="020B0604020202020204" pitchFamily="34" charset="0"/>
+              <a:buNone/>
+            </a:pPr>
             <a:endParaRPr lang="de-AT" dirty="0"/>
           </a:p>
         </p:txBody>
@@ -1033,7 +1316,7 @@
 </p:notes>
 </file>
 
-<file path=ppt/notesSlides/notesSlide14.xml><?xml version="1.0" encoding="utf-8"?>
+<file path=ppt/notesSlides/notesSlide16.xml><?xml version="1.0" encoding="utf-8"?>
 <p:notes xmlns:a="http://schemas.openxmlformats.org/drawingml/2006/main" xmlns:r="http://schemas.openxmlformats.org/officeDocument/2006/relationships" xmlns:p="http://schemas.openxmlformats.org/presentationml/2006/main">
   <p:cSld>
     <p:spTree>
@@ -1631,43 +1914,28 @@
           <a:bodyPr/>
           <a:lstStyle/>
           <a:p>
-            <a:pPr marL="171450" indent="-171450">
-              <a:buFont typeface="Arial" panose="020B0604020202020204" pitchFamily="34" charset="0"/>
-              <a:buChar char="•"/>
-            </a:pPr>
-            <a:r>
-              <a:rPr lang="de-AT" dirty="0"/>
-              <a:t>Abweichungen beide zustimmen</a:t>
-            </a:r>
-          </a:p>
-          <a:p>
-            <a:pPr marL="171450" indent="-171450">
-              <a:buFont typeface="Arial" panose="020B0604020202020204" pitchFamily="34" charset="0"/>
-              <a:buChar char="•"/>
-            </a:pPr>
-            <a:r>
-              <a:rPr lang="de-AT" dirty="0"/>
-              <a:t>Bestimmter Prozentsatz</a:t>
-            </a:r>
-          </a:p>
-          <a:p>
-            <a:pPr marL="171450" indent="-171450">
-              <a:buFont typeface="Arial" panose="020B0604020202020204" pitchFamily="34" charset="0"/>
-              <a:buChar char="•"/>
-            </a:pPr>
-            <a:r>
-              <a:rPr lang="de-AT" dirty="0"/>
-              <a:t>Ungefährer Überblick</a:t>
-            </a:r>
-          </a:p>
-          <a:p>
-            <a:pPr marL="171450" indent="-171450">
-              <a:buFont typeface="Arial" panose="020B0604020202020204" pitchFamily="34" charset="0"/>
-              <a:buChar char="•"/>
-            </a:pPr>
-            <a:r>
-              <a:rPr lang="de-AT" dirty="0"/>
-              <a:t>Berücksichtigung von Tara</a:t>
+            <a:r>
+              <a:rPr lang="de-AT" dirty="0"/>
+              <a:t> - Markenregister </a:t>
+            </a:r>
+            <a:r>
+              <a:rPr lang="de-AT" dirty="0" err="1"/>
+              <a:t>wien</a:t>
+            </a:r>
+            <a:r>
+              <a:rPr lang="de-AT" dirty="0"/>
+              <a:t> oder internationale in </a:t>
+            </a:r>
+            <a:r>
+              <a:rPr lang="de-AT" dirty="0" err="1"/>
+              <a:t>genf</a:t>
+            </a:r>
+            <a:endParaRPr lang="de-AT" dirty="0"/>
+          </a:p>
+          <a:p>
+            <a:r>
+              <a:rPr lang="de-AT" dirty="0"/>
+              <a:t> - </a:t>
             </a:r>
           </a:p>
         </p:txBody>
@@ -1689,7 +1957,7 @@
           <a:p>
             <a:fld id="{024EC6CA-C12B-4BE8-8078-31C6225E6F24}" type="slidenum">
               <a:rPr lang="de-AT" smtClean="0"/>
-              <a:t>10</a:t>
+              <a:t>8</a:t>
             </a:fld>
             <a:endParaRPr lang="de-AT"/>
           </a:p>
@@ -1698,7 +1966,7 @@
     </p:spTree>
     <p:extLst>
       <p:ext uri="{BB962C8B-B14F-4D97-AF65-F5344CB8AC3E}">
-        <p14:creationId xmlns:p14="http://schemas.microsoft.com/office/powerpoint/2010/main" val="1218181237"/>
+        <p14:creationId xmlns:p14="http://schemas.microsoft.com/office/powerpoint/2010/main" val="3457964145"/>
       </p:ext>
     </p:extLst>
   </p:cSld>
@@ -1758,33 +2026,8 @@
             </a:pPr>
             <a:r>
               <a:rPr lang="de-AT" dirty="0"/>
-              <a:t>Basispreis </a:t>
-            </a:r>
-            <a:r>
-              <a:rPr lang="de-AT" dirty="0">
-                <a:sym typeface="Wingdings" panose="05000000000000000000" pitchFamily="2" charset="2"/>
-              </a:rPr>
-              <a:t> Wenn Qualität nicht passt; Kostenschwankungsklauseln  falls einzelne Kosten steigen; </a:t>
-            </a:r>
-            <a:r>
-              <a:rPr lang="de-AT" dirty="0" err="1">
-                <a:sym typeface="Wingdings" panose="05000000000000000000" pitchFamily="2" charset="2"/>
-              </a:rPr>
-              <a:t>Iklauseln</a:t>
-            </a:r>
-            <a:r>
-              <a:rPr lang="de-AT" dirty="0">
-                <a:sym typeface="Wingdings" panose="05000000000000000000" pitchFamily="2" charset="2"/>
-              </a:rPr>
-              <a:t>  wenn sich die Preise in best. Bereiche verändern</a:t>
-            </a:r>
-          </a:p>
-          <a:p>
-            <a:pPr marL="171450" indent="-171450">
-              <a:buFont typeface="Arial" panose="020B0604020202020204" pitchFamily="34" charset="0"/>
-              <a:buChar char="•"/>
-            </a:pPr>
-            <a:endParaRPr lang="de-AT" dirty="0"/>
+              <a:t> Teilmenge aus gesamtmenge: z.B. Fliesen</a:t>
+            </a:r>
           </a:p>
         </p:txBody>
       </p:sp>
@@ -1805,7 +2048,7 @@
           <a:p>
             <a:fld id="{024EC6CA-C12B-4BE8-8078-31C6225E6F24}" type="slidenum">
               <a:rPr lang="de-AT" smtClean="0"/>
-              <a:t>11</a:t>
+              <a:t>9</a:t>
             </a:fld>
             <a:endParaRPr lang="de-AT"/>
           </a:p>
@@ -1814,7 +2057,7 @@
     </p:spTree>
     <p:extLst>
       <p:ext uri="{BB962C8B-B14F-4D97-AF65-F5344CB8AC3E}">
-        <p14:creationId xmlns:p14="http://schemas.microsoft.com/office/powerpoint/2010/main" val="3738147268"/>
+        <p14:creationId xmlns:p14="http://schemas.microsoft.com/office/powerpoint/2010/main" val="2267804544"/>
       </p:ext>
     </p:extLst>
   </p:cSld>
@@ -1868,43 +2111,13 @@
           <a:bodyPr/>
           <a:lstStyle/>
           <a:p>
-            <a:pPr marL="628650" lvl="1" indent="-171450">
-              <a:buFont typeface="Arial" panose="020B0604020202020204" pitchFamily="34" charset="0"/>
-              <a:buChar char="•"/>
-            </a:pPr>
-            <a:r>
-              <a:rPr lang="de-AT" dirty="0"/>
-              <a:t>Sofort oder innerhalb weniger Tage</a:t>
-            </a:r>
-          </a:p>
-          <a:p>
-            <a:pPr marL="628650" lvl="1" indent="-171450">
-              <a:buFont typeface="Arial" panose="020B0604020202020204" pitchFamily="34" charset="0"/>
-              <a:buChar char="•"/>
-            </a:pPr>
-            <a:r>
-              <a:rPr lang="de-AT" dirty="0"/>
-              <a:t>In der 20. Kalenderwoche, Ende Juli</a:t>
-            </a:r>
-          </a:p>
-          <a:p>
-            <a:pPr marL="628650" lvl="1" indent="-171450">
-              <a:buFont typeface="Arial" panose="020B0604020202020204" pitchFamily="34" charset="0"/>
-              <a:buChar char="•"/>
-            </a:pPr>
-            <a:r>
-              <a:rPr lang="de-AT" dirty="0"/>
-              <a:t>Wort „Fix“; Manchmal Art des Geschäftes (Hochzeit)</a:t>
-            </a:r>
-          </a:p>
-          <a:p>
             <a:pPr marL="171450" indent="-171450">
               <a:buFont typeface="Arial" panose="020B0604020202020204" pitchFamily="34" charset="0"/>
               <a:buChar char="•"/>
             </a:pPr>
             <a:r>
               <a:rPr lang="de-AT" dirty="0"/>
-              <a:t>Jener Ort wo die Ware übergeben werden muss</a:t>
+              <a:t>Abweichungen beide zustimmen</a:t>
             </a:r>
           </a:p>
           <a:p>
@@ -1914,7 +2127,7 @@
             </a:pPr>
             <a:r>
               <a:rPr lang="de-AT" dirty="0"/>
-              <a:t>Falls nicht ausgemacht der Ort vom Vertragsabschluss seine Handelsniederlassung hat</a:t>
+              <a:t>Bestimmter Prozentsatz</a:t>
             </a:r>
           </a:p>
           <a:p>
@@ -1922,7 +2135,20 @@
               <a:buFont typeface="Arial" panose="020B0604020202020204" pitchFamily="34" charset="0"/>
               <a:buChar char="•"/>
             </a:pPr>
-            <a:endParaRPr lang="de-AT" dirty="0"/>
+            <a:r>
+              <a:rPr lang="de-AT" dirty="0"/>
+              <a:t>Ungefährer Überblick</a:t>
+            </a:r>
+          </a:p>
+          <a:p>
+            <a:pPr marL="171450" indent="-171450">
+              <a:buFont typeface="Arial" panose="020B0604020202020204" pitchFamily="34" charset="0"/>
+              <a:buChar char="•"/>
+            </a:pPr>
+            <a:r>
+              <a:rPr lang="de-AT" dirty="0"/>
+              <a:t>Berücksichtigung von Tara</a:t>
+            </a:r>
           </a:p>
         </p:txBody>
       </p:sp>
@@ -1943,7 +2169,7 @@
           <a:p>
             <a:fld id="{024EC6CA-C12B-4BE8-8078-31C6225E6F24}" type="slidenum">
               <a:rPr lang="de-AT" smtClean="0"/>
-              <a:t>12</a:t>
+              <a:t>10</a:t>
             </a:fld>
             <a:endParaRPr lang="de-AT"/>
           </a:p>
@@ -1952,7 +2178,7 @@
     </p:spTree>
     <p:extLst>
       <p:ext uri="{BB962C8B-B14F-4D97-AF65-F5344CB8AC3E}">
-        <p14:creationId xmlns:p14="http://schemas.microsoft.com/office/powerpoint/2010/main" val="3806711585"/>
+        <p14:creationId xmlns:p14="http://schemas.microsoft.com/office/powerpoint/2010/main" val="1218181237"/>
       </p:ext>
     </p:extLst>
   </p:cSld>
@@ -2010,6 +2236,52 @@
               <a:buFont typeface="Arial" panose="020B0604020202020204" pitchFamily="34" charset="0"/>
               <a:buChar char="•"/>
             </a:pPr>
+            <a:r>
+              <a:rPr lang="de-AT" dirty="0"/>
+              <a:t>Basispreis </a:t>
+            </a:r>
+            <a:r>
+              <a:rPr lang="de-AT" dirty="0">
+                <a:sym typeface="Wingdings" panose="05000000000000000000" pitchFamily="2" charset="2"/>
+              </a:rPr>
+              <a:t> Wenn Qualität nicht passt; Kostenschwankungsklauseln  falls einzelne Kosten steigen; </a:t>
+            </a:r>
+            <a:r>
+              <a:rPr lang="de-AT" dirty="0" err="1">
+                <a:sym typeface="Wingdings" panose="05000000000000000000" pitchFamily="2" charset="2"/>
+              </a:rPr>
+              <a:t>Iklauseln</a:t>
+            </a:r>
+            <a:r>
+              <a:rPr lang="de-AT" dirty="0">
+                <a:sym typeface="Wingdings" panose="05000000000000000000" pitchFamily="2" charset="2"/>
+              </a:rPr>
+              <a:t>  wenn sich die Preise in best. Bereiche verändern</a:t>
+            </a:r>
+          </a:p>
+          <a:p>
+            <a:pPr marL="171450" indent="-171450">
+              <a:buFont typeface="Arial" panose="020B0604020202020204" pitchFamily="34" charset="0"/>
+              <a:buChar char="•"/>
+            </a:pPr>
+            <a:r>
+              <a:rPr lang="de-AT" dirty="0" err="1">
+                <a:sym typeface="Wingdings" panose="05000000000000000000" pitchFamily="2" charset="2"/>
+              </a:rPr>
+              <a:t>Kostenschw</a:t>
+            </a:r>
+            <a:r>
+              <a:rPr lang="de-AT" dirty="0">
+                <a:sym typeface="Wingdings" panose="05000000000000000000" pitchFamily="2" charset="2"/>
+              </a:rPr>
+              <a:t>. Falls einzelne Kosten steigen</a:t>
+            </a:r>
+          </a:p>
+          <a:p>
+            <a:pPr marL="171450" indent="-171450">
+              <a:buFont typeface="Arial" panose="020B0604020202020204" pitchFamily="34" charset="0"/>
+              <a:buChar char="•"/>
+            </a:pPr>
             <a:endParaRPr lang="de-AT" dirty="0"/>
           </a:p>
         </p:txBody>
@@ -2031,7 +2303,7 @@
           <a:p>
             <a:fld id="{024EC6CA-C12B-4BE8-8078-31C6225E6F24}" type="slidenum">
               <a:rPr lang="de-AT" smtClean="0"/>
-              <a:t>13</a:t>
+              <a:t>11</a:t>
             </a:fld>
             <a:endParaRPr lang="de-AT"/>
           </a:p>
@@ -2040,7 +2312,7 @@
     </p:spTree>
     <p:extLst>
       <p:ext uri="{BB962C8B-B14F-4D97-AF65-F5344CB8AC3E}">
-        <p14:creationId xmlns:p14="http://schemas.microsoft.com/office/powerpoint/2010/main" val="4253658019"/>
+        <p14:creationId xmlns:p14="http://schemas.microsoft.com/office/powerpoint/2010/main" val="3738147268"/>
       </p:ext>
     </p:extLst>
   </p:cSld>
@@ -2220,7 +2492,7 @@
             <a:fld id="{87DE6118-2437-4B30-8E3C-4D2BE6020583}" type="datetimeFigureOut">
               <a:rPr lang="en-US" dirty="0"/>
               <a:pPr/>
-              <a:t>1/20/2019</a:t>
+              <a:t>1/24/2019</a:t>
             </a:fld>
             <a:endParaRPr lang="en-US" dirty="0"/>
           </a:p>
@@ -2546,7 +2818,7 @@
           <a:p>
             <a:fld id="{87DE6118-2437-4B30-8E3C-4D2BE6020583}" type="datetimeFigureOut">
               <a:rPr lang="en-US" dirty="0"/>
-              <a:t>1/20/2019</a:t>
+              <a:t>1/24/2019</a:t>
             </a:fld>
             <a:endParaRPr lang="en-US" dirty="0"/>
           </a:p>
@@ -2721,7 +2993,7 @@
           <a:p>
             <a:fld id="{87DE6118-2437-4B30-8E3C-4D2BE6020583}" type="datetimeFigureOut">
               <a:rPr lang="en-US" dirty="0"/>
-              <a:t>1/20/2019</a:t>
+              <a:t>1/24/2019</a:t>
             </a:fld>
             <a:endParaRPr lang="en-US" dirty="0"/>
           </a:p>
@@ -2886,7 +3158,7 @@
           <a:p>
             <a:fld id="{87DE6118-2437-4B30-8E3C-4D2BE6020583}" type="datetimeFigureOut">
               <a:rPr lang="en-US" dirty="0"/>
-              <a:t>1/20/2019</a:t>
+              <a:t>1/24/2019</a:t>
             </a:fld>
             <a:endParaRPr lang="en-US" dirty="0"/>
           </a:p>
@@ -3159,7 +3431,7 @@
             <a:fld id="{87DE6118-2437-4B30-8E3C-4D2BE6020583}" type="datetimeFigureOut">
               <a:rPr lang="en-US" dirty="0"/>
               <a:pPr/>
-              <a:t>1/20/2019</a:t>
+              <a:t>1/24/2019</a:t>
             </a:fld>
             <a:endParaRPr lang="en-US" dirty="0"/>
           </a:p>
@@ -3549,7 +3821,7 @@
           <a:p>
             <a:fld id="{87DE6118-2437-4B30-8E3C-4D2BE6020583}" type="datetimeFigureOut">
               <a:rPr lang="en-US" dirty="0"/>
-              <a:t>1/20/2019</a:t>
+              <a:t>1/24/2019</a:t>
             </a:fld>
             <a:endParaRPr lang="en-US" dirty="0"/>
           </a:p>
@@ -4021,7 +4293,7 @@
           <a:p>
             <a:fld id="{87DE6118-2437-4B30-8E3C-4D2BE6020583}" type="datetimeFigureOut">
               <a:rPr lang="en-US" dirty="0"/>
-              <a:t>1/20/2019</a:t>
+              <a:t>1/24/2019</a:t>
             </a:fld>
             <a:endParaRPr lang="en-US" dirty="0"/>
           </a:p>
@@ -4134,7 +4406,7 @@
           <a:p>
             <a:fld id="{87DE6118-2437-4B30-8E3C-4D2BE6020583}" type="datetimeFigureOut">
               <a:rPr lang="en-US" dirty="0"/>
-              <a:t>1/20/2019</a:t>
+              <a:t>1/24/2019</a:t>
             </a:fld>
             <a:endParaRPr lang="en-US" dirty="0"/>
           </a:p>
@@ -4224,7 +4496,7 @@
           <a:p>
             <a:fld id="{87DE6118-2437-4B30-8E3C-4D2BE6020583}" type="datetimeFigureOut">
               <a:rPr lang="en-US" dirty="0"/>
-              <a:t>1/20/2019</a:t>
+              <a:t>1/24/2019</a:t>
             </a:fld>
             <a:endParaRPr lang="en-US" dirty="0"/>
           </a:p>
@@ -4566,7 +4838,7 @@
             <a:fld id="{87DE6118-2437-4B30-8E3C-4D2BE6020583}" type="datetimeFigureOut">
               <a:rPr lang="en-US" dirty="0"/>
               <a:pPr/>
-              <a:t>1/20/2019</a:t>
+              <a:t>1/24/2019</a:t>
             </a:fld>
             <a:endParaRPr lang="en-US" dirty="0"/>
           </a:p>
@@ -4951,7 +5223,7 @@
             <a:fld id="{87DE6118-2437-4B30-8E3C-4D2BE6020583}" type="datetimeFigureOut">
               <a:rPr lang="en-US" dirty="0"/>
               <a:pPr/>
-              <a:t>1/20/2019</a:t>
+              <a:t>1/24/2019</a:t>
             </a:fld>
             <a:endParaRPr lang="en-US" dirty="0"/>
           </a:p>
@@ -5226,7 +5498,7 @@
             <a:fld id="{87DE6118-2437-4B30-8E3C-4D2BE6020583}" type="datetimeFigureOut">
               <a:rPr lang="en-US" dirty="0"/>
               <a:pPr/>
-              <a:t>1/20/2019</a:t>
+              <a:t>1/24/2019</a:t>
             </a:fld>
             <a:endParaRPr lang="en-US" dirty="0"/>
           </a:p>
@@ -5993,6 +6265,20 @@
             </a:r>
           </a:p>
           <a:p>
+            <a:r>
+              <a:rPr lang="de-AT" dirty="0"/>
+              <a:t>2 Arten:</a:t>
+            </a:r>
+          </a:p>
+          <a:p>
+            <a:pPr lvl="1"/>
+            <a:r>
+              <a:rPr lang="de-AT" dirty="0"/>
+              <a:t>Verträge mit festem Preis</a:t>
+            </a:r>
+          </a:p>
+          <a:p>
+            <a:pPr lvl="1"/>
             <a:r>
               <a:rPr lang="de-AT" dirty="0"/>
               <a:t>Verträge mit freibleibendem Preis (Basispreis, Kostenschwankungsklauseln und Indexklauseln) </a:t>
@@ -8685,12 +8971,12 @@
                         </a:spcAft>
                       </a:pPr>
                       <a:r>
-                        <a:rPr lang="de-AT" sz="1400">
+                        <a:rPr lang="de-AT" sz="1400" dirty="0">
                           <a:effectLst/>
                         </a:rPr>
                         <a:t>Ja</a:t>
                       </a:r>
-                      <a:endParaRPr lang="de-AT" sz="1400">
+                      <a:endParaRPr lang="de-AT" sz="1400" dirty="0">
                         <a:effectLst/>
                         <a:latin typeface="Calibri" panose="020F0502020204030204" pitchFamily="34" charset="0"/>
                         <a:ea typeface="Calibri" panose="020F0502020204030204" pitchFamily="34" charset="0"/>
@@ -10365,12 +10651,14 @@
             </a:r>
           </a:p>
           <a:p>
+            <a:pPr lvl="1"/>
             <a:r>
               <a:rPr lang="de-AT" dirty="0"/>
               <a:t>Fabrikmarken (Erzeuger)</a:t>
             </a:r>
           </a:p>
           <a:p>
+            <a:pPr lvl="1"/>
             <a:r>
               <a:rPr lang="de-AT" dirty="0"/>
               <a:t>Handelsmarken (Händler)</a:t>
